--- a/images/sns-fork-pattern-architecture.pptx
+++ b/images/sns-fork-pattern-architecture.pptx
@@ -4,8 +4,15 @@
   <p:sldMasterIdLst>
     <p:sldMasterId id="2147483648" r:id="rId1"/>
   </p:sldMasterIdLst>
+  <p:notesMasterIdLst>
+    <p:notesMasterId r:id="rId7"/>
+  </p:notesMasterIdLst>
   <p:sldIdLst>
     <p:sldId id="313" r:id="rId2"/>
+    <p:sldId id="317" r:id="rId3"/>
+    <p:sldId id="314" r:id="rId4"/>
+    <p:sldId id="316" r:id="rId5"/>
+    <p:sldId id="318" r:id="rId6"/>
   </p:sldIdLst>
   <p:sldSz cx="12192000" cy="6858000"/>
   <p:notesSz cx="6858000" cy="9144000"/>
@@ -104,7 +111,529 @@
       </a:defRPr>
     </a:lvl9pPr>
   </p:defaultTextStyle>
+  <p:extLst>
+    <p:ext uri="{EFAFB233-063F-42B5-8137-9DF3F51BA10A}">
+      <p15:sldGuideLst xmlns:p15="http://schemas.microsoft.com/office/powerpoint/2012/main"/>
+    </p:ext>
+  </p:extLst>
 </p:presentation>
+</file>
+
+<file path=ppt/notesMasters/notesMaster1.xml><?xml version="1.0" encoding="utf-8"?>
+<p:notesMaster xmlns:a="http://schemas.openxmlformats.org/drawingml/2006/main" xmlns:r="http://schemas.openxmlformats.org/officeDocument/2006/relationships" xmlns:p="http://schemas.openxmlformats.org/presentationml/2006/main">
+  <p:cSld>
+    <p:bg>
+      <p:bgRef idx="1001">
+        <a:schemeClr val="bg1"/>
+      </p:bgRef>
+    </p:bg>
+    <p:spTree>
+      <p:nvGrpSpPr>
+        <p:cNvPr id="1" name=""/>
+        <p:cNvGrpSpPr/>
+        <p:nvPr/>
+      </p:nvGrpSpPr>
+      <p:grpSpPr>
+        <a:xfrm>
+          <a:off x="0" y="0"/>
+          <a:ext cx="0" cy="0"/>
+          <a:chOff x="0" y="0"/>
+          <a:chExt cx="0" cy="0"/>
+        </a:xfrm>
+      </p:grpSpPr>
+      <p:sp>
+        <p:nvSpPr>
+          <p:cNvPr id="2" name="Header Placeholder 1"/>
+          <p:cNvSpPr>
+            <a:spLocks noGrp="1"/>
+          </p:cNvSpPr>
+          <p:nvPr>
+            <p:ph type="hdr" sz="quarter"/>
+          </p:nvPr>
+        </p:nvSpPr>
+        <p:spPr>
+          <a:xfrm>
+            <a:off x="0" y="0"/>
+            <a:ext cx="2971800" cy="458788"/>
+          </a:xfrm>
+          <a:prstGeom prst="rect">
+            <a:avLst/>
+          </a:prstGeom>
+        </p:spPr>
+        <p:txBody>
+          <a:bodyPr vert="horz" lIns="91440" tIns="45720" rIns="91440" bIns="45720" rtlCol="0"/>
+          <a:lstStyle>
+            <a:lvl1pPr algn="l">
+              <a:defRPr sz="1200"/>
+            </a:lvl1pPr>
+          </a:lstStyle>
+          <a:p>
+            <a:endParaRPr lang="en-US"/>
+          </a:p>
+        </p:txBody>
+      </p:sp>
+      <p:sp>
+        <p:nvSpPr>
+          <p:cNvPr id="3" name="Date Placeholder 2"/>
+          <p:cNvSpPr>
+            <a:spLocks noGrp="1"/>
+          </p:cNvSpPr>
+          <p:nvPr>
+            <p:ph type="dt" idx="1"/>
+          </p:nvPr>
+        </p:nvSpPr>
+        <p:spPr>
+          <a:xfrm>
+            <a:off x="3884613" y="0"/>
+            <a:ext cx="2971800" cy="458788"/>
+          </a:xfrm>
+          <a:prstGeom prst="rect">
+            <a:avLst/>
+          </a:prstGeom>
+        </p:spPr>
+        <p:txBody>
+          <a:bodyPr vert="horz" lIns="91440" tIns="45720" rIns="91440" bIns="45720" rtlCol="0"/>
+          <a:lstStyle>
+            <a:lvl1pPr algn="r">
+              <a:defRPr sz="1200"/>
+            </a:lvl1pPr>
+          </a:lstStyle>
+          <a:p>
+            <a:fld id="{2A0187FB-AFB4-B84C-8955-1F2CDE706063}" type="datetimeFigureOut">
+              <a:rPr lang="en-US" smtClean="0"/>
+              <a:t>12/5/18</a:t>
+            </a:fld>
+            <a:endParaRPr lang="en-US"/>
+          </a:p>
+        </p:txBody>
+      </p:sp>
+      <p:sp>
+        <p:nvSpPr>
+          <p:cNvPr id="4" name="Slide Image Placeholder 3"/>
+          <p:cNvSpPr>
+            <a:spLocks noGrp="1" noRot="1" noChangeAspect="1"/>
+          </p:cNvSpPr>
+          <p:nvPr>
+            <p:ph type="sldImg" idx="2"/>
+          </p:nvPr>
+        </p:nvSpPr>
+        <p:spPr>
+          <a:xfrm>
+            <a:off x="685800" y="1143000"/>
+            <a:ext cx="5486400" cy="3086100"/>
+          </a:xfrm>
+          <a:prstGeom prst="rect">
+            <a:avLst/>
+          </a:prstGeom>
+          <a:noFill/>
+          <a:ln w="12700">
+            <a:solidFill>
+              <a:prstClr val="black"/>
+            </a:solidFill>
+          </a:ln>
+        </p:spPr>
+        <p:txBody>
+          <a:bodyPr vert="horz" lIns="91440" tIns="45720" rIns="91440" bIns="45720" rtlCol="0" anchor="ctr"/>
+          <a:lstStyle/>
+          <a:p>
+            <a:endParaRPr lang="en-US"/>
+          </a:p>
+        </p:txBody>
+      </p:sp>
+      <p:sp>
+        <p:nvSpPr>
+          <p:cNvPr id="5" name="Notes Placeholder 4"/>
+          <p:cNvSpPr>
+            <a:spLocks noGrp="1"/>
+          </p:cNvSpPr>
+          <p:nvPr>
+            <p:ph type="body" sz="quarter" idx="3"/>
+          </p:nvPr>
+        </p:nvSpPr>
+        <p:spPr>
+          <a:xfrm>
+            <a:off x="685800" y="4400550"/>
+            <a:ext cx="5486400" cy="3600450"/>
+          </a:xfrm>
+          <a:prstGeom prst="rect">
+            <a:avLst/>
+          </a:prstGeom>
+        </p:spPr>
+        <p:txBody>
+          <a:bodyPr vert="horz" lIns="91440" tIns="45720" rIns="91440" bIns="45720" rtlCol="0"/>
+          <a:lstStyle/>
+          <a:p>
+            <a:pPr lvl="0"/>
+            <a:r>
+              <a:rPr lang="en-US"/>
+              <a:t>Edit Master text styles</a:t>
+            </a:r>
+          </a:p>
+          <a:p>
+            <a:pPr lvl="1"/>
+            <a:r>
+              <a:rPr lang="en-US"/>
+              <a:t>Second level</a:t>
+            </a:r>
+          </a:p>
+          <a:p>
+            <a:pPr lvl="2"/>
+            <a:r>
+              <a:rPr lang="en-US"/>
+              <a:t>Third level</a:t>
+            </a:r>
+          </a:p>
+          <a:p>
+            <a:pPr lvl="3"/>
+            <a:r>
+              <a:rPr lang="en-US"/>
+              <a:t>Fourth level</a:t>
+            </a:r>
+          </a:p>
+          <a:p>
+            <a:pPr lvl="4"/>
+            <a:r>
+              <a:rPr lang="en-US"/>
+              <a:t>Fifth level</a:t>
+            </a:r>
+          </a:p>
+        </p:txBody>
+      </p:sp>
+      <p:sp>
+        <p:nvSpPr>
+          <p:cNvPr id="6" name="Footer Placeholder 5"/>
+          <p:cNvSpPr>
+            <a:spLocks noGrp="1"/>
+          </p:cNvSpPr>
+          <p:nvPr>
+            <p:ph type="ftr" sz="quarter" idx="4"/>
+          </p:nvPr>
+        </p:nvSpPr>
+        <p:spPr>
+          <a:xfrm>
+            <a:off x="0" y="8685213"/>
+            <a:ext cx="2971800" cy="458787"/>
+          </a:xfrm>
+          <a:prstGeom prst="rect">
+            <a:avLst/>
+          </a:prstGeom>
+        </p:spPr>
+        <p:txBody>
+          <a:bodyPr vert="horz" lIns="91440" tIns="45720" rIns="91440" bIns="45720" rtlCol="0" anchor="b"/>
+          <a:lstStyle>
+            <a:lvl1pPr algn="l">
+              <a:defRPr sz="1200"/>
+            </a:lvl1pPr>
+          </a:lstStyle>
+          <a:p>
+            <a:endParaRPr lang="en-US"/>
+          </a:p>
+        </p:txBody>
+      </p:sp>
+      <p:sp>
+        <p:nvSpPr>
+          <p:cNvPr id="7" name="Slide Number Placeholder 6"/>
+          <p:cNvSpPr>
+            <a:spLocks noGrp="1"/>
+          </p:cNvSpPr>
+          <p:nvPr>
+            <p:ph type="sldNum" sz="quarter" idx="5"/>
+          </p:nvPr>
+        </p:nvSpPr>
+        <p:spPr>
+          <a:xfrm>
+            <a:off x="3884613" y="8685213"/>
+            <a:ext cx="2971800" cy="458787"/>
+          </a:xfrm>
+          <a:prstGeom prst="rect">
+            <a:avLst/>
+          </a:prstGeom>
+        </p:spPr>
+        <p:txBody>
+          <a:bodyPr vert="horz" lIns="91440" tIns="45720" rIns="91440" bIns="45720" rtlCol="0" anchor="b"/>
+          <a:lstStyle>
+            <a:lvl1pPr algn="r">
+              <a:defRPr sz="1200"/>
+            </a:lvl1pPr>
+          </a:lstStyle>
+          <a:p>
+            <a:fld id="{45B3909E-62B4-A542-B3A6-0BB3FBDE0B1B}" type="slidenum">
+              <a:rPr lang="en-US" smtClean="0"/>
+              <a:t>‹#›</a:t>
+            </a:fld>
+            <a:endParaRPr lang="en-US"/>
+          </a:p>
+        </p:txBody>
+      </p:sp>
+    </p:spTree>
+    <p:extLst>
+      <p:ext uri="{BB962C8B-B14F-4D97-AF65-F5344CB8AC3E}">
+        <p14:creationId xmlns:p14="http://schemas.microsoft.com/office/powerpoint/2010/main" val="940648807"/>
+      </p:ext>
+    </p:extLst>
+  </p:cSld>
+  <p:clrMap bg1="lt1" tx1="dk1" bg2="lt2" tx2="dk2" accent1="accent1" accent2="accent2" accent3="accent3" accent4="accent4" accent5="accent5" accent6="accent6" hlink="hlink" folHlink="folHlink"/>
+  <p:notesStyle>
+    <a:lvl1pPr marL="0" algn="l" defTabSz="914400" rtl="0" eaLnBrk="1" latinLnBrk="0" hangingPunct="1">
+      <a:defRPr sz="1200" kern="1200">
+        <a:solidFill>
+          <a:schemeClr val="tx1"/>
+        </a:solidFill>
+        <a:latin typeface="+mn-lt"/>
+        <a:ea typeface="+mn-ea"/>
+        <a:cs typeface="+mn-cs"/>
+      </a:defRPr>
+    </a:lvl1pPr>
+    <a:lvl2pPr marL="457200" algn="l" defTabSz="914400" rtl="0" eaLnBrk="1" latinLnBrk="0" hangingPunct="1">
+      <a:defRPr sz="1200" kern="1200">
+        <a:solidFill>
+          <a:schemeClr val="tx1"/>
+        </a:solidFill>
+        <a:latin typeface="+mn-lt"/>
+        <a:ea typeface="+mn-ea"/>
+        <a:cs typeface="+mn-cs"/>
+      </a:defRPr>
+    </a:lvl2pPr>
+    <a:lvl3pPr marL="914400" algn="l" defTabSz="914400" rtl="0" eaLnBrk="1" latinLnBrk="0" hangingPunct="1">
+      <a:defRPr sz="1200" kern="1200">
+        <a:solidFill>
+          <a:schemeClr val="tx1"/>
+        </a:solidFill>
+        <a:latin typeface="+mn-lt"/>
+        <a:ea typeface="+mn-ea"/>
+        <a:cs typeface="+mn-cs"/>
+      </a:defRPr>
+    </a:lvl3pPr>
+    <a:lvl4pPr marL="1371600" algn="l" defTabSz="914400" rtl="0" eaLnBrk="1" latinLnBrk="0" hangingPunct="1">
+      <a:defRPr sz="1200" kern="1200">
+        <a:solidFill>
+          <a:schemeClr val="tx1"/>
+        </a:solidFill>
+        <a:latin typeface="+mn-lt"/>
+        <a:ea typeface="+mn-ea"/>
+        <a:cs typeface="+mn-cs"/>
+      </a:defRPr>
+    </a:lvl4pPr>
+    <a:lvl5pPr marL="1828800" algn="l" defTabSz="914400" rtl="0" eaLnBrk="1" latinLnBrk="0" hangingPunct="1">
+      <a:defRPr sz="1200" kern="1200">
+        <a:solidFill>
+          <a:schemeClr val="tx1"/>
+        </a:solidFill>
+        <a:latin typeface="+mn-lt"/>
+        <a:ea typeface="+mn-ea"/>
+        <a:cs typeface="+mn-cs"/>
+      </a:defRPr>
+    </a:lvl5pPr>
+    <a:lvl6pPr marL="2286000" algn="l" defTabSz="914400" rtl="0" eaLnBrk="1" latinLnBrk="0" hangingPunct="1">
+      <a:defRPr sz="1200" kern="1200">
+        <a:solidFill>
+          <a:schemeClr val="tx1"/>
+        </a:solidFill>
+        <a:latin typeface="+mn-lt"/>
+        <a:ea typeface="+mn-ea"/>
+        <a:cs typeface="+mn-cs"/>
+      </a:defRPr>
+    </a:lvl6pPr>
+    <a:lvl7pPr marL="2743200" algn="l" defTabSz="914400" rtl="0" eaLnBrk="1" latinLnBrk="0" hangingPunct="1">
+      <a:defRPr sz="1200" kern="1200">
+        <a:solidFill>
+          <a:schemeClr val="tx1"/>
+        </a:solidFill>
+        <a:latin typeface="+mn-lt"/>
+        <a:ea typeface="+mn-ea"/>
+        <a:cs typeface="+mn-cs"/>
+      </a:defRPr>
+    </a:lvl7pPr>
+    <a:lvl8pPr marL="3200400" algn="l" defTabSz="914400" rtl="0" eaLnBrk="1" latinLnBrk="0" hangingPunct="1">
+      <a:defRPr sz="1200" kern="1200">
+        <a:solidFill>
+          <a:schemeClr val="tx1"/>
+        </a:solidFill>
+        <a:latin typeface="+mn-lt"/>
+        <a:ea typeface="+mn-ea"/>
+        <a:cs typeface="+mn-cs"/>
+      </a:defRPr>
+    </a:lvl8pPr>
+    <a:lvl9pPr marL="3657600" algn="l" defTabSz="914400" rtl="0" eaLnBrk="1" latinLnBrk="0" hangingPunct="1">
+      <a:defRPr sz="1200" kern="1200">
+        <a:solidFill>
+          <a:schemeClr val="tx1"/>
+        </a:solidFill>
+        <a:latin typeface="+mn-lt"/>
+        <a:ea typeface="+mn-ea"/>
+        <a:cs typeface="+mn-cs"/>
+      </a:defRPr>
+    </a:lvl9pPr>
+  </p:notesStyle>
+</p:notesMaster>
+</file>
+
+<file path=ppt/notesSlides/notesSlide1.xml><?xml version="1.0" encoding="utf-8"?>
+<p:notes xmlns:a="http://schemas.openxmlformats.org/drawingml/2006/main" xmlns:r="http://schemas.openxmlformats.org/officeDocument/2006/relationships" xmlns:p="http://schemas.openxmlformats.org/presentationml/2006/main">
+  <p:cSld>
+    <p:spTree>
+      <p:nvGrpSpPr>
+        <p:cNvPr id="1" name=""/>
+        <p:cNvGrpSpPr/>
+        <p:nvPr/>
+      </p:nvGrpSpPr>
+      <p:grpSpPr>
+        <a:xfrm>
+          <a:off x="0" y="0"/>
+          <a:ext cx="0" cy="0"/>
+          <a:chOff x="0" y="0"/>
+          <a:chExt cx="0" cy="0"/>
+        </a:xfrm>
+      </p:grpSpPr>
+      <p:sp>
+        <p:nvSpPr>
+          <p:cNvPr id="2" name="Slide Image Placeholder 1"/>
+          <p:cNvSpPr>
+            <a:spLocks noGrp="1" noRot="1" noChangeAspect="1"/>
+          </p:cNvSpPr>
+          <p:nvPr>
+            <p:ph type="sldImg"/>
+          </p:nvPr>
+        </p:nvSpPr>
+        <p:spPr/>
+      </p:sp>
+      <p:sp>
+        <p:nvSpPr>
+          <p:cNvPr id="3" name="Notes Placeholder 2"/>
+          <p:cNvSpPr>
+            <a:spLocks noGrp="1"/>
+          </p:cNvSpPr>
+          <p:nvPr>
+            <p:ph type="body" idx="1"/>
+          </p:nvPr>
+        </p:nvSpPr>
+        <p:spPr/>
+        <p:txBody>
+          <a:bodyPr/>
+          <a:lstStyle/>
+          <a:p>
+            <a:endParaRPr lang="en-US"/>
+          </a:p>
+        </p:txBody>
+      </p:sp>
+      <p:sp>
+        <p:nvSpPr>
+          <p:cNvPr id="4" name="Slide Number Placeholder 3"/>
+          <p:cNvSpPr>
+            <a:spLocks noGrp="1"/>
+          </p:cNvSpPr>
+          <p:nvPr>
+            <p:ph type="sldNum" sz="quarter" idx="5"/>
+          </p:nvPr>
+        </p:nvSpPr>
+        <p:spPr/>
+        <p:txBody>
+          <a:bodyPr/>
+          <a:lstStyle/>
+          <a:p>
+            <a:fld id="{53A0E0EF-C2F0-2B4A-A30D-783E7D548CA6}" type="slidenum">
+              <a:rPr lang="en-US" smtClean="0"/>
+              <a:t>2</a:t>
+            </a:fld>
+            <a:endParaRPr lang="en-US"/>
+          </a:p>
+        </p:txBody>
+      </p:sp>
+    </p:spTree>
+    <p:extLst>
+      <p:ext uri="{BB962C8B-B14F-4D97-AF65-F5344CB8AC3E}">
+        <p14:creationId xmlns:p14="http://schemas.microsoft.com/office/powerpoint/2010/main" val="1259679541"/>
+      </p:ext>
+    </p:extLst>
+  </p:cSld>
+  <p:clrMapOvr>
+    <a:masterClrMapping/>
+  </p:clrMapOvr>
+</p:notes>
+</file>
+
+<file path=ppt/notesSlides/notesSlide2.xml><?xml version="1.0" encoding="utf-8"?>
+<p:notes xmlns:a="http://schemas.openxmlformats.org/drawingml/2006/main" xmlns:r="http://schemas.openxmlformats.org/officeDocument/2006/relationships" xmlns:p="http://schemas.openxmlformats.org/presentationml/2006/main">
+  <p:cSld>
+    <p:spTree>
+      <p:nvGrpSpPr>
+        <p:cNvPr id="1" name=""/>
+        <p:cNvGrpSpPr/>
+        <p:nvPr/>
+      </p:nvGrpSpPr>
+      <p:grpSpPr>
+        <a:xfrm>
+          <a:off x="0" y="0"/>
+          <a:ext cx="0" cy="0"/>
+          <a:chOff x="0" y="0"/>
+          <a:chExt cx="0" cy="0"/>
+        </a:xfrm>
+      </p:grpSpPr>
+      <p:sp>
+        <p:nvSpPr>
+          <p:cNvPr id="2" name="Slide Image Placeholder 1"/>
+          <p:cNvSpPr>
+            <a:spLocks noGrp="1" noRot="1" noChangeAspect="1"/>
+          </p:cNvSpPr>
+          <p:nvPr>
+            <p:ph type="sldImg"/>
+          </p:nvPr>
+        </p:nvSpPr>
+        <p:spPr/>
+      </p:sp>
+      <p:sp>
+        <p:nvSpPr>
+          <p:cNvPr id="3" name="Notes Placeholder 2"/>
+          <p:cNvSpPr>
+            <a:spLocks noGrp="1"/>
+          </p:cNvSpPr>
+          <p:nvPr>
+            <p:ph type="body" idx="1"/>
+          </p:nvPr>
+        </p:nvSpPr>
+        <p:spPr/>
+        <p:txBody>
+          <a:bodyPr/>
+          <a:lstStyle/>
+          <a:p>
+            <a:endParaRPr lang="en-US"/>
+          </a:p>
+        </p:txBody>
+      </p:sp>
+      <p:sp>
+        <p:nvSpPr>
+          <p:cNvPr id="4" name="Slide Number Placeholder 3"/>
+          <p:cNvSpPr>
+            <a:spLocks noGrp="1"/>
+          </p:cNvSpPr>
+          <p:nvPr>
+            <p:ph type="sldNum" sz="quarter" idx="5"/>
+          </p:nvPr>
+        </p:nvSpPr>
+        <p:spPr/>
+        <p:txBody>
+          <a:bodyPr/>
+          <a:lstStyle/>
+          <a:p>
+            <a:fld id="{19AF2253-3F66-2348-9E2F-F992D8374B3E}" type="slidenum">
+              <a:rPr lang="en-US" smtClean="0"/>
+              <a:t>3</a:t>
+            </a:fld>
+            <a:endParaRPr lang="en-US"/>
+          </a:p>
+        </p:txBody>
+      </p:sp>
+    </p:spTree>
+    <p:extLst>
+      <p:ext uri="{BB962C8B-B14F-4D97-AF65-F5344CB8AC3E}">
+        <p14:creationId xmlns:p14="http://schemas.microsoft.com/office/powerpoint/2010/main" val="1181462833"/>
+      </p:ext>
+    </p:extLst>
+  </p:cSld>
+  <p:clrMapOvr>
+    <a:masterClrMapping/>
+  </p:clrMapOvr>
+</p:notes>
 </file>
 
 <file path=ppt/slideLayouts/slideLayout1.xml><?xml version="1.0" encoding="utf-8"?>
@@ -254,7 +783,7 @@
           <a:p>
             <a:fld id="{A4A9103F-E0A8-564E-A500-8EA29B4EFFBE}" type="datetimeFigureOut">
               <a:rPr lang="en-US" smtClean="0"/>
-              <a:t>11/18/18</a:t>
+              <a:t>12/5/18</a:t>
             </a:fld>
             <a:endParaRPr lang="en-US"/>
           </a:p>
@@ -452,7 +981,7 @@
           <a:p>
             <a:fld id="{A4A9103F-E0A8-564E-A500-8EA29B4EFFBE}" type="datetimeFigureOut">
               <a:rPr lang="en-US" smtClean="0"/>
-              <a:t>11/18/18</a:t>
+              <a:t>12/5/18</a:t>
             </a:fld>
             <a:endParaRPr lang="en-US"/>
           </a:p>
@@ -660,7 +1189,7 @@
           <a:p>
             <a:fld id="{A4A9103F-E0A8-564E-A500-8EA29B4EFFBE}" type="datetimeFigureOut">
               <a:rPr lang="en-US" smtClean="0"/>
-              <a:t>11/18/18</a:t>
+              <a:t>12/5/18</a:t>
             </a:fld>
             <a:endParaRPr lang="en-US"/>
           </a:p>
@@ -758,110 +1287,6 @@
           <a:chExt cx="0" cy="0"/>
         </a:xfrm>
       </p:grpSpPr>
-      <p:sp>
-        <p:nvSpPr>
-          <p:cNvPr id="7" name="Slide Number Placeholder 5">
-            <a:extLst>
-              <a:ext uri="{FF2B5EF4-FFF2-40B4-BE49-F238E27FC236}">
-                <a16:creationId xmlns:a16="http://schemas.microsoft.com/office/drawing/2014/main" id="{D742D7E2-4B43-C845-8ED5-3C8B0009C335}"/>
-              </a:ext>
-            </a:extLst>
-          </p:cNvPr>
-          <p:cNvSpPr>
-            <a:spLocks noGrp="1"/>
-          </p:cNvSpPr>
-          <p:nvPr>
-            <p:ph type="sldNum" sz="quarter" idx="4"/>
-          </p:nvPr>
-        </p:nvSpPr>
-        <p:spPr>
-          <a:xfrm>
-            <a:off x="9220200" y="6345238"/>
-            <a:ext cx="2743200" cy="365125"/>
-          </a:xfrm>
-          <a:prstGeom prst="rect">
-            <a:avLst/>
-          </a:prstGeom>
-        </p:spPr>
-        <p:txBody>
-          <a:bodyPr vert="horz" lIns="91440" tIns="45720" rIns="91440" bIns="45720" rtlCol="0" anchor="ctr"/>
-          <a:lstStyle>
-            <a:lvl1pPr algn="r">
-              <a:defRPr sz="1200">
-                <a:solidFill>
-                  <a:schemeClr val="bg1"/>
-                </a:solidFill>
-              </a:defRPr>
-            </a:lvl1pPr>
-          </a:lstStyle>
-          <a:p>
-            <a:fld id="{0E0E0192-C642-4D4F-AE82-A0D0DC02E26B}" type="slidenum">
-              <a:rPr lang="en-US" smtClean="0"/>
-              <a:pPr/>
-              <a:t>‹#›</a:t>
-            </a:fld>
-            <a:endParaRPr lang="en-US" dirty="0"/>
-          </a:p>
-        </p:txBody>
-      </p:sp>
-      <p:sp>
-        <p:nvSpPr>
-          <p:cNvPr id="4" name="Rectangle 3">
-            <a:extLst>
-              <a:ext uri="{FF2B5EF4-FFF2-40B4-BE49-F238E27FC236}">
-                <a16:creationId xmlns:a16="http://schemas.microsoft.com/office/drawing/2014/main" id="{35F41E84-44DC-F244-8DE9-EFC57271A029}"/>
-              </a:ext>
-            </a:extLst>
-          </p:cNvPr>
-          <p:cNvSpPr/>
-          <p:nvPr userDrawn="1"/>
-        </p:nvSpPr>
-        <p:spPr>
-          <a:xfrm>
-            <a:off x="1025892" y="6420078"/>
-            <a:ext cx="7625615" cy="215444"/>
-          </a:xfrm>
-          <a:prstGeom prst="rect">
-            <a:avLst/>
-          </a:prstGeom>
-        </p:spPr>
-        <p:txBody>
-          <a:bodyPr wrap="square">
-            <a:spAutoFit/>
-          </a:bodyPr>
-          <a:lstStyle/>
-          <a:p>
-            <a:pPr marL="0" marR="0" indent="0" algn="l" defTabSz="457200" rtl="0" eaLnBrk="1" fontAlgn="auto" latinLnBrk="0" hangingPunct="1">
-              <a:lnSpc>
-                <a:spcPct val="100000"/>
-              </a:lnSpc>
-              <a:spcBef>
-                <a:spcPts val="0"/>
-              </a:spcBef>
-              <a:spcAft>
-                <a:spcPts val="0"/>
-              </a:spcAft>
-              <a:buClrTx/>
-              <a:buSzTx/>
-              <a:buFontTx/>
-              <a:buNone/>
-              <a:tabLst/>
-              <a:defRPr/>
-            </a:pPr>
-            <a:r>
-              <a:rPr lang="en-US" sz="800" b="0" i="0" dirty="0">
-                <a:solidFill>
-                  <a:srgbClr val="FFFFFF"/>
-                </a:solidFill>
-                <a:latin typeface="Arial" panose="020B0604020202020204" pitchFamily="34" charset="0"/>
-                <a:ea typeface="Amazon Ember" panose="020B0603020204020204" pitchFamily="34" charset="0"/>
-                <a:cs typeface="Arial" panose="020B0604020202020204" pitchFamily="34" charset="0"/>
-              </a:rPr>
-              <a:t>© 2018, Amazon Web Services, Inc. or its affiliates. All rights reserved.</a:t>
-            </a:r>
-          </a:p>
-        </p:txBody>
-      </p:sp>
     </p:spTree>
     <p:extLst>
       <p:ext uri="{BB962C8B-B14F-4D97-AF65-F5344CB8AC3E}">
@@ -1000,7 +1425,7 @@
           <a:p>
             <a:fld id="{A4A9103F-E0A8-564E-A500-8EA29B4EFFBE}" type="datetimeFigureOut">
               <a:rPr lang="en-US" smtClean="0"/>
-              <a:t>11/18/18</a:t>
+              <a:t>12/5/18</a:t>
             </a:fld>
             <a:endParaRPr lang="en-US"/>
           </a:p>
@@ -1275,7 +1700,7 @@
           <a:p>
             <a:fld id="{A4A9103F-E0A8-564E-A500-8EA29B4EFFBE}" type="datetimeFigureOut">
               <a:rPr lang="en-US" smtClean="0"/>
-              <a:t>11/18/18</a:t>
+              <a:t>12/5/18</a:t>
             </a:fld>
             <a:endParaRPr lang="en-US"/>
           </a:p>
@@ -1540,7 +1965,7 @@
           <a:p>
             <a:fld id="{A4A9103F-E0A8-564E-A500-8EA29B4EFFBE}" type="datetimeFigureOut">
               <a:rPr lang="en-US" smtClean="0"/>
-              <a:t>11/18/18</a:t>
+              <a:t>12/5/18</a:t>
             </a:fld>
             <a:endParaRPr lang="en-US"/>
           </a:p>
@@ -1952,7 +2377,7 @@
           <a:p>
             <a:fld id="{A4A9103F-E0A8-564E-A500-8EA29B4EFFBE}" type="datetimeFigureOut">
               <a:rPr lang="en-US" smtClean="0"/>
-              <a:t>11/18/18</a:t>
+              <a:t>12/5/18</a:t>
             </a:fld>
             <a:endParaRPr lang="en-US"/>
           </a:p>
@@ -2093,7 +2518,7 @@
           <a:p>
             <a:fld id="{A4A9103F-E0A8-564E-A500-8EA29B4EFFBE}" type="datetimeFigureOut">
               <a:rPr lang="en-US" smtClean="0"/>
-              <a:t>11/18/18</a:t>
+              <a:t>12/5/18</a:t>
             </a:fld>
             <a:endParaRPr lang="en-US"/>
           </a:p>
@@ -2206,7 +2631,7 @@
           <a:p>
             <a:fld id="{A4A9103F-E0A8-564E-A500-8EA29B4EFFBE}" type="datetimeFigureOut">
               <a:rPr lang="en-US" smtClean="0"/>
-              <a:t>11/18/18</a:t>
+              <a:t>12/5/18</a:t>
             </a:fld>
             <a:endParaRPr lang="en-US"/>
           </a:p>
@@ -2517,7 +2942,7 @@
           <a:p>
             <a:fld id="{A4A9103F-E0A8-564E-A500-8EA29B4EFFBE}" type="datetimeFigureOut">
               <a:rPr lang="en-US" smtClean="0"/>
-              <a:t>11/18/18</a:t>
+              <a:t>12/5/18</a:t>
             </a:fld>
             <a:endParaRPr lang="en-US"/>
           </a:p>
@@ -2805,7 +3230,7 @@
           <a:p>
             <a:fld id="{A4A9103F-E0A8-564E-A500-8EA29B4EFFBE}" type="datetimeFigureOut">
               <a:rPr lang="en-US" smtClean="0"/>
-              <a:t>11/18/18</a:t>
+              <a:t>12/5/18</a:t>
             </a:fld>
             <a:endParaRPr lang="en-US"/>
           </a:p>
@@ -3046,7 +3471,7 @@
           <a:p>
             <a:fld id="{A4A9103F-E0A8-564E-A500-8EA29B4EFFBE}" type="datetimeFigureOut">
               <a:rPr lang="en-US" smtClean="0"/>
-              <a:t>11/18/18</a:t>
+              <a:t>12/5/18</a:t>
             </a:fld>
             <a:endParaRPr lang="en-US"/>
           </a:p>
@@ -3466,10 +3891,10 @@
       </p:grpSpPr>
       <p:grpSp>
         <p:nvGrpSpPr>
-          <p:cNvPr id="2" name="Group 1">
+          <p:cNvPr id="8" name="Group 7">
             <a:extLst>
               <a:ext uri="{FF2B5EF4-FFF2-40B4-BE49-F238E27FC236}">
-                <a16:creationId xmlns:a16="http://schemas.microsoft.com/office/drawing/2014/main" id="{8DA196BC-2BC5-5641-BD79-46A9F95F66E2}"/>
+                <a16:creationId xmlns:a16="http://schemas.microsoft.com/office/drawing/2014/main" id="{6DB865FD-B01A-1142-BB92-FE33352F8FD3}"/>
               </a:ext>
             </a:extLst>
           </p:cNvPr>
@@ -3478,10 +3903,10 @@
         </p:nvGrpSpPr>
         <p:grpSpPr>
           <a:xfrm>
-            <a:off x="2746124" y="2978217"/>
-            <a:ext cx="1425091" cy="930584"/>
-            <a:chOff x="790507" y="2855021"/>
-            <a:chExt cx="1425091" cy="930584"/>
+            <a:off x="2417767" y="1335497"/>
+            <a:ext cx="7356466" cy="4187007"/>
+            <a:chOff x="2417767" y="780974"/>
+            <a:chExt cx="7356466" cy="4187007"/>
           </a:xfrm>
         </p:grpSpPr>
         <p:sp>
@@ -3498,8 +3923,8 @@
           </p:nvSpPr>
           <p:spPr>
             <a:xfrm>
-              <a:off x="790507" y="3523995"/>
-              <a:ext cx="1425091" cy="261610"/>
+              <a:off x="3349121" y="3821408"/>
+              <a:ext cx="1081661" cy="430887"/>
             </a:xfrm>
             <a:prstGeom prst="rect">
               <a:avLst/>
@@ -3518,8 +3943,25 @@
                   <a:solidFill>
                     <a:schemeClr val="bg1"/>
                   </a:solidFill>
+                  <a:latin typeface="Amazon Ember" panose="020B0603020204020204" pitchFamily="34" charset="0"/>
+                  <a:ea typeface="Amazon Ember" panose="020B0603020204020204" pitchFamily="34" charset="0"/>
+                  <a:cs typeface="Amazon Ember" panose="020B0603020204020204" pitchFamily="34" charset="0"/>
                 </a:rPr>
-                <a:t>Amazon SNS topic</a:t>
+                <a:t>Amazon SNS</a:t>
+              </a:r>
+            </a:p>
+            <a:p>
+              <a:pPr algn="ctr"/>
+              <a:r>
+                <a:rPr lang="en-US" sz="1100" dirty="0">
+                  <a:solidFill>
+                    <a:schemeClr val="bg1"/>
+                  </a:solidFill>
+                  <a:latin typeface="Amazon Ember" panose="020B0603020204020204" pitchFamily="34" charset="0"/>
+                  <a:ea typeface="Amazon Ember" panose="020B0603020204020204" pitchFamily="34" charset="0"/>
+                  <a:cs typeface="Amazon Ember" panose="020B0603020204020204" pitchFamily="34" charset="0"/>
+                </a:rPr>
+                <a:t>topic</a:t>
               </a:r>
             </a:p>
           </p:txBody>
@@ -3552,7 +3994,7 @@
           </p:blipFill>
           <p:spPr>
             <a:xfrm>
-              <a:off x="1217303" y="2855021"/>
+              <a:off x="3604201" y="3143250"/>
               <a:ext cx="571500" cy="571500"/>
             </a:xfrm>
             <a:prstGeom prst="rect">
@@ -3560,269 +4002,803 @@
             </a:prstGeom>
           </p:spPr>
         </p:pic>
+        <p:sp>
+          <p:nvSpPr>
+            <p:cNvPr id="54" name="Rectangle 53">
+              <a:extLst>
+                <a:ext uri="{FF2B5EF4-FFF2-40B4-BE49-F238E27FC236}">
+                  <a16:creationId xmlns:a16="http://schemas.microsoft.com/office/drawing/2014/main" id="{A6C24674-C5DB-E145-95E3-0B647A7C7030}"/>
+                </a:ext>
+              </a:extLst>
+            </p:cNvPr>
+            <p:cNvSpPr/>
+            <p:nvPr/>
+          </p:nvSpPr>
+          <p:spPr>
+            <a:xfrm>
+              <a:off x="6110139" y="1890019"/>
+              <a:ext cx="2555988" cy="859872"/>
+            </a:xfrm>
+            <a:prstGeom prst="rect">
+              <a:avLst/>
+            </a:prstGeom>
+            <a:noFill/>
+            <a:ln w="12700">
+              <a:solidFill>
+                <a:srgbClr val="B6BABF"/>
+              </a:solidFill>
+              <a:prstDash val="dash"/>
+            </a:ln>
+          </p:spPr>
+          <p:style>
+            <a:lnRef idx="2">
+              <a:schemeClr val="accent1">
+                <a:shade val="50000"/>
+              </a:schemeClr>
+            </a:lnRef>
+            <a:fillRef idx="1">
+              <a:schemeClr val="accent1"/>
+            </a:fillRef>
+            <a:effectRef idx="0">
+              <a:schemeClr val="accent1"/>
+            </a:effectRef>
+            <a:fontRef idx="minor">
+              <a:schemeClr val="lt1"/>
+            </a:fontRef>
+          </p:style>
+          <p:txBody>
+            <a:bodyPr rot="0" spcFirstLastPara="0" vertOverflow="overflow" horzOverflow="overflow" vert="horz" wrap="square" lIns="91440" tIns="91440" rIns="91440" bIns="45720" numCol="1" spcCol="0" rtlCol="0" fromWordArt="0" anchor="t" anchorCtr="0" forceAA="0" compatLnSpc="1">
+              <a:prstTxWarp prst="textNoShape">
+                <a:avLst/>
+              </a:prstTxWarp>
+              <a:noAutofit/>
+            </a:bodyPr>
+            <a:lstStyle/>
+            <a:p>
+              <a:r>
+                <a:rPr lang="en-US" sz="1200" dirty="0">
+                  <a:solidFill>
+                    <a:srgbClr val="B6BABF"/>
+                  </a:solidFill>
+                  <a:latin typeface="Amazon Ember" panose="020B0603020204020204" pitchFamily="34" charset="0"/>
+                  <a:ea typeface="Amazon Ember" panose="020B0603020204020204" pitchFamily="34" charset="0"/>
+                  <a:cs typeface="Amazon Ember" panose="020B0603020204020204" pitchFamily="34" charset="0"/>
+                </a:rPr>
+                <a:t>Event storage &amp; backup pipeline</a:t>
+              </a:r>
+            </a:p>
+            <a:p>
+              <a:endParaRPr lang="en-US" sz="1200" dirty="0">
+                <a:solidFill>
+                  <a:srgbClr val="B6BABF"/>
+                </a:solidFill>
+                <a:latin typeface="Amazon Ember" panose="020B0603020204020204" pitchFamily="34" charset="0"/>
+                <a:ea typeface="Amazon Ember" panose="020B0603020204020204" pitchFamily="34" charset="0"/>
+                <a:cs typeface="Amazon Ember" panose="020B0603020204020204" pitchFamily="34" charset="0"/>
+              </a:endParaRPr>
+            </a:p>
+          </p:txBody>
+        </p:sp>
+        <p:sp>
+          <p:nvSpPr>
+            <p:cNvPr id="27" name="Rectangle 26">
+              <a:extLst>
+                <a:ext uri="{FF2B5EF4-FFF2-40B4-BE49-F238E27FC236}">
+                  <a16:creationId xmlns:a16="http://schemas.microsoft.com/office/drawing/2014/main" id="{FE58B4E7-FA51-E241-8B9A-01973D019413}"/>
+                </a:ext>
+              </a:extLst>
+            </p:cNvPr>
+            <p:cNvSpPr/>
+            <p:nvPr/>
+          </p:nvSpPr>
+          <p:spPr>
+            <a:xfrm>
+              <a:off x="6105375" y="2999064"/>
+              <a:ext cx="2555988" cy="859872"/>
+            </a:xfrm>
+            <a:prstGeom prst="rect">
+              <a:avLst/>
+            </a:prstGeom>
+            <a:noFill/>
+            <a:ln w="12700">
+              <a:solidFill>
+                <a:srgbClr val="B6BABF"/>
+              </a:solidFill>
+              <a:prstDash val="dash"/>
+            </a:ln>
+          </p:spPr>
+          <p:style>
+            <a:lnRef idx="2">
+              <a:schemeClr val="accent1">
+                <a:shade val="50000"/>
+              </a:schemeClr>
+            </a:lnRef>
+            <a:fillRef idx="1">
+              <a:schemeClr val="accent1"/>
+            </a:fillRef>
+            <a:effectRef idx="0">
+              <a:schemeClr val="accent1"/>
+            </a:effectRef>
+            <a:fontRef idx="minor">
+              <a:schemeClr val="lt1"/>
+            </a:fontRef>
+          </p:style>
+          <p:txBody>
+            <a:bodyPr rot="0" spcFirstLastPara="0" vertOverflow="overflow" horzOverflow="overflow" vert="horz" wrap="square" lIns="91440" tIns="91440" rIns="91440" bIns="45720" numCol="1" spcCol="0" rtlCol="0" fromWordArt="0" anchor="t" anchorCtr="0" forceAA="0" compatLnSpc="1">
+              <a:prstTxWarp prst="textNoShape">
+                <a:avLst/>
+              </a:prstTxWarp>
+              <a:noAutofit/>
+            </a:bodyPr>
+            <a:lstStyle/>
+            <a:p>
+              <a:r>
+                <a:rPr lang="en-US" sz="1200" dirty="0">
+                  <a:solidFill>
+                    <a:srgbClr val="B6BABF"/>
+                  </a:solidFill>
+                  <a:latin typeface="Amazon Ember" panose="020B0603020204020204" pitchFamily="34" charset="0"/>
+                  <a:ea typeface="Amazon Ember" panose="020B0603020204020204" pitchFamily="34" charset="0"/>
+                  <a:cs typeface="Amazon Ember" panose="020B0603020204020204" pitchFamily="34" charset="0"/>
+                </a:rPr>
+                <a:t>Event search &amp; analytics pipeline</a:t>
+              </a:r>
+            </a:p>
+            <a:p>
+              <a:endParaRPr lang="en-US" sz="1200" dirty="0">
+                <a:solidFill>
+                  <a:srgbClr val="B6BABF"/>
+                </a:solidFill>
+                <a:latin typeface="Amazon Ember" panose="020B0603020204020204" pitchFamily="34" charset="0"/>
+                <a:ea typeface="Amazon Ember" panose="020B0603020204020204" pitchFamily="34" charset="0"/>
+                <a:cs typeface="Amazon Ember" panose="020B0603020204020204" pitchFamily="34" charset="0"/>
+              </a:endParaRPr>
+            </a:p>
+          </p:txBody>
+        </p:sp>
+        <p:sp>
+          <p:nvSpPr>
+            <p:cNvPr id="33" name="Rectangle 32">
+              <a:extLst>
+                <a:ext uri="{FF2B5EF4-FFF2-40B4-BE49-F238E27FC236}">
+                  <a16:creationId xmlns:a16="http://schemas.microsoft.com/office/drawing/2014/main" id="{B65D2DC4-6EEF-1441-86CF-FE85F31E117C}"/>
+                </a:ext>
+              </a:extLst>
+            </p:cNvPr>
+            <p:cNvSpPr/>
+            <p:nvPr/>
+          </p:nvSpPr>
+          <p:spPr>
+            <a:xfrm>
+              <a:off x="6105375" y="4108109"/>
+              <a:ext cx="2555988" cy="859872"/>
+            </a:xfrm>
+            <a:prstGeom prst="rect">
+              <a:avLst/>
+            </a:prstGeom>
+            <a:noFill/>
+            <a:ln w="12700">
+              <a:solidFill>
+                <a:srgbClr val="B6BABF"/>
+              </a:solidFill>
+              <a:prstDash val="dash"/>
+            </a:ln>
+          </p:spPr>
+          <p:style>
+            <a:lnRef idx="2">
+              <a:schemeClr val="accent1">
+                <a:shade val="50000"/>
+              </a:schemeClr>
+            </a:lnRef>
+            <a:fillRef idx="1">
+              <a:schemeClr val="accent1"/>
+            </a:fillRef>
+            <a:effectRef idx="0">
+              <a:schemeClr val="accent1"/>
+            </a:effectRef>
+            <a:fontRef idx="minor">
+              <a:schemeClr val="lt1"/>
+            </a:fontRef>
+          </p:style>
+          <p:txBody>
+            <a:bodyPr rot="0" spcFirstLastPara="0" vertOverflow="overflow" horzOverflow="overflow" vert="horz" wrap="square" lIns="91440" tIns="91440" rIns="91440" bIns="45720" numCol="1" spcCol="0" rtlCol="0" fromWordArt="0" anchor="t" anchorCtr="0" forceAA="0" compatLnSpc="1">
+              <a:prstTxWarp prst="textNoShape">
+                <a:avLst/>
+              </a:prstTxWarp>
+              <a:noAutofit/>
+            </a:bodyPr>
+            <a:lstStyle/>
+            <a:p>
+              <a:r>
+                <a:rPr lang="en-US" sz="1200" dirty="0">
+                  <a:solidFill>
+                    <a:srgbClr val="B6BABF"/>
+                  </a:solidFill>
+                  <a:latin typeface="Amazon Ember" panose="020B0603020204020204" pitchFamily="34" charset="0"/>
+                  <a:ea typeface="Amazon Ember" panose="020B0603020204020204" pitchFamily="34" charset="0"/>
+                  <a:cs typeface="Amazon Ember" panose="020B0603020204020204" pitchFamily="34" charset="0"/>
+                </a:rPr>
+                <a:t>Event replay pipeline</a:t>
+              </a:r>
+            </a:p>
+          </p:txBody>
+        </p:sp>
+        <p:sp>
+          <p:nvSpPr>
+            <p:cNvPr id="19" name="Rectangle 18">
+              <a:extLst>
+                <a:ext uri="{FF2B5EF4-FFF2-40B4-BE49-F238E27FC236}">
+                  <a16:creationId xmlns:a16="http://schemas.microsoft.com/office/drawing/2014/main" id="{69F9D28E-09E4-CA40-9586-3CE9836ECF80}"/>
+                </a:ext>
+              </a:extLst>
+            </p:cNvPr>
+            <p:cNvSpPr/>
+            <p:nvPr/>
+          </p:nvSpPr>
+          <p:spPr>
+            <a:xfrm>
+              <a:off x="6105375" y="780974"/>
+              <a:ext cx="2555988" cy="859872"/>
+            </a:xfrm>
+            <a:prstGeom prst="rect">
+              <a:avLst/>
+            </a:prstGeom>
+            <a:solidFill>
+              <a:srgbClr val="AAB7B8">
+                <a:alpha val="22000"/>
+              </a:srgbClr>
+            </a:solidFill>
+            <a:ln w="12700">
+              <a:noFill/>
+            </a:ln>
+          </p:spPr>
+          <p:style>
+            <a:lnRef idx="2">
+              <a:schemeClr val="accent1">
+                <a:shade val="50000"/>
+              </a:schemeClr>
+            </a:lnRef>
+            <a:fillRef idx="1">
+              <a:schemeClr val="accent1"/>
+            </a:fillRef>
+            <a:effectRef idx="0">
+              <a:schemeClr val="accent1"/>
+            </a:effectRef>
+            <a:fontRef idx="minor">
+              <a:schemeClr val="lt1"/>
+            </a:fontRef>
+          </p:style>
+          <p:txBody>
+            <a:bodyPr rot="0" spcFirstLastPara="0" vertOverflow="overflow" horzOverflow="overflow" vert="horz" wrap="square" lIns="91440" tIns="91440" rIns="91440" bIns="45720" numCol="1" spcCol="0" rtlCol="0" fromWordArt="0" anchor="t" anchorCtr="0" forceAA="0" compatLnSpc="1">
+              <a:prstTxWarp prst="textNoShape">
+                <a:avLst/>
+              </a:prstTxWarp>
+              <a:noAutofit/>
+            </a:bodyPr>
+            <a:lstStyle/>
+            <a:p>
+              <a:r>
+                <a:rPr lang="en-US" sz="1200" dirty="0">
+                  <a:solidFill>
+                    <a:srgbClr val="AAB7B8"/>
+                  </a:solidFill>
+                  <a:latin typeface="Amazon Ember" panose="020B0603020204020204" pitchFamily="34" charset="0"/>
+                  <a:ea typeface="Amazon Ember" panose="020B0603020204020204" pitchFamily="34" charset="0"/>
+                  <a:cs typeface="Amazon Ember" panose="020B0603020204020204" pitchFamily="34" charset="0"/>
+                </a:rPr>
+                <a:t>Your event processing pipeline</a:t>
+              </a:r>
+            </a:p>
+          </p:txBody>
+        </p:sp>
+        <p:sp>
+          <p:nvSpPr>
+            <p:cNvPr id="51" name="TextBox 50">
+              <a:extLst>
+                <a:ext uri="{FF2B5EF4-FFF2-40B4-BE49-F238E27FC236}">
+                  <a16:creationId xmlns:a16="http://schemas.microsoft.com/office/drawing/2014/main" id="{E04D4CB1-3677-E94A-9531-AD7CEA7A9C30}"/>
+                </a:ext>
+              </a:extLst>
+            </p:cNvPr>
+            <p:cNvSpPr txBox="1"/>
+            <p:nvPr/>
+          </p:nvSpPr>
+          <p:spPr>
+            <a:xfrm>
+              <a:off x="4170938" y="2903688"/>
+              <a:ext cx="951154" cy="430887"/>
+            </a:xfrm>
+            <a:prstGeom prst="rect">
+              <a:avLst/>
+            </a:prstGeom>
+            <a:noFill/>
+          </p:spPr>
+          <p:txBody>
+            <a:bodyPr wrap="square" rtlCol="0">
+              <a:spAutoFit/>
+            </a:bodyPr>
+            <a:lstStyle/>
+            <a:p>
+              <a:pPr algn="ctr"/>
+              <a:r>
+                <a:rPr lang="en-US" sz="1100" i="1" dirty="0">
+                  <a:solidFill>
+                    <a:schemeClr val="bg1"/>
+                  </a:solidFill>
+                  <a:latin typeface="Amazon Ember" panose="020B0603020204020204" pitchFamily="34" charset="0"/>
+                  <a:ea typeface="Amazon Ember" panose="020B0603020204020204" pitchFamily="34" charset="0"/>
+                  <a:cs typeface="Amazon Ember" panose="020B0603020204020204" pitchFamily="34" charset="0"/>
+                </a:rPr>
+                <a:t>filtered events</a:t>
+              </a:r>
+            </a:p>
+          </p:txBody>
+        </p:sp>
+        <p:cxnSp>
+          <p:nvCxnSpPr>
+            <p:cNvPr id="58" name="Elbow Connector 57">
+              <a:extLst>
+                <a:ext uri="{FF2B5EF4-FFF2-40B4-BE49-F238E27FC236}">
+                  <a16:creationId xmlns:a16="http://schemas.microsoft.com/office/drawing/2014/main" id="{9BB000A5-E418-6C4F-A9A8-61CD57989414}"/>
+                </a:ext>
+              </a:extLst>
+            </p:cNvPr>
+            <p:cNvCxnSpPr>
+              <a:stCxn id="36" idx="3"/>
+              <a:endCxn id="19" idx="1"/>
+            </p:cNvCxnSpPr>
+            <p:nvPr/>
+          </p:nvCxnSpPr>
+          <p:spPr>
+            <a:xfrm flipV="1">
+              <a:off x="4175701" y="1210910"/>
+              <a:ext cx="1929674" cy="2218090"/>
+            </a:xfrm>
+            <a:prstGeom prst="bentConnector3">
+              <a:avLst/>
+            </a:prstGeom>
+            <a:ln>
+              <a:solidFill>
+                <a:schemeClr val="bg1"/>
+              </a:solidFill>
+              <a:headEnd type="none" w="med" len="med"/>
+              <a:tailEnd type="arrow" w="med" len="med"/>
+            </a:ln>
+          </p:spPr>
+          <p:style>
+            <a:lnRef idx="1">
+              <a:schemeClr val="accent1"/>
+            </a:lnRef>
+            <a:fillRef idx="0">
+              <a:schemeClr val="accent1"/>
+            </a:fillRef>
+            <a:effectRef idx="0">
+              <a:schemeClr val="accent1"/>
+            </a:effectRef>
+            <a:fontRef idx="minor">
+              <a:schemeClr val="tx1"/>
+            </a:fontRef>
+          </p:style>
+        </p:cxnSp>
+        <p:cxnSp>
+          <p:nvCxnSpPr>
+            <p:cNvPr id="59" name="Elbow Connector 58">
+              <a:extLst>
+                <a:ext uri="{FF2B5EF4-FFF2-40B4-BE49-F238E27FC236}">
+                  <a16:creationId xmlns:a16="http://schemas.microsoft.com/office/drawing/2014/main" id="{2765BE08-32AC-F144-A52F-EB6D12767267}"/>
+                </a:ext>
+              </a:extLst>
+            </p:cNvPr>
+            <p:cNvCxnSpPr>
+              <a:cxnSpLocks/>
+              <a:stCxn id="36" idx="3"/>
+              <a:endCxn id="54" idx="1"/>
+            </p:cNvCxnSpPr>
+            <p:nvPr/>
+          </p:nvCxnSpPr>
+          <p:spPr>
+            <a:xfrm flipV="1">
+              <a:off x="4175701" y="2319955"/>
+              <a:ext cx="1934438" cy="1109045"/>
+            </a:xfrm>
+            <a:prstGeom prst="bentConnector3">
+              <a:avLst>
+                <a:gd name="adj1" fmla="val 50000"/>
+              </a:avLst>
+            </a:prstGeom>
+            <a:ln>
+              <a:solidFill>
+                <a:schemeClr val="bg1"/>
+              </a:solidFill>
+              <a:headEnd type="none" w="med" len="med"/>
+              <a:tailEnd type="arrow" w="med" len="med"/>
+            </a:ln>
+          </p:spPr>
+          <p:style>
+            <a:lnRef idx="1">
+              <a:schemeClr val="accent1"/>
+            </a:lnRef>
+            <a:fillRef idx="0">
+              <a:schemeClr val="accent1"/>
+            </a:fillRef>
+            <a:effectRef idx="0">
+              <a:schemeClr val="accent1"/>
+            </a:effectRef>
+            <a:fontRef idx="minor">
+              <a:schemeClr val="tx1"/>
+            </a:fontRef>
+          </p:style>
+        </p:cxnSp>
+        <p:cxnSp>
+          <p:nvCxnSpPr>
+            <p:cNvPr id="68" name="Elbow Connector 67">
+              <a:extLst>
+                <a:ext uri="{FF2B5EF4-FFF2-40B4-BE49-F238E27FC236}">
+                  <a16:creationId xmlns:a16="http://schemas.microsoft.com/office/drawing/2014/main" id="{E6469192-7DCC-E444-A82D-337986E99433}"/>
+                </a:ext>
+              </a:extLst>
+            </p:cNvPr>
+            <p:cNvCxnSpPr>
+              <a:cxnSpLocks/>
+              <a:stCxn id="36" idx="3"/>
+              <a:endCxn id="33" idx="1"/>
+            </p:cNvCxnSpPr>
+            <p:nvPr/>
+          </p:nvCxnSpPr>
+          <p:spPr>
+            <a:xfrm>
+              <a:off x="4175701" y="3429000"/>
+              <a:ext cx="1929674" cy="1109045"/>
+            </a:xfrm>
+            <a:prstGeom prst="bentConnector3">
+              <a:avLst>
+                <a:gd name="adj1" fmla="val 50000"/>
+              </a:avLst>
+            </a:prstGeom>
+            <a:ln>
+              <a:solidFill>
+                <a:schemeClr val="bg1"/>
+              </a:solidFill>
+              <a:headEnd type="none" w="med" len="med"/>
+              <a:tailEnd type="arrow" w="med" len="med"/>
+            </a:ln>
+          </p:spPr>
+          <p:style>
+            <a:lnRef idx="1">
+              <a:schemeClr val="accent1"/>
+            </a:lnRef>
+            <a:fillRef idx="0">
+              <a:schemeClr val="accent1"/>
+            </a:fillRef>
+            <a:effectRef idx="0">
+              <a:schemeClr val="accent1"/>
+            </a:effectRef>
+            <a:fontRef idx="minor">
+              <a:schemeClr val="tx1"/>
+            </a:fontRef>
+          </p:style>
+        </p:cxnSp>
+        <p:cxnSp>
+          <p:nvCxnSpPr>
+            <p:cNvPr id="72" name="Straight Arrow Connector 71">
+              <a:extLst>
+                <a:ext uri="{FF2B5EF4-FFF2-40B4-BE49-F238E27FC236}">
+                  <a16:creationId xmlns:a16="http://schemas.microsoft.com/office/drawing/2014/main" id="{A1CDDDD8-248F-C942-8E86-AD5EACABF8DD}"/>
+                </a:ext>
+              </a:extLst>
+            </p:cNvPr>
+            <p:cNvCxnSpPr>
+              <a:cxnSpLocks/>
+              <a:stCxn id="36" idx="3"/>
+              <a:endCxn id="27" idx="1"/>
+            </p:cNvCxnSpPr>
+            <p:nvPr/>
+          </p:nvCxnSpPr>
+          <p:spPr>
+            <a:xfrm>
+              <a:off x="4175701" y="3429000"/>
+              <a:ext cx="1929674" cy="0"/>
+            </a:xfrm>
+            <a:prstGeom prst="straightConnector1">
+              <a:avLst/>
+            </a:prstGeom>
+            <a:ln>
+              <a:solidFill>
+                <a:schemeClr val="bg1"/>
+              </a:solidFill>
+              <a:headEnd type="none" w="med" len="med"/>
+              <a:tailEnd type="arrow" w="med" len="med"/>
+            </a:ln>
+          </p:spPr>
+          <p:style>
+            <a:lnRef idx="1">
+              <a:schemeClr val="accent1"/>
+            </a:lnRef>
+            <a:fillRef idx="0">
+              <a:schemeClr val="accent1"/>
+            </a:fillRef>
+            <a:effectRef idx="0">
+              <a:schemeClr val="accent1"/>
+            </a:effectRef>
+            <a:fontRef idx="minor">
+              <a:schemeClr val="tx1"/>
+            </a:fontRef>
+          </p:style>
+        </p:cxnSp>
+        <p:cxnSp>
+          <p:nvCxnSpPr>
+            <p:cNvPr id="75" name="Elbow Connector 74">
+              <a:extLst>
+                <a:ext uri="{FF2B5EF4-FFF2-40B4-BE49-F238E27FC236}">
+                  <a16:creationId xmlns:a16="http://schemas.microsoft.com/office/drawing/2014/main" id="{F5789701-D27F-A84C-9D6A-0CF14F98BC51}"/>
+                </a:ext>
+              </a:extLst>
+            </p:cNvPr>
+            <p:cNvCxnSpPr>
+              <a:cxnSpLocks/>
+              <a:stCxn id="33" idx="3"/>
+              <a:endCxn id="19" idx="3"/>
+            </p:cNvCxnSpPr>
+            <p:nvPr/>
+          </p:nvCxnSpPr>
+          <p:spPr>
+            <a:xfrm flipV="1">
+              <a:off x="8661363" y="1210910"/>
+              <a:ext cx="12700" cy="3327135"/>
+            </a:xfrm>
+            <a:prstGeom prst="bentConnector3">
+              <a:avLst>
+                <a:gd name="adj1" fmla="val 8925772"/>
+              </a:avLst>
+            </a:prstGeom>
+            <a:ln>
+              <a:solidFill>
+                <a:schemeClr val="bg1"/>
+              </a:solidFill>
+              <a:headEnd type="none" w="med" len="med"/>
+              <a:tailEnd type="arrow" w="med" len="med"/>
+            </a:ln>
+          </p:spPr>
+          <p:style>
+            <a:lnRef idx="1">
+              <a:schemeClr val="accent1"/>
+            </a:lnRef>
+            <a:fillRef idx="0">
+              <a:schemeClr val="accent1"/>
+            </a:fillRef>
+            <a:effectRef idx="0">
+              <a:schemeClr val="accent1"/>
+            </a:effectRef>
+            <a:fontRef idx="minor">
+              <a:schemeClr val="tx1"/>
+            </a:fontRef>
+          </p:style>
+        </p:cxnSp>
+        <p:sp>
+          <p:nvSpPr>
+            <p:cNvPr id="79" name="TextBox 78">
+              <a:extLst>
+                <a:ext uri="{FF2B5EF4-FFF2-40B4-BE49-F238E27FC236}">
+                  <a16:creationId xmlns:a16="http://schemas.microsoft.com/office/drawing/2014/main" id="{DDB2766C-2E3C-8144-BEB8-2FFBBE30F3B9}"/>
+                </a:ext>
+              </a:extLst>
+            </p:cNvPr>
+            <p:cNvSpPr txBox="1"/>
+            <p:nvPr/>
+          </p:nvSpPr>
+          <p:spPr>
+            <a:xfrm>
+              <a:off x="8674063" y="4036851"/>
+              <a:ext cx="1100170" cy="430887"/>
+            </a:xfrm>
+            <a:prstGeom prst="rect">
+              <a:avLst/>
+            </a:prstGeom>
+            <a:noFill/>
+          </p:spPr>
+          <p:txBody>
+            <a:bodyPr wrap="square" rtlCol="0">
+              <a:spAutoFit/>
+            </a:bodyPr>
+            <a:lstStyle/>
+            <a:p>
+              <a:pPr algn="ctr"/>
+              <a:r>
+                <a:rPr lang="en-US" sz="1100" i="1" dirty="0">
+                  <a:solidFill>
+                    <a:schemeClr val="bg1"/>
+                  </a:solidFill>
+                  <a:latin typeface="Amazon Ember" panose="020B0603020204020204" pitchFamily="34" charset="0"/>
+                  <a:ea typeface="Amazon Ember" panose="020B0603020204020204" pitchFamily="34" charset="0"/>
+                  <a:cs typeface="Amazon Ember" panose="020B0603020204020204" pitchFamily="34" charset="0"/>
+                </a:rPr>
+                <a:t>events to replay</a:t>
+              </a:r>
+            </a:p>
+          </p:txBody>
+        </p:sp>
+        <p:cxnSp>
+          <p:nvCxnSpPr>
+            <p:cNvPr id="84" name="Straight Arrow Connector 83">
+              <a:extLst>
+                <a:ext uri="{FF2B5EF4-FFF2-40B4-BE49-F238E27FC236}">
+                  <a16:creationId xmlns:a16="http://schemas.microsoft.com/office/drawing/2014/main" id="{D028930E-B0D6-094C-B731-45EF64795DF1}"/>
+                </a:ext>
+              </a:extLst>
+            </p:cNvPr>
+            <p:cNvCxnSpPr>
+              <a:cxnSpLocks/>
+              <a:endCxn id="36" idx="1"/>
+            </p:cNvCxnSpPr>
+            <p:nvPr/>
+          </p:nvCxnSpPr>
+          <p:spPr>
+            <a:xfrm>
+              <a:off x="2417767" y="3429000"/>
+              <a:ext cx="1186434" cy="0"/>
+            </a:xfrm>
+            <a:prstGeom prst="straightConnector1">
+              <a:avLst/>
+            </a:prstGeom>
+            <a:ln>
+              <a:solidFill>
+                <a:schemeClr val="bg1"/>
+              </a:solidFill>
+              <a:headEnd type="none" w="med" len="med"/>
+              <a:tailEnd type="arrow" w="med" len="med"/>
+            </a:ln>
+          </p:spPr>
+          <p:style>
+            <a:lnRef idx="1">
+              <a:schemeClr val="accent1"/>
+            </a:lnRef>
+            <a:fillRef idx="0">
+              <a:schemeClr val="accent1"/>
+            </a:fillRef>
+            <a:effectRef idx="0">
+              <a:schemeClr val="accent1"/>
+            </a:effectRef>
+            <a:fontRef idx="minor">
+              <a:schemeClr val="tx1"/>
+            </a:fontRef>
+          </p:style>
+        </p:cxnSp>
+        <p:sp>
+          <p:nvSpPr>
+            <p:cNvPr id="87" name="TextBox 86">
+              <a:extLst>
+                <a:ext uri="{FF2B5EF4-FFF2-40B4-BE49-F238E27FC236}">
+                  <a16:creationId xmlns:a16="http://schemas.microsoft.com/office/drawing/2014/main" id="{F22F656C-29D2-984E-8590-177914124106}"/>
+                </a:ext>
+              </a:extLst>
+            </p:cNvPr>
+            <p:cNvSpPr txBox="1"/>
+            <p:nvPr/>
+          </p:nvSpPr>
+          <p:spPr>
+            <a:xfrm>
+              <a:off x="2535407" y="2903687"/>
+              <a:ext cx="951154" cy="430887"/>
+            </a:xfrm>
+            <a:prstGeom prst="rect">
+              <a:avLst/>
+            </a:prstGeom>
+            <a:noFill/>
+          </p:spPr>
+          <p:txBody>
+            <a:bodyPr wrap="square" rtlCol="0">
+              <a:spAutoFit/>
+            </a:bodyPr>
+            <a:lstStyle/>
+            <a:p>
+              <a:pPr algn="ctr"/>
+              <a:r>
+                <a:rPr lang="en-US" sz="1100" i="1" dirty="0">
+                  <a:solidFill>
+                    <a:schemeClr val="bg1"/>
+                  </a:solidFill>
+                  <a:latin typeface="Amazon Ember" panose="020B0603020204020204" pitchFamily="34" charset="0"/>
+                  <a:ea typeface="Amazon Ember" panose="020B0603020204020204" pitchFamily="34" charset="0"/>
+                  <a:cs typeface="Amazon Ember" panose="020B0603020204020204" pitchFamily="34" charset="0"/>
+                </a:rPr>
+                <a:t>all</a:t>
+              </a:r>
+            </a:p>
+            <a:p>
+              <a:pPr algn="ctr"/>
+              <a:r>
+                <a:rPr lang="en-US" sz="1100" i="1" dirty="0">
+                  <a:solidFill>
+                    <a:schemeClr val="bg1"/>
+                  </a:solidFill>
+                  <a:latin typeface="Amazon Ember" panose="020B0603020204020204" pitchFamily="34" charset="0"/>
+                  <a:ea typeface="Amazon Ember" panose="020B0603020204020204" pitchFamily="34" charset="0"/>
+                  <a:cs typeface="Amazon Ember" panose="020B0603020204020204" pitchFamily="34" charset="0"/>
+                </a:rPr>
+                <a:t>events</a:t>
+              </a:r>
+            </a:p>
+          </p:txBody>
+        </p:sp>
       </p:grpSp>
       <p:sp>
         <p:nvSpPr>
-          <p:cNvPr id="54" name="Rectangle 53">
+          <p:cNvPr id="25" name="TextBox 24">
             <a:extLst>
               <a:ext uri="{FF2B5EF4-FFF2-40B4-BE49-F238E27FC236}">
-                <a16:creationId xmlns:a16="http://schemas.microsoft.com/office/drawing/2014/main" id="{A6C24674-C5DB-E145-95E3-0B647A7C7030}"/>
+                <a16:creationId xmlns:a16="http://schemas.microsoft.com/office/drawing/2014/main" id="{AC137D43-A15C-CA48-AC3D-A4A19FBFFF60}"/>
               </a:ext>
             </a:extLst>
           </p:cNvPr>
-          <p:cNvSpPr/>
+          <p:cNvSpPr txBox="1"/>
           <p:nvPr/>
         </p:nvSpPr>
         <p:spPr>
           <a:xfrm>
-            <a:off x="5298717" y="1160466"/>
-            <a:ext cx="2555988" cy="859872"/>
+            <a:off x="934881" y="329721"/>
+            <a:ext cx="2669320" cy="461665"/>
           </a:xfrm>
           <a:prstGeom prst="rect">
             <a:avLst/>
           </a:prstGeom>
           <a:noFill/>
-          <a:ln w="12700">
-            <a:solidFill>
-              <a:srgbClr val="B6BABF"/>
-            </a:solidFill>
-            <a:prstDash val="dash"/>
-          </a:ln>
         </p:spPr>
-        <p:style>
-          <a:lnRef idx="2">
-            <a:schemeClr val="accent1">
-              <a:shade val="50000"/>
-            </a:schemeClr>
-          </a:lnRef>
-          <a:fillRef idx="1">
-            <a:schemeClr val="accent1"/>
-          </a:fillRef>
-          <a:effectRef idx="0">
-            <a:schemeClr val="accent1"/>
-          </a:effectRef>
-          <a:fontRef idx="minor">
-            <a:schemeClr val="lt1"/>
-          </a:fontRef>
-        </p:style>
         <p:txBody>
-          <a:bodyPr rot="0" spcFirstLastPara="0" vertOverflow="overflow" horzOverflow="overflow" vert="horz" wrap="square" lIns="91440" tIns="91440" rIns="91440" bIns="45720" numCol="1" spcCol="0" rtlCol="0" fromWordArt="0" anchor="t" anchorCtr="0" forceAA="0" compatLnSpc="1">
-            <a:prstTxWarp prst="textNoShape">
-              <a:avLst/>
-            </a:prstTxWarp>
-            <a:noAutofit/>
+          <a:bodyPr wrap="none" rtlCol="0">
+            <a:spAutoFit/>
           </a:bodyPr>
           <a:lstStyle/>
           <a:p>
             <a:r>
-              <a:rPr lang="en-US" sz="1200" dirty="0">
+              <a:rPr lang="en-US" sz="2400" dirty="0">
                 <a:solidFill>
-                  <a:srgbClr val="B6BABF"/>
+                  <a:schemeClr val="bg1"/>
                 </a:solidFill>
+                <a:latin typeface="Amazon Ember" panose="020B0603020204020204" pitchFamily="34" charset="0"/>
+                <a:ea typeface="Amazon Ember" panose="020B0603020204020204" pitchFamily="34" charset="0"/>
+                <a:cs typeface="Amazon Ember" panose="020B0603020204020204" pitchFamily="34" charset="0"/>
               </a:rPr>
-              <a:t>Processing pipeline</a:t>
+              <a:t>Amazon SNS Fork</a:t>
             </a:r>
           </a:p>
         </p:txBody>
       </p:sp>
-      <p:sp>
-        <p:nvSpPr>
-          <p:cNvPr id="27" name="Rectangle 26">
+    </p:spTree>
+    <p:extLst>
+      <p:ext uri="{BB962C8B-B14F-4D97-AF65-F5344CB8AC3E}">
+        <p14:creationId xmlns:p14="http://schemas.microsoft.com/office/powerpoint/2010/main" val="2337987844"/>
+      </p:ext>
+    </p:extLst>
+  </p:cSld>
+  <p:clrMapOvr>
+    <a:masterClrMapping/>
+  </p:clrMapOvr>
+</p:sld>
+</file>
+
+<file path=ppt/slides/slide2.xml><?xml version="1.0" encoding="utf-8"?>
+<p:sld xmlns:a="http://schemas.openxmlformats.org/drawingml/2006/main" xmlns:r="http://schemas.openxmlformats.org/officeDocument/2006/relationships" xmlns:p="http://schemas.openxmlformats.org/presentationml/2006/main">
+  <p:cSld>
+    <p:spTree>
+      <p:nvGrpSpPr>
+        <p:cNvPr id="1" name=""/>
+        <p:cNvGrpSpPr/>
+        <p:nvPr/>
+      </p:nvGrpSpPr>
+      <p:grpSpPr>
+        <a:xfrm>
+          <a:off x="0" y="0"/>
+          <a:ext cx="0" cy="0"/>
+          <a:chOff x="0" y="0"/>
+          <a:chExt cx="0" cy="0"/>
+        </a:xfrm>
+      </p:grpSpPr>
+      <p:grpSp>
+        <p:nvGrpSpPr>
+          <p:cNvPr id="3" name="Group 2">
             <a:extLst>
               <a:ext uri="{FF2B5EF4-FFF2-40B4-BE49-F238E27FC236}">
-                <a16:creationId xmlns:a16="http://schemas.microsoft.com/office/drawing/2014/main" id="{FE58B4E7-FA51-E241-8B9A-01973D019413}"/>
-              </a:ext>
-            </a:extLst>
-          </p:cNvPr>
-          <p:cNvSpPr/>
-          <p:nvPr/>
-        </p:nvSpPr>
-        <p:spPr>
-          <a:xfrm>
-            <a:off x="5293953" y="2255850"/>
-            <a:ext cx="2555988" cy="859872"/>
-          </a:xfrm>
-          <a:prstGeom prst="rect">
-            <a:avLst/>
-          </a:prstGeom>
-          <a:noFill/>
-          <a:ln w="12700">
-            <a:solidFill>
-              <a:srgbClr val="B6BABF"/>
-            </a:solidFill>
-            <a:prstDash val="dash"/>
-          </a:ln>
-        </p:spPr>
-        <p:style>
-          <a:lnRef idx="2">
-            <a:schemeClr val="accent1">
-              <a:shade val="50000"/>
-            </a:schemeClr>
-          </a:lnRef>
-          <a:fillRef idx="1">
-            <a:schemeClr val="accent1"/>
-          </a:fillRef>
-          <a:effectRef idx="0">
-            <a:schemeClr val="accent1"/>
-          </a:effectRef>
-          <a:fontRef idx="minor">
-            <a:schemeClr val="lt1"/>
-          </a:fontRef>
-        </p:style>
-        <p:txBody>
-          <a:bodyPr rot="0" spcFirstLastPara="0" vertOverflow="overflow" horzOverflow="overflow" vert="horz" wrap="square" lIns="91440" tIns="91440" rIns="91440" bIns="45720" numCol="1" spcCol="0" rtlCol="0" fromWordArt="0" anchor="t" anchorCtr="0" forceAA="0" compatLnSpc="1">
-            <a:prstTxWarp prst="textNoShape">
-              <a:avLst/>
-            </a:prstTxWarp>
-            <a:noAutofit/>
-          </a:bodyPr>
-          <a:lstStyle/>
-          <a:p>
-            <a:r>
-              <a:rPr lang="en-US" sz="1200" dirty="0">
-                <a:solidFill>
-                  <a:srgbClr val="B6BABF"/>
-                </a:solidFill>
-              </a:rPr>
-              <a:t>Processing pipeline</a:t>
-            </a:r>
-          </a:p>
-        </p:txBody>
-      </p:sp>
-      <p:sp>
-        <p:nvSpPr>
-          <p:cNvPr id="29" name="Rectangle 28">
-            <a:extLst>
-              <a:ext uri="{FF2B5EF4-FFF2-40B4-BE49-F238E27FC236}">
-                <a16:creationId xmlns:a16="http://schemas.microsoft.com/office/drawing/2014/main" id="{EDB042B6-0810-A140-9CE1-B3AF0FCC0573}"/>
-              </a:ext>
-            </a:extLst>
-          </p:cNvPr>
-          <p:cNvSpPr/>
-          <p:nvPr/>
-        </p:nvSpPr>
-        <p:spPr>
-          <a:xfrm>
-            <a:off x="5293953" y="3372069"/>
-            <a:ext cx="2555988" cy="859872"/>
-          </a:xfrm>
-          <a:prstGeom prst="rect">
-            <a:avLst/>
-          </a:prstGeom>
-          <a:noFill/>
-          <a:ln w="12700">
-            <a:solidFill>
-              <a:srgbClr val="B6BABF"/>
-            </a:solidFill>
-            <a:prstDash val="dash"/>
-          </a:ln>
-        </p:spPr>
-        <p:style>
-          <a:lnRef idx="2">
-            <a:schemeClr val="accent1">
-              <a:shade val="50000"/>
-            </a:schemeClr>
-          </a:lnRef>
-          <a:fillRef idx="1">
-            <a:schemeClr val="accent1"/>
-          </a:fillRef>
-          <a:effectRef idx="0">
-            <a:schemeClr val="accent1"/>
-          </a:effectRef>
-          <a:fontRef idx="minor">
-            <a:schemeClr val="lt1"/>
-          </a:fontRef>
-        </p:style>
-        <p:txBody>
-          <a:bodyPr rot="0" spcFirstLastPara="0" vertOverflow="overflow" horzOverflow="overflow" vert="horz" wrap="square" lIns="91440" tIns="91440" rIns="91440" bIns="45720" numCol="1" spcCol="0" rtlCol="0" fromWordArt="0" anchor="t" anchorCtr="0" forceAA="0" compatLnSpc="1">
-            <a:prstTxWarp prst="textNoShape">
-              <a:avLst/>
-            </a:prstTxWarp>
-            <a:noAutofit/>
-          </a:bodyPr>
-          <a:lstStyle/>
-          <a:p>
-            <a:r>
-              <a:rPr lang="en-US" sz="1200" dirty="0">
-                <a:solidFill>
-                  <a:srgbClr val="B6BABF"/>
-                </a:solidFill>
-              </a:rPr>
-              <a:t>Processing pipeline</a:t>
-            </a:r>
-          </a:p>
-        </p:txBody>
-      </p:sp>
-      <p:sp>
-        <p:nvSpPr>
-          <p:cNvPr id="33" name="Rectangle 32">
-            <a:extLst>
-              <a:ext uri="{FF2B5EF4-FFF2-40B4-BE49-F238E27FC236}">
-                <a16:creationId xmlns:a16="http://schemas.microsoft.com/office/drawing/2014/main" id="{B65D2DC4-6EEF-1441-86CF-FE85F31E117C}"/>
-              </a:ext>
-            </a:extLst>
-          </p:cNvPr>
-          <p:cNvSpPr/>
-          <p:nvPr/>
-        </p:nvSpPr>
-        <p:spPr>
-          <a:xfrm>
-            <a:off x="5293953" y="4480427"/>
-            <a:ext cx="2555988" cy="859872"/>
-          </a:xfrm>
-          <a:prstGeom prst="rect">
-            <a:avLst/>
-          </a:prstGeom>
-          <a:noFill/>
-          <a:ln w="12700">
-            <a:solidFill>
-              <a:srgbClr val="B6BABF"/>
-            </a:solidFill>
-            <a:prstDash val="dash"/>
-          </a:ln>
-        </p:spPr>
-        <p:style>
-          <a:lnRef idx="2">
-            <a:schemeClr val="accent1">
-              <a:shade val="50000"/>
-            </a:schemeClr>
-          </a:lnRef>
-          <a:fillRef idx="1">
-            <a:schemeClr val="accent1"/>
-          </a:fillRef>
-          <a:effectRef idx="0">
-            <a:schemeClr val="accent1"/>
-          </a:effectRef>
-          <a:fontRef idx="minor">
-            <a:schemeClr val="lt1"/>
-          </a:fontRef>
-        </p:style>
-        <p:txBody>
-          <a:bodyPr rot="0" spcFirstLastPara="0" vertOverflow="overflow" horzOverflow="overflow" vert="horz" wrap="square" lIns="91440" tIns="91440" rIns="91440" bIns="45720" numCol="1" spcCol="0" rtlCol="0" fromWordArt="0" anchor="t" anchorCtr="0" forceAA="0" compatLnSpc="1">
-            <a:prstTxWarp prst="textNoShape">
-              <a:avLst/>
-            </a:prstTxWarp>
-            <a:noAutofit/>
-          </a:bodyPr>
-          <a:lstStyle/>
-          <a:p>
-            <a:r>
-              <a:rPr lang="en-US" sz="1200" dirty="0">
-                <a:solidFill>
-                  <a:srgbClr val="B6BABF"/>
-                </a:solidFill>
-              </a:rPr>
-              <a:t>Processing pipeline</a:t>
-            </a:r>
-          </a:p>
-        </p:txBody>
-      </p:sp>
-      <p:grpSp>
-        <p:nvGrpSpPr>
-          <p:cNvPr id="12" name="Group 11">
-            <a:extLst>
-              <a:ext uri="{FF2B5EF4-FFF2-40B4-BE49-F238E27FC236}">
-                <a16:creationId xmlns:a16="http://schemas.microsoft.com/office/drawing/2014/main" id="{F9A092B2-D48A-7E4F-9783-A639559A5FDC}"/>
+                <a16:creationId xmlns:a16="http://schemas.microsoft.com/office/drawing/2014/main" id="{C35C0571-37B7-8F4B-A7A2-DE4B28C7F0AA}"/>
               </a:ext>
             </a:extLst>
           </p:cNvPr>
@@ -3831,44 +4807,548 @@
         </p:nvGrpSpPr>
         <p:grpSpPr>
           <a:xfrm>
-            <a:off x="3730132" y="1590402"/>
-            <a:ext cx="1554297" cy="3319961"/>
-            <a:chOff x="3744420" y="1590402"/>
-            <a:chExt cx="1554297" cy="3319961"/>
+            <a:off x="489693" y="2194560"/>
+            <a:ext cx="11212615" cy="2468880"/>
+            <a:chOff x="489693" y="2230120"/>
+            <a:chExt cx="11212615" cy="2468880"/>
           </a:xfrm>
         </p:grpSpPr>
+        <p:sp>
+          <p:nvSpPr>
+            <p:cNvPr id="54" name="Rectangle 53">
+              <a:extLst>
+                <a:ext uri="{FF2B5EF4-FFF2-40B4-BE49-F238E27FC236}">
+                  <a16:creationId xmlns:a16="http://schemas.microsoft.com/office/drawing/2014/main" id="{A6C24674-C5DB-E145-95E3-0B647A7C7030}"/>
+                </a:ext>
+              </a:extLst>
+            </p:cNvPr>
+            <p:cNvSpPr/>
+            <p:nvPr/>
+          </p:nvSpPr>
+          <p:spPr>
+            <a:xfrm>
+              <a:off x="2287881" y="2230120"/>
+              <a:ext cx="7955280" cy="2468880"/>
+            </a:xfrm>
+            <a:prstGeom prst="rect">
+              <a:avLst/>
+            </a:prstGeom>
+            <a:noFill/>
+            <a:ln w="12700">
+              <a:solidFill>
+                <a:srgbClr val="B6BABF"/>
+              </a:solidFill>
+              <a:prstDash val="dash"/>
+            </a:ln>
+          </p:spPr>
+          <p:style>
+            <a:lnRef idx="2">
+              <a:schemeClr val="accent1">
+                <a:shade val="50000"/>
+              </a:schemeClr>
+            </a:lnRef>
+            <a:fillRef idx="1">
+              <a:schemeClr val="accent1"/>
+            </a:fillRef>
+            <a:effectRef idx="0">
+              <a:schemeClr val="accent1"/>
+            </a:effectRef>
+            <a:fontRef idx="minor">
+              <a:schemeClr val="lt1"/>
+            </a:fontRef>
+          </p:style>
+          <p:txBody>
+            <a:bodyPr rot="0" spcFirstLastPara="0" vertOverflow="overflow" horzOverflow="overflow" vert="horz" wrap="square" lIns="91440" tIns="91440" rIns="91440" bIns="45720" numCol="1" spcCol="0" rtlCol="0" fromWordArt="0" anchor="t" anchorCtr="0" forceAA="0" compatLnSpc="1">
+              <a:prstTxWarp prst="textNoShape">
+                <a:avLst/>
+              </a:prstTxWarp>
+              <a:noAutofit/>
+            </a:bodyPr>
+            <a:lstStyle/>
+            <a:p>
+              <a:pPr algn="ctr"/>
+              <a:r>
+                <a:rPr lang="en-US" sz="1200" dirty="0">
+                  <a:solidFill>
+                    <a:srgbClr val="B6BABF"/>
+                  </a:solidFill>
+                  <a:latin typeface="Amazon Ember" panose="020B0603020204020204" pitchFamily="34" charset="0"/>
+                  <a:ea typeface="Amazon Ember" panose="020B0603020204020204" pitchFamily="34" charset="0"/>
+                  <a:cs typeface="Amazon Ember" panose="020B0603020204020204" pitchFamily="34" charset="0"/>
+                </a:rPr>
+                <a:t>sns-fork-storage-backup app</a:t>
+              </a:r>
+            </a:p>
+          </p:txBody>
+        </p:sp>
+        <p:pic>
+          <p:nvPicPr>
+            <p:cNvPr id="14" name="Graphic 13">
+              <a:extLst>
+                <a:ext uri="{FF2B5EF4-FFF2-40B4-BE49-F238E27FC236}">
+                  <a16:creationId xmlns:a16="http://schemas.microsoft.com/office/drawing/2014/main" id="{BB80B697-5C4D-5E42-8B14-72F53A9E4E9F}"/>
+                </a:ext>
+              </a:extLst>
+            </p:cNvPr>
+            <p:cNvPicPr>
+              <a:picLocks noChangeAspect="1"/>
+            </p:cNvPicPr>
+            <p:nvPr/>
+          </p:nvPicPr>
+          <p:blipFill>
+            <a:blip r:embed="rId3">
+              <a:extLst>
+                <a:ext uri="{96DAC541-7B7A-43D3-8B79-37D633B846F1}">
+                  <asvg:svgBlip xmlns:asvg="http://schemas.microsoft.com/office/drawing/2016/SVG/main" r:embed="rId4"/>
+                </a:ext>
+              </a:extLst>
+            </a:blip>
+            <a:stretch>
+              <a:fillRect/>
+            </a:stretch>
+          </p:blipFill>
+          <p:spPr>
+            <a:xfrm>
+              <a:off x="8940303" y="3053359"/>
+              <a:ext cx="571500" cy="571500"/>
+            </a:xfrm>
+            <a:prstGeom prst="rect">
+              <a:avLst/>
+            </a:prstGeom>
+          </p:spPr>
+        </p:pic>
+        <p:sp>
+          <p:nvSpPr>
+            <p:cNvPr id="15" name="TextBox 14">
+              <a:extLst>
+                <a:ext uri="{FF2B5EF4-FFF2-40B4-BE49-F238E27FC236}">
+                  <a16:creationId xmlns:a16="http://schemas.microsoft.com/office/drawing/2014/main" id="{C21FE1D7-5D42-7043-91E8-C9E8CB586590}"/>
+                </a:ext>
+              </a:extLst>
+            </p:cNvPr>
+            <p:cNvSpPr txBox="1"/>
+            <p:nvPr/>
+          </p:nvSpPr>
+          <p:spPr>
+            <a:xfrm>
+              <a:off x="8642403" y="3703955"/>
+              <a:ext cx="1195091" cy="430887"/>
+            </a:xfrm>
+            <a:prstGeom prst="rect">
+              <a:avLst/>
+            </a:prstGeom>
+            <a:noFill/>
+          </p:spPr>
+          <p:txBody>
+            <a:bodyPr wrap="square" rtlCol="0">
+              <a:spAutoFit/>
+            </a:bodyPr>
+            <a:lstStyle/>
+            <a:p>
+              <a:pPr algn="ctr"/>
+              <a:r>
+                <a:rPr lang="en-US" sz="1100" dirty="0">
+                  <a:solidFill>
+                    <a:schemeClr val="bg1"/>
+                  </a:solidFill>
+                  <a:latin typeface="Amazon Ember" panose="020B0603020204020204" pitchFamily="34" charset="0"/>
+                  <a:ea typeface="Amazon Ember" panose="020B0603020204020204" pitchFamily="34" charset="0"/>
+                  <a:cs typeface="Amazon Ember" panose="020B0603020204020204" pitchFamily="34" charset="0"/>
+                </a:rPr>
+                <a:t>Amazon S3 backup bucket</a:t>
+              </a:r>
+            </a:p>
+          </p:txBody>
+        </p:sp>
         <p:cxnSp>
           <p:nvCxnSpPr>
-            <p:cNvPr id="30" name="Elbow Connector 29">
-              <a:extLst>
-                <a:ext uri="{FF2B5EF4-FFF2-40B4-BE49-F238E27FC236}">
-                  <a16:creationId xmlns:a16="http://schemas.microsoft.com/office/drawing/2014/main" id="{BF1D253B-1A2C-E94F-B54F-3EC5EF801280}"/>
+            <p:cNvPr id="41" name="Straight Arrow Connector 40">
+              <a:extLst>
+                <a:ext uri="{FF2B5EF4-FFF2-40B4-BE49-F238E27FC236}">
+                  <a16:creationId xmlns:a16="http://schemas.microsoft.com/office/drawing/2014/main" id="{5CDC344D-5DB6-1341-B8A6-A84140D585B0}"/>
                 </a:ext>
               </a:extLst>
             </p:cNvPr>
             <p:cNvCxnSpPr>
               <a:cxnSpLocks/>
               <a:stCxn id="36" idx="3"/>
-              <a:endCxn id="54" idx="1"/>
+              <a:endCxn id="40" idx="1"/>
             </p:cNvCxnSpPr>
             <p:nvPr/>
           </p:nvCxnSpPr>
           <p:spPr>
-            <a:xfrm flipV="1">
-              <a:off x="3744420" y="1590402"/>
-              <a:ext cx="1554297" cy="1673565"/>
-            </a:xfrm>
-            <a:prstGeom prst="bentConnector3">
-              <a:avLst>
-                <a:gd name="adj1" fmla="val 50000"/>
-              </a:avLst>
+            <a:xfrm>
+              <a:off x="1321291" y="3339109"/>
+              <a:ext cx="1428503" cy="0"/>
+            </a:xfrm>
+            <a:prstGeom prst="straightConnector1">
+              <a:avLst/>
             </a:prstGeom>
             <a:ln w="12700">
               <a:solidFill>
                 <a:srgbClr val="E6ECEF"/>
               </a:solidFill>
-              <a:headEnd type="none" w="med" len="sm"/>
-              <a:tailEnd type="arrow" w="med" len="sm"/>
+              <a:headEnd type="none" w="med" len="med"/>
+              <a:tailEnd type="arrow" w="med" len="med"/>
+            </a:ln>
+          </p:spPr>
+          <p:style>
+            <a:lnRef idx="1">
+              <a:schemeClr val="accent1"/>
+            </a:lnRef>
+            <a:fillRef idx="0">
+              <a:schemeClr val="accent1"/>
+            </a:fillRef>
+            <a:effectRef idx="0">
+              <a:schemeClr val="accent1"/>
+            </a:effectRef>
+            <a:fontRef idx="minor">
+              <a:schemeClr val="tx1"/>
+            </a:fontRef>
+          </p:style>
+        </p:cxnSp>
+        <p:sp>
+          <p:nvSpPr>
+            <p:cNvPr id="44" name="TextBox 43">
+              <a:extLst>
+                <a:ext uri="{FF2B5EF4-FFF2-40B4-BE49-F238E27FC236}">
+                  <a16:creationId xmlns:a16="http://schemas.microsoft.com/office/drawing/2014/main" id="{44CA8B2F-5C0C-4847-8374-3CF09649970B}"/>
+                </a:ext>
+              </a:extLst>
+            </p:cNvPr>
+            <p:cNvSpPr txBox="1"/>
+            <p:nvPr/>
+          </p:nvSpPr>
+          <p:spPr>
+            <a:xfrm>
+              <a:off x="1475703" y="2669500"/>
+              <a:ext cx="794831" cy="600164"/>
+            </a:xfrm>
+            <a:prstGeom prst="rect">
+              <a:avLst/>
+            </a:prstGeom>
+            <a:noFill/>
+          </p:spPr>
+          <p:txBody>
+            <a:bodyPr wrap="square" rtlCol="0">
+              <a:spAutoFit/>
+            </a:bodyPr>
+            <a:lstStyle/>
+            <a:p>
+              <a:pPr algn="ctr"/>
+              <a:r>
+                <a:rPr lang="en-US" sz="1100" i="1" dirty="0">
+                  <a:solidFill>
+                    <a:schemeClr val="bg1"/>
+                  </a:solidFill>
+                  <a:latin typeface="Amazon Ember" panose="020B0603020204020204" pitchFamily="34" charset="0"/>
+                  <a:ea typeface="Amazon Ember" panose="020B0603020204020204" pitchFamily="34" charset="0"/>
+                  <a:cs typeface="Amazon Ember" panose="020B0603020204020204" pitchFamily="34" charset="0"/>
+                </a:rPr>
+                <a:t>fan out filtered events</a:t>
+              </a:r>
+            </a:p>
+          </p:txBody>
+        </p:sp>
+        <p:cxnSp>
+          <p:nvCxnSpPr>
+            <p:cNvPr id="45" name="Straight Arrow Connector 44">
+              <a:extLst>
+                <a:ext uri="{FF2B5EF4-FFF2-40B4-BE49-F238E27FC236}">
+                  <a16:creationId xmlns:a16="http://schemas.microsoft.com/office/drawing/2014/main" id="{754867F2-05A9-FE40-B4F7-E1CB64BA9FB9}"/>
+                </a:ext>
+              </a:extLst>
+            </p:cNvPr>
+            <p:cNvCxnSpPr>
+              <a:cxnSpLocks/>
+              <a:stCxn id="40" idx="3"/>
+              <a:endCxn id="30" idx="1"/>
+            </p:cNvCxnSpPr>
+            <p:nvPr/>
+          </p:nvCxnSpPr>
+          <p:spPr>
+            <a:xfrm>
+              <a:off x="3321294" y="3339109"/>
+              <a:ext cx="1428503" cy="0"/>
+            </a:xfrm>
+            <a:prstGeom prst="straightConnector1">
+              <a:avLst/>
+            </a:prstGeom>
+            <a:ln w="12700">
+              <a:solidFill>
+                <a:srgbClr val="E6ECEF"/>
+              </a:solidFill>
+              <a:headEnd type="arrow" w="med" len="med"/>
+              <a:tailEnd type="arrow" w="med" len="med"/>
+            </a:ln>
+          </p:spPr>
+          <p:style>
+            <a:lnRef idx="1">
+              <a:schemeClr val="accent1"/>
+            </a:lnRef>
+            <a:fillRef idx="0">
+              <a:schemeClr val="accent1"/>
+            </a:fillRef>
+            <a:effectRef idx="0">
+              <a:schemeClr val="accent1"/>
+            </a:effectRef>
+            <a:fontRef idx="minor">
+              <a:schemeClr val="tx1"/>
+            </a:fontRef>
+          </p:style>
+        </p:cxnSp>
+        <p:sp>
+          <p:nvSpPr>
+            <p:cNvPr id="26" name="TextBox 25">
+              <a:extLst>
+                <a:ext uri="{FF2B5EF4-FFF2-40B4-BE49-F238E27FC236}">
+                  <a16:creationId xmlns:a16="http://schemas.microsoft.com/office/drawing/2014/main" id="{5CA6F280-75A2-1347-AD40-3937D48571F0}"/>
+                </a:ext>
+              </a:extLst>
+            </p:cNvPr>
+            <p:cNvSpPr txBox="1"/>
+            <p:nvPr/>
+          </p:nvSpPr>
+          <p:spPr>
+            <a:xfrm>
+              <a:off x="489693" y="3703955"/>
+              <a:ext cx="1091696" cy="430887"/>
+            </a:xfrm>
+            <a:prstGeom prst="rect">
+              <a:avLst/>
+            </a:prstGeom>
+            <a:noFill/>
+          </p:spPr>
+          <p:txBody>
+            <a:bodyPr wrap="square" rtlCol="0">
+              <a:spAutoFit/>
+            </a:bodyPr>
+            <a:lstStyle/>
+            <a:p>
+              <a:pPr algn="ctr"/>
+              <a:r>
+                <a:rPr lang="en-US" sz="1100" dirty="0">
+                  <a:solidFill>
+                    <a:schemeClr val="bg1"/>
+                  </a:solidFill>
+                  <a:latin typeface="Amazon Ember" panose="020B0603020204020204" pitchFamily="34" charset="0"/>
+                  <a:ea typeface="Amazon Ember" panose="020B0603020204020204" pitchFamily="34" charset="0"/>
+                  <a:cs typeface="Amazon Ember" panose="020B0603020204020204" pitchFamily="34" charset="0"/>
+                </a:rPr>
+                <a:t>Amazon SNS</a:t>
+              </a:r>
+            </a:p>
+            <a:p>
+              <a:pPr algn="ctr"/>
+              <a:r>
+                <a:rPr lang="en-US" sz="1100" dirty="0">
+                  <a:solidFill>
+                    <a:schemeClr val="bg1"/>
+                  </a:solidFill>
+                  <a:latin typeface="Amazon Ember" panose="020B0603020204020204" pitchFamily="34" charset="0"/>
+                  <a:ea typeface="Amazon Ember" panose="020B0603020204020204" pitchFamily="34" charset="0"/>
+                  <a:cs typeface="Amazon Ember" panose="020B0603020204020204" pitchFamily="34" charset="0"/>
+                </a:rPr>
+                <a:t>topic</a:t>
+              </a:r>
+            </a:p>
+          </p:txBody>
+        </p:sp>
+        <p:pic>
+          <p:nvPicPr>
+            <p:cNvPr id="36" name="Graphic 35">
+              <a:extLst>
+                <a:ext uri="{FF2B5EF4-FFF2-40B4-BE49-F238E27FC236}">
+                  <a16:creationId xmlns:a16="http://schemas.microsoft.com/office/drawing/2014/main" id="{E8E921CE-9378-3848-A833-87D7453C4E5F}"/>
+                </a:ext>
+              </a:extLst>
+            </p:cNvPr>
+            <p:cNvPicPr>
+              <a:picLocks noChangeAspect="1"/>
+            </p:cNvPicPr>
+            <p:nvPr/>
+          </p:nvPicPr>
+          <p:blipFill>
+            <a:blip r:embed="rId5">
+              <a:extLst>
+                <a:ext uri="{96DAC541-7B7A-43D3-8B79-37D633B846F1}">
+                  <asvg:svgBlip xmlns:asvg="http://schemas.microsoft.com/office/drawing/2016/SVG/main" r:embed="rId6"/>
+                </a:ext>
+              </a:extLst>
+            </a:blip>
+            <a:stretch>
+              <a:fillRect/>
+            </a:stretch>
+          </p:blipFill>
+          <p:spPr>
+            <a:xfrm>
+              <a:off x="749791" y="3053359"/>
+              <a:ext cx="571500" cy="571500"/>
+            </a:xfrm>
+            <a:prstGeom prst="rect">
+              <a:avLst/>
+            </a:prstGeom>
+          </p:spPr>
+        </p:pic>
+        <p:pic>
+          <p:nvPicPr>
+            <p:cNvPr id="40" name="Graphic 39">
+              <a:extLst>
+                <a:ext uri="{FF2B5EF4-FFF2-40B4-BE49-F238E27FC236}">
+                  <a16:creationId xmlns:a16="http://schemas.microsoft.com/office/drawing/2014/main" id="{38AB42BB-9D5E-A44B-96FB-C8AB776A0154}"/>
+                </a:ext>
+              </a:extLst>
+            </p:cNvPr>
+            <p:cNvPicPr>
+              <a:picLocks noChangeAspect="1"/>
+            </p:cNvPicPr>
+            <p:nvPr/>
+          </p:nvPicPr>
+          <p:blipFill>
+            <a:blip r:embed="rId7">
+              <a:extLst>
+                <a:ext uri="{96DAC541-7B7A-43D3-8B79-37D633B846F1}">
+                  <asvg:svgBlip xmlns:asvg="http://schemas.microsoft.com/office/drawing/2016/SVG/main" r:embed="rId8"/>
+                </a:ext>
+              </a:extLst>
+            </a:blip>
+            <a:stretch>
+              <a:fillRect/>
+            </a:stretch>
+          </p:blipFill>
+          <p:spPr>
+            <a:xfrm>
+              <a:off x="2749794" y="3053359"/>
+              <a:ext cx="571500" cy="571500"/>
+            </a:xfrm>
+            <a:prstGeom prst="rect">
+              <a:avLst/>
+            </a:prstGeom>
+          </p:spPr>
+        </p:pic>
+        <p:sp>
+          <p:nvSpPr>
+            <p:cNvPr id="50" name="TextBox 49">
+              <a:extLst>
+                <a:ext uri="{FF2B5EF4-FFF2-40B4-BE49-F238E27FC236}">
+                  <a16:creationId xmlns:a16="http://schemas.microsoft.com/office/drawing/2014/main" id="{CD6AB1D4-9469-5E4C-8355-A9517756F8BB}"/>
+                </a:ext>
+              </a:extLst>
+            </p:cNvPr>
+            <p:cNvSpPr txBox="1"/>
+            <p:nvPr/>
+          </p:nvSpPr>
+          <p:spPr>
+            <a:xfrm>
+              <a:off x="2322998" y="3703955"/>
+              <a:ext cx="1425091" cy="430887"/>
+            </a:xfrm>
+            <a:prstGeom prst="rect">
+              <a:avLst/>
+            </a:prstGeom>
+            <a:noFill/>
+          </p:spPr>
+          <p:txBody>
+            <a:bodyPr wrap="square" rtlCol="0">
+              <a:spAutoFit/>
+            </a:bodyPr>
+            <a:lstStyle/>
+            <a:p>
+              <a:pPr algn="ctr"/>
+              <a:r>
+                <a:rPr lang="en-US" sz="1100" dirty="0">
+                  <a:solidFill>
+                    <a:schemeClr val="bg1"/>
+                  </a:solidFill>
+                  <a:latin typeface="Amazon Ember" panose="020B0603020204020204" pitchFamily="34" charset="0"/>
+                  <a:ea typeface="Amazon Ember" panose="020B0603020204020204" pitchFamily="34" charset="0"/>
+                  <a:cs typeface="Amazon Ember" panose="020B0603020204020204" pitchFamily="34" charset="0"/>
+                </a:rPr>
+                <a:t>Amazon SQS</a:t>
+              </a:r>
+            </a:p>
+            <a:p>
+              <a:pPr algn="ctr"/>
+              <a:r>
+                <a:rPr lang="en-US" sz="1100" dirty="0">
+                  <a:solidFill>
+                    <a:schemeClr val="bg1"/>
+                  </a:solidFill>
+                  <a:latin typeface="Amazon Ember" panose="020B0603020204020204" pitchFamily="34" charset="0"/>
+                  <a:ea typeface="Amazon Ember" panose="020B0603020204020204" pitchFamily="34" charset="0"/>
+                  <a:cs typeface="Amazon Ember" panose="020B0603020204020204" pitchFamily="34" charset="0"/>
+                </a:rPr>
+                <a:t>queue</a:t>
+              </a:r>
+            </a:p>
+          </p:txBody>
+        </p:sp>
+        <p:pic>
+          <p:nvPicPr>
+            <p:cNvPr id="51" name="Graphic 50">
+              <a:extLst>
+                <a:ext uri="{FF2B5EF4-FFF2-40B4-BE49-F238E27FC236}">
+                  <a16:creationId xmlns:a16="http://schemas.microsoft.com/office/drawing/2014/main" id="{17E5BA10-4CB5-6C48-B032-EF4841ECA5FA}"/>
+                </a:ext>
+              </a:extLst>
+            </p:cNvPr>
+            <p:cNvPicPr>
+              <a:picLocks noChangeAspect="1"/>
+            </p:cNvPicPr>
+            <p:nvPr/>
+          </p:nvPicPr>
+          <p:blipFill>
+            <a:blip r:embed="rId9">
+              <a:extLst>
+                <a:ext uri="{96DAC541-7B7A-43D3-8B79-37D633B846F1}">
+                  <asvg:svgBlip xmlns:asvg="http://schemas.microsoft.com/office/drawing/2016/SVG/main" r:embed="rId10"/>
+                </a:ext>
+              </a:extLst>
+            </a:blip>
+            <a:stretch>
+              <a:fillRect/>
+            </a:stretch>
+          </p:blipFill>
+          <p:spPr>
+            <a:xfrm>
+              <a:off x="6749800" y="2723159"/>
+              <a:ext cx="762000" cy="1231900"/>
+            </a:xfrm>
+            <a:prstGeom prst="rect">
+              <a:avLst/>
+            </a:prstGeom>
+          </p:spPr>
+        </p:pic>
+        <p:cxnSp>
+          <p:nvCxnSpPr>
+            <p:cNvPr id="52" name="Straight Arrow Connector 51">
+              <a:extLst>
+                <a:ext uri="{FF2B5EF4-FFF2-40B4-BE49-F238E27FC236}">
+                  <a16:creationId xmlns:a16="http://schemas.microsoft.com/office/drawing/2014/main" id="{8EDCA639-BECE-454A-9BD2-9EAC896F98CC}"/>
+                </a:ext>
+              </a:extLst>
+            </p:cNvPr>
+            <p:cNvCxnSpPr>
+              <a:cxnSpLocks/>
+              <a:stCxn id="30" idx="3"/>
+              <a:endCxn id="51" idx="1"/>
+            </p:cNvCxnSpPr>
+            <p:nvPr/>
+          </p:nvCxnSpPr>
+          <p:spPr>
+            <a:xfrm>
+              <a:off x="5321297" y="3339109"/>
+              <a:ext cx="1428503" cy="0"/>
+            </a:xfrm>
+            <a:prstGeom prst="straightConnector1">
+              <a:avLst/>
+            </a:prstGeom>
+            <a:ln w="12700">
+              <a:solidFill>
+                <a:srgbClr val="E6ECEF"/>
+              </a:solidFill>
+              <a:headEnd type="none" w="med" len="med"/>
+              <a:tailEnd type="arrow" w="med" len="med"/>
             </a:ln>
           </p:spPr>
           <p:style>
@@ -3888,36 +5368,849 @@
         </p:cxnSp>
         <p:cxnSp>
           <p:nvCxnSpPr>
-            <p:cNvPr id="39" name="Elbow Connector 38">
-              <a:extLst>
-                <a:ext uri="{FF2B5EF4-FFF2-40B4-BE49-F238E27FC236}">
-                  <a16:creationId xmlns:a16="http://schemas.microsoft.com/office/drawing/2014/main" id="{97E23934-2466-774A-A9F1-8C83100730B4}"/>
+            <p:cNvPr id="53" name="Straight Arrow Connector 52">
+              <a:extLst>
+                <a:ext uri="{FF2B5EF4-FFF2-40B4-BE49-F238E27FC236}">
+                  <a16:creationId xmlns:a16="http://schemas.microsoft.com/office/drawing/2014/main" id="{4D76BD50-B1E7-5E49-B04F-81E292EAF68A}"/>
                 </a:ext>
               </a:extLst>
             </p:cNvPr>
             <p:cNvCxnSpPr>
               <a:cxnSpLocks/>
-              <a:stCxn id="36" idx="3"/>
-              <a:endCxn id="27" idx="1"/>
+              <a:stCxn id="51" idx="3"/>
+              <a:endCxn id="14" idx="1"/>
             </p:cNvCxnSpPr>
             <p:nvPr/>
           </p:nvCxnSpPr>
           <p:spPr>
-            <a:xfrm flipV="1">
-              <a:off x="3744420" y="2685786"/>
-              <a:ext cx="1549533" cy="578181"/>
-            </a:xfrm>
-            <a:prstGeom prst="bentConnector3">
-              <a:avLst>
-                <a:gd name="adj1" fmla="val 50000"/>
-              </a:avLst>
+            <a:xfrm>
+              <a:off x="7511800" y="3339109"/>
+              <a:ext cx="1428503" cy="0"/>
+            </a:xfrm>
+            <a:prstGeom prst="straightConnector1">
+              <a:avLst/>
             </a:prstGeom>
             <a:ln w="12700">
               <a:solidFill>
                 <a:srgbClr val="E6ECEF"/>
               </a:solidFill>
-              <a:headEnd type="none" w="med" len="sm"/>
-              <a:tailEnd type="arrow" w="med" len="sm"/>
+              <a:headEnd type="none" w="med" len="med"/>
+              <a:tailEnd type="arrow" w="med" len="med"/>
+            </a:ln>
+          </p:spPr>
+          <p:style>
+            <a:lnRef idx="1">
+              <a:schemeClr val="accent1"/>
+            </a:lnRef>
+            <a:fillRef idx="0">
+              <a:schemeClr val="accent1"/>
+            </a:fillRef>
+            <a:effectRef idx="0">
+              <a:schemeClr val="accent1"/>
+            </a:effectRef>
+            <a:fontRef idx="minor">
+              <a:schemeClr val="tx1"/>
+            </a:fontRef>
+          </p:style>
+        </p:cxnSp>
+        <p:pic>
+          <p:nvPicPr>
+            <p:cNvPr id="55" name="Graphic 54">
+              <a:extLst>
+                <a:ext uri="{FF2B5EF4-FFF2-40B4-BE49-F238E27FC236}">
+                  <a16:creationId xmlns:a16="http://schemas.microsoft.com/office/drawing/2014/main" id="{B1AD1130-6EDB-E444-8BD1-2E96A9C1D14B}"/>
+                </a:ext>
+              </a:extLst>
+            </p:cNvPr>
+            <p:cNvPicPr>
+              <a:picLocks noChangeAspect="1"/>
+            </p:cNvPicPr>
+            <p:nvPr/>
+          </p:nvPicPr>
+          <p:blipFill>
+            <a:blip r:embed="rId11">
+              <a:extLst>
+                <a:ext uri="{96DAC541-7B7A-43D3-8B79-37D633B846F1}">
+                  <asvg:svgBlip xmlns:asvg="http://schemas.microsoft.com/office/drawing/2016/SVG/main" r:embed="rId12"/>
+                </a:ext>
+              </a:extLst>
+            </a:blip>
+            <a:stretch>
+              <a:fillRect/>
+            </a:stretch>
+          </p:blipFill>
+          <p:spPr>
+            <a:xfrm>
+              <a:off x="10940308" y="2793009"/>
+              <a:ext cx="762000" cy="1092200"/>
+            </a:xfrm>
+            <a:prstGeom prst="rect">
+              <a:avLst/>
+            </a:prstGeom>
+          </p:spPr>
+        </p:pic>
+        <p:cxnSp>
+          <p:nvCxnSpPr>
+            <p:cNvPr id="57" name="Straight Arrow Connector 56">
+              <a:extLst>
+                <a:ext uri="{FF2B5EF4-FFF2-40B4-BE49-F238E27FC236}">
+                  <a16:creationId xmlns:a16="http://schemas.microsoft.com/office/drawing/2014/main" id="{9EBEEBD9-B869-B940-BA52-6F02A2938FD2}"/>
+                </a:ext>
+              </a:extLst>
+            </p:cNvPr>
+            <p:cNvCxnSpPr>
+              <a:cxnSpLocks/>
+              <a:endCxn id="14" idx="3"/>
+            </p:cNvCxnSpPr>
+            <p:nvPr/>
+          </p:nvCxnSpPr>
+          <p:spPr>
+            <a:xfrm flipH="1" flipV="1">
+              <a:off x="9511803" y="3339109"/>
+              <a:ext cx="1428506" cy="2"/>
+            </a:xfrm>
+            <a:prstGeom prst="straightConnector1">
+              <a:avLst/>
+            </a:prstGeom>
+            <a:ln w="12700">
+              <a:solidFill>
+                <a:srgbClr val="E6ECEF"/>
+              </a:solidFill>
+              <a:headEnd type="none" w="med" len="med"/>
+              <a:tailEnd type="arrow" w="med" len="med"/>
+            </a:ln>
+          </p:spPr>
+          <p:style>
+            <a:lnRef idx="1">
+              <a:schemeClr val="accent1"/>
+            </a:lnRef>
+            <a:fillRef idx="0">
+              <a:schemeClr val="accent1"/>
+            </a:fillRef>
+            <a:effectRef idx="0">
+              <a:schemeClr val="accent1"/>
+            </a:effectRef>
+            <a:fontRef idx="minor">
+              <a:schemeClr val="tx1"/>
+            </a:fontRef>
+          </p:style>
+        </p:cxnSp>
+        <p:pic>
+          <p:nvPicPr>
+            <p:cNvPr id="30" name="Graphic 29">
+              <a:extLst>
+                <a:ext uri="{FF2B5EF4-FFF2-40B4-BE49-F238E27FC236}">
+                  <a16:creationId xmlns:a16="http://schemas.microsoft.com/office/drawing/2014/main" id="{D5243916-29CF-6A4A-B2E2-86AB2F390EFB}"/>
+                </a:ext>
+              </a:extLst>
+            </p:cNvPr>
+            <p:cNvPicPr>
+              <a:picLocks noChangeAspect="1"/>
+            </p:cNvPicPr>
+            <p:nvPr/>
+          </p:nvPicPr>
+          <p:blipFill>
+            <a:blip r:embed="rId13">
+              <a:extLst>
+                <a:ext uri="{96DAC541-7B7A-43D3-8B79-37D633B846F1}">
+                  <asvg:svgBlip xmlns:asvg="http://schemas.microsoft.com/office/drawing/2016/SVG/main" r:embed="rId14"/>
+                </a:ext>
+              </a:extLst>
+            </a:blip>
+            <a:stretch>
+              <a:fillRect/>
+            </a:stretch>
+          </p:blipFill>
+          <p:spPr>
+            <a:xfrm>
+              <a:off x="4749797" y="3053359"/>
+              <a:ext cx="571500" cy="571500"/>
+            </a:xfrm>
+            <a:prstGeom prst="rect">
+              <a:avLst/>
+            </a:prstGeom>
+          </p:spPr>
+        </p:pic>
+        <p:sp>
+          <p:nvSpPr>
+            <p:cNvPr id="31" name="TextBox 30">
+              <a:extLst>
+                <a:ext uri="{FF2B5EF4-FFF2-40B4-BE49-F238E27FC236}">
+                  <a16:creationId xmlns:a16="http://schemas.microsoft.com/office/drawing/2014/main" id="{6E8F164A-76DF-F347-B7E0-8B2BD45D0005}"/>
+                </a:ext>
+              </a:extLst>
+            </p:cNvPr>
+            <p:cNvSpPr txBox="1"/>
+            <p:nvPr/>
+          </p:nvSpPr>
+          <p:spPr>
+            <a:xfrm>
+              <a:off x="4496024" y="3703955"/>
+              <a:ext cx="1072750" cy="430887"/>
+            </a:xfrm>
+            <a:prstGeom prst="rect">
+              <a:avLst/>
+            </a:prstGeom>
+            <a:noFill/>
+          </p:spPr>
+          <p:txBody>
+            <a:bodyPr wrap="square" rtlCol="0">
+              <a:spAutoFit/>
+            </a:bodyPr>
+            <a:lstStyle/>
+            <a:p>
+              <a:pPr algn="ctr"/>
+              <a:r>
+                <a:rPr lang="en-US" sz="1100" dirty="0">
+                  <a:solidFill>
+                    <a:schemeClr val="bg1"/>
+                  </a:solidFill>
+                  <a:latin typeface="Amazon Ember" panose="020B0603020204020204" pitchFamily="34" charset="0"/>
+                  <a:ea typeface="Amazon Ember" panose="020B0603020204020204" pitchFamily="34" charset="0"/>
+                  <a:cs typeface="Amazon Ember" panose="020B0603020204020204" pitchFamily="34" charset="0"/>
+                </a:rPr>
+                <a:t>AWS Lambda function</a:t>
+              </a:r>
+            </a:p>
+          </p:txBody>
+        </p:sp>
+      </p:grpSp>
+      <p:sp>
+        <p:nvSpPr>
+          <p:cNvPr id="20" name="TextBox 19">
+            <a:extLst>
+              <a:ext uri="{FF2B5EF4-FFF2-40B4-BE49-F238E27FC236}">
+                <a16:creationId xmlns:a16="http://schemas.microsoft.com/office/drawing/2014/main" id="{2C5EB679-67A2-E542-89DC-D1E384DE0745}"/>
+              </a:ext>
+            </a:extLst>
+          </p:cNvPr>
+          <p:cNvSpPr txBox="1"/>
+          <p:nvPr/>
+        </p:nvSpPr>
+        <p:spPr>
+          <a:xfrm>
+            <a:off x="934881" y="329721"/>
+            <a:ext cx="7540847" cy="461665"/>
+          </a:xfrm>
+          <a:prstGeom prst="rect">
+            <a:avLst/>
+          </a:prstGeom>
+          <a:noFill/>
+        </p:spPr>
+        <p:txBody>
+          <a:bodyPr wrap="none" rtlCol="0">
+            <a:spAutoFit/>
+          </a:bodyPr>
+          <a:lstStyle/>
+          <a:p>
+            <a:r>
+              <a:rPr lang="en-US" sz="2400" dirty="0">
+                <a:solidFill>
+                  <a:schemeClr val="bg1"/>
+                </a:solidFill>
+                <a:latin typeface="Amazon Ember" panose="020B0603020204020204" pitchFamily="34" charset="0"/>
+                <a:ea typeface="Amazon Ember" panose="020B0603020204020204" pitchFamily="34" charset="0"/>
+                <a:cs typeface="Amazon Ember" panose="020B0603020204020204" pitchFamily="34" charset="0"/>
+              </a:rPr>
+              <a:t>Amazon SNS Fork / Event Storage &amp; Backup Pipeline</a:t>
+            </a:r>
+          </a:p>
+        </p:txBody>
+      </p:sp>
+    </p:spTree>
+    <p:extLst>
+      <p:ext uri="{BB962C8B-B14F-4D97-AF65-F5344CB8AC3E}">
+        <p14:creationId xmlns:p14="http://schemas.microsoft.com/office/powerpoint/2010/main" val="1566878657"/>
+      </p:ext>
+    </p:extLst>
+  </p:cSld>
+  <p:clrMapOvr>
+    <a:masterClrMapping/>
+  </p:clrMapOvr>
+</p:sld>
+</file>
+
+<file path=ppt/slides/slide3.xml><?xml version="1.0" encoding="utf-8"?>
+<p:sld xmlns:a="http://schemas.openxmlformats.org/drawingml/2006/main" xmlns:r="http://schemas.openxmlformats.org/officeDocument/2006/relationships" xmlns:p="http://schemas.openxmlformats.org/presentationml/2006/main">
+  <p:cSld>
+    <p:spTree>
+      <p:nvGrpSpPr>
+        <p:cNvPr id="1" name=""/>
+        <p:cNvGrpSpPr/>
+        <p:nvPr/>
+      </p:nvGrpSpPr>
+      <p:grpSpPr>
+        <a:xfrm>
+          <a:off x="0" y="0"/>
+          <a:ext cx="0" cy="0"/>
+          <a:chOff x="0" y="0"/>
+          <a:chExt cx="0" cy="0"/>
+        </a:xfrm>
+      </p:grpSpPr>
+      <p:grpSp>
+        <p:nvGrpSpPr>
+          <p:cNvPr id="2" name="Group 1">
+            <a:extLst>
+              <a:ext uri="{FF2B5EF4-FFF2-40B4-BE49-F238E27FC236}">
+                <a16:creationId xmlns:a16="http://schemas.microsoft.com/office/drawing/2014/main" id="{F6D21A63-92F5-7945-AC3B-CA90C5A786F0}"/>
+              </a:ext>
+            </a:extLst>
+          </p:cNvPr>
+          <p:cNvGrpSpPr/>
+          <p:nvPr/>
+        </p:nvGrpSpPr>
+        <p:grpSpPr>
+          <a:xfrm>
+            <a:off x="454917" y="1508760"/>
+            <a:ext cx="11282166" cy="3840480"/>
+            <a:chOff x="454917" y="1518920"/>
+            <a:chExt cx="11282166" cy="3840480"/>
+          </a:xfrm>
+        </p:grpSpPr>
+        <p:sp>
+          <p:nvSpPr>
+            <p:cNvPr id="54" name="Rectangle 53">
+              <a:extLst>
+                <a:ext uri="{FF2B5EF4-FFF2-40B4-BE49-F238E27FC236}">
+                  <a16:creationId xmlns:a16="http://schemas.microsoft.com/office/drawing/2014/main" id="{A6C24674-C5DB-E145-95E3-0B647A7C7030}"/>
+                </a:ext>
+              </a:extLst>
+            </p:cNvPr>
+            <p:cNvSpPr/>
+            <p:nvPr/>
+          </p:nvSpPr>
+          <p:spPr>
+            <a:xfrm>
+              <a:off x="2419803" y="1518920"/>
+              <a:ext cx="7955280" cy="3840480"/>
+            </a:xfrm>
+            <a:prstGeom prst="rect">
+              <a:avLst/>
+            </a:prstGeom>
+            <a:noFill/>
+            <a:ln w="12700">
+              <a:solidFill>
+                <a:srgbClr val="B6BABF"/>
+              </a:solidFill>
+              <a:prstDash val="dash"/>
+            </a:ln>
+          </p:spPr>
+          <p:style>
+            <a:lnRef idx="2">
+              <a:schemeClr val="accent1">
+                <a:shade val="50000"/>
+              </a:schemeClr>
+            </a:lnRef>
+            <a:fillRef idx="1">
+              <a:schemeClr val="accent1"/>
+            </a:fillRef>
+            <a:effectRef idx="0">
+              <a:schemeClr val="accent1"/>
+            </a:effectRef>
+            <a:fontRef idx="minor">
+              <a:schemeClr val="lt1"/>
+            </a:fontRef>
+          </p:style>
+          <p:txBody>
+            <a:bodyPr rot="0" spcFirstLastPara="0" vertOverflow="overflow" horzOverflow="overflow" vert="horz" wrap="square" lIns="91440" tIns="91440" rIns="91440" bIns="45720" numCol="1" spcCol="0" rtlCol="0" fromWordArt="0" anchor="t" anchorCtr="0" forceAA="0" compatLnSpc="1">
+              <a:prstTxWarp prst="textNoShape">
+                <a:avLst/>
+              </a:prstTxWarp>
+              <a:noAutofit/>
+            </a:bodyPr>
+            <a:lstStyle/>
+            <a:p>
+              <a:pPr algn="ctr"/>
+              <a:r>
+                <a:rPr lang="en-US" sz="1200" dirty="0">
+                  <a:solidFill>
+                    <a:srgbClr val="B6BABF"/>
+                  </a:solidFill>
+                  <a:latin typeface="Amazon Ember" panose="020B0603020204020204" pitchFamily="34" charset="0"/>
+                  <a:ea typeface="Amazon Ember" panose="020B0603020204020204" pitchFamily="34" charset="0"/>
+                  <a:cs typeface="Amazon Ember" panose="020B0603020204020204" pitchFamily="34" charset="0"/>
+                </a:rPr>
+                <a:t>sns-fork-search-analytics app</a:t>
+              </a:r>
+            </a:p>
+          </p:txBody>
+        </p:sp>
+        <p:pic>
+          <p:nvPicPr>
+            <p:cNvPr id="14" name="Graphic 13">
+              <a:extLst>
+                <a:ext uri="{FF2B5EF4-FFF2-40B4-BE49-F238E27FC236}">
+                  <a16:creationId xmlns:a16="http://schemas.microsoft.com/office/drawing/2014/main" id="{BB80B697-5C4D-5E42-8B14-72F53A9E4E9F}"/>
+                </a:ext>
+              </a:extLst>
+            </p:cNvPr>
+            <p:cNvPicPr>
+              <a:picLocks noChangeAspect="1"/>
+            </p:cNvPicPr>
+            <p:nvPr/>
+          </p:nvPicPr>
+          <p:blipFill>
+            <a:blip r:embed="rId3">
+              <a:extLst>
+                <a:ext uri="{96DAC541-7B7A-43D3-8B79-37D633B846F1}">
+                  <asvg:svgBlip xmlns:asvg="http://schemas.microsoft.com/office/drawing/2016/SVG/main" r:embed="rId4"/>
+                </a:ext>
+              </a:extLst>
+            </a:blip>
+            <a:stretch>
+              <a:fillRect/>
+            </a:stretch>
+          </p:blipFill>
+          <p:spPr>
+            <a:xfrm>
+              <a:off x="6976018" y="4037469"/>
+              <a:ext cx="571500" cy="571500"/>
+            </a:xfrm>
+            <a:prstGeom prst="rect">
+              <a:avLst/>
+            </a:prstGeom>
+          </p:spPr>
+        </p:pic>
+        <p:sp>
+          <p:nvSpPr>
+            <p:cNvPr id="15" name="TextBox 14">
+              <a:extLst>
+                <a:ext uri="{FF2B5EF4-FFF2-40B4-BE49-F238E27FC236}">
+                  <a16:creationId xmlns:a16="http://schemas.microsoft.com/office/drawing/2014/main" id="{C21FE1D7-5D42-7043-91E8-C9E8CB586590}"/>
+                </a:ext>
+              </a:extLst>
+            </p:cNvPr>
+            <p:cNvSpPr txBox="1"/>
+            <p:nvPr/>
+          </p:nvSpPr>
+          <p:spPr>
+            <a:xfrm>
+              <a:off x="6565186" y="4695011"/>
+              <a:ext cx="1393165" cy="430887"/>
+            </a:xfrm>
+            <a:prstGeom prst="rect">
+              <a:avLst/>
+            </a:prstGeom>
+            <a:noFill/>
+          </p:spPr>
+          <p:txBody>
+            <a:bodyPr wrap="square" rtlCol="0">
+              <a:spAutoFit/>
+            </a:bodyPr>
+            <a:lstStyle/>
+            <a:p>
+              <a:pPr algn="ctr"/>
+              <a:r>
+                <a:rPr lang="en-US" sz="1100" dirty="0">
+                  <a:solidFill>
+                    <a:schemeClr val="bg1"/>
+                  </a:solidFill>
+                  <a:latin typeface="Amazon Ember" panose="020B0603020204020204" pitchFamily="34" charset="0"/>
+                  <a:ea typeface="Amazon Ember" panose="020B0603020204020204" pitchFamily="34" charset="0"/>
+                  <a:cs typeface="Amazon Ember" panose="020B0603020204020204" pitchFamily="34" charset="0"/>
+                </a:rPr>
+                <a:t>Amazon S3</a:t>
+              </a:r>
+            </a:p>
+            <a:p>
+              <a:pPr algn="ctr"/>
+              <a:r>
+                <a:rPr lang="en-US" sz="1100" dirty="0">
+                  <a:solidFill>
+                    <a:schemeClr val="bg1"/>
+                  </a:solidFill>
+                  <a:latin typeface="Amazon Ember" panose="020B0603020204020204" pitchFamily="34" charset="0"/>
+                  <a:ea typeface="Amazon Ember" panose="020B0603020204020204" pitchFamily="34" charset="0"/>
+                  <a:cs typeface="Amazon Ember" panose="020B0603020204020204" pitchFamily="34" charset="0"/>
+                </a:rPr>
+                <a:t>dead-letter bucket</a:t>
+              </a:r>
+            </a:p>
+          </p:txBody>
+        </p:sp>
+        <p:cxnSp>
+          <p:nvCxnSpPr>
+            <p:cNvPr id="41" name="Straight Arrow Connector 40">
+              <a:extLst>
+                <a:ext uri="{FF2B5EF4-FFF2-40B4-BE49-F238E27FC236}">
+                  <a16:creationId xmlns:a16="http://schemas.microsoft.com/office/drawing/2014/main" id="{5CDC344D-5DB6-1341-B8A6-A84140D585B0}"/>
+                </a:ext>
+              </a:extLst>
+            </p:cNvPr>
+            <p:cNvCxnSpPr>
+              <a:cxnSpLocks/>
+            </p:cNvCxnSpPr>
+            <p:nvPr/>
+          </p:nvCxnSpPr>
+          <p:spPr>
+            <a:xfrm>
+              <a:off x="1453213" y="2720758"/>
+              <a:ext cx="1428503" cy="0"/>
+            </a:xfrm>
+            <a:prstGeom prst="straightConnector1">
+              <a:avLst/>
+            </a:prstGeom>
+            <a:ln w="12700">
+              <a:solidFill>
+                <a:srgbClr val="E6ECEF"/>
+              </a:solidFill>
+              <a:headEnd type="none" w="med" len="med"/>
+              <a:tailEnd type="arrow" w="med" len="med"/>
+            </a:ln>
+          </p:spPr>
+          <p:style>
+            <a:lnRef idx="1">
+              <a:schemeClr val="accent1"/>
+            </a:lnRef>
+            <a:fillRef idx="0">
+              <a:schemeClr val="accent1"/>
+            </a:fillRef>
+            <a:effectRef idx="0">
+              <a:schemeClr val="accent1"/>
+            </a:effectRef>
+            <a:fontRef idx="minor">
+              <a:schemeClr val="tx1"/>
+            </a:fontRef>
+          </p:style>
+        </p:cxnSp>
+        <p:sp>
+          <p:nvSpPr>
+            <p:cNvPr id="44" name="TextBox 43">
+              <a:extLst>
+                <a:ext uri="{FF2B5EF4-FFF2-40B4-BE49-F238E27FC236}">
+                  <a16:creationId xmlns:a16="http://schemas.microsoft.com/office/drawing/2014/main" id="{44CA8B2F-5C0C-4847-8374-3CF09649970B}"/>
+                </a:ext>
+              </a:extLst>
+            </p:cNvPr>
+            <p:cNvSpPr txBox="1"/>
+            <p:nvPr/>
+          </p:nvSpPr>
+          <p:spPr>
+            <a:xfrm>
+              <a:off x="1607625" y="2034386"/>
+              <a:ext cx="794831" cy="600164"/>
+            </a:xfrm>
+            <a:prstGeom prst="rect">
+              <a:avLst/>
+            </a:prstGeom>
+            <a:noFill/>
+          </p:spPr>
+          <p:txBody>
+            <a:bodyPr wrap="square" rtlCol="0">
+              <a:spAutoFit/>
+            </a:bodyPr>
+            <a:lstStyle/>
+            <a:p>
+              <a:pPr algn="ctr"/>
+              <a:r>
+                <a:rPr lang="en-US" sz="1100" i="1" dirty="0">
+                  <a:solidFill>
+                    <a:schemeClr val="bg1"/>
+                  </a:solidFill>
+                  <a:latin typeface="Amazon Ember" panose="020B0603020204020204" pitchFamily="34" charset="0"/>
+                  <a:ea typeface="Amazon Ember" panose="020B0603020204020204" pitchFamily="34" charset="0"/>
+                  <a:cs typeface="Amazon Ember" panose="020B0603020204020204" pitchFamily="34" charset="0"/>
+                </a:rPr>
+                <a:t>fan out filtered events</a:t>
+              </a:r>
+            </a:p>
+          </p:txBody>
+        </p:sp>
+        <p:cxnSp>
+          <p:nvCxnSpPr>
+            <p:cNvPr id="45" name="Straight Arrow Connector 44">
+              <a:extLst>
+                <a:ext uri="{FF2B5EF4-FFF2-40B4-BE49-F238E27FC236}">
+                  <a16:creationId xmlns:a16="http://schemas.microsoft.com/office/drawing/2014/main" id="{754867F2-05A9-FE40-B4F7-E1CB64BA9FB9}"/>
+                </a:ext>
+              </a:extLst>
+            </p:cNvPr>
+            <p:cNvCxnSpPr>
+              <a:cxnSpLocks/>
+            </p:cNvCxnSpPr>
+            <p:nvPr/>
+          </p:nvCxnSpPr>
+          <p:spPr>
+            <a:xfrm>
+              <a:off x="3453216" y="2720758"/>
+              <a:ext cx="1428503" cy="0"/>
+            </a:xfrm>
+            <a:prstGeom prst="straightConnector1">
+              <a:avLst/>
+            </a:prstGeom>
+            <a:ln w="12700">
+              <a:solidFill>
+                <a:srgbClr val="E6ECEF"/>
+              </a:solidFill>
+              <a:headEnd type="arrow" w="med" len="med"/>
+              <a:tailEnd type="arrow" w="med" len="med"/>
+            </a:ln>
+          </p:spPr>
+          <p:style>
+            <a:lnRef idx="1">
+              <a:schemeClr val="accent1"/>
+            </a:lnRef>
+            <a:fillRef idx="0">
+              <a:schemeClr val="accent1"/>
+            </a:fillRef>
+            <a:effectRef idx="0">
+              <a:schemeClr val="accent1"/>
+            </a:effectRef>
+            <a:fontRef idx="minor">
+              <a:schemeClr val="tx1"/>
+            </a:fontRef>
+          </p:style>
+        </p:cxnSp>
+        <p:sp>
+          <p:nvSpPr>
+            <p:cNvPr id="26" name="TextBox 25">
+              <a:extLst>
+                <a:ext uri="{FF2B5EF4-FFF2-40B4-BE49-F238E27FC236}">
+                  <a16:creationId xmlns:a16="http://schemas.microsoft.com/office/drawing/2014/main" id="{5CA6F280-75A2-1347-AD40-3937D48571F0}"/>
+                </a:ext>
+              </a:extLst>
+            </p:cNvPr>
+            <p:cNvSpPr txBox="1"/>
+            <p:nvPr/>
+          </p:nvSpPr>
+          <p:spPr>
+            <a:xfrm>
+              <a:off x="454917" y="3079115"/>
+              <a:ext cx="1425091" cy="430887"/>
+            </a:xfrm>
+            <a:prstGeom prst="rect">
+              <a:avLst/>
+            </a:prstGeom>
+            <a:noFill/>
+          </p:spPr>
+          <p:txBody>
+            <a:bodyPr wrap="square" rtlCol="0">
+              <a:spAutoFit/>
+            </a:bodyPr>
+            <a:lstStyle/>
+            <a:p>
+              <a:pPr algn="ctr"/>
+              <a:r>
+                <a:rPr lang="en-US" sz="1100" dirty="0">
+                  <a:solidFill>
+                    <a:schemeClr val="bg1"/>
+                  </a:solidFill>
+                  <a:latin typeface="Amazon Ember" panose="020B0603020204020204" pitchFamily="34" charset="0"/>
+                  <a:ea typeface="Amazon Ember" panose="020B0603020204020204" pitchFamily="34" charset="0"/>
+                  <a:cs typeface="Amazon Ember" panose="020B0603020204020204" pitchFamily="34" charset="0"/>
+                </a:rPr>
+                <a:t>Amazon SNS</a:t>
+              </a:r>
+            </a:p>
+            <a:p>
+              <a:pPr algn="ctr"/>
+              <a:r>
+                <a:rPr lang="en-US" sz="1100" dirty="0">
+                  <a:solidFill>
+                    <a:schemeClr val="bg1"/>
+                  </a:solidFill>
+                  <a:latin typeface="Amazon Ember" panose="020B0603020204020204" pitchFamily="34" charset="0"/>
+                  <a:ea typeface="Amazon Ember" panose="020B0603020204020204" pitchFamily="34" charset="0"/>
+                  <a:cs typeface="Amazon Ember" panose="020B0603020204020204" pitchFamily="34" charset="0"/>
+                </a:rPr>
+                <a:t>topic</a:t>
+              </a:r>
+            </a:p>
+          </p:txBody>
+        </p:sp>
+        <p:pic>
+          <p:nvPicPr>
+            <p:cNvPr id="36" name="Graphic 35">
+              <a:extLst>
+                <a:ext uri="{FF2B5EF4-FFF2-40B4-BE49-F238E27FC236}">
+                  <a16:creationId xmlns:a16="http://schemas.microsoft.com/office/drawing/2014/main" id="{E8E921CE-9378-3848-A833-87D7453C4E5F}"/>
+                </a:ext>
+              </a:extLst>
+            </p:cNvPr>
+            <p:cNvPicPr>
+              <a:picLocks noChangeAspect="1"/>
+            </p:cNvPicPr>
+            <p:nvPr/>
+          </p:nvPicPr>
+          <p:blipFill>
+            <a:blip r:embed="rId5">
+              <a:extLst>
+                <a:ext uri="{96DAC541-7B7A-43D3-8B79-37D633B846F1}">
+                  <asvg:svgBlip xmlns:asvg="http://schemas.microsoft.com/office/drawing/2016/SVG/main" r:embed="rId6"/>
+                </a:ext>
+              </a:extLst>
+            </a:blip>
+            <a:stretch>
+              <a:fillRect/>
+            </a:stretch>
+          </p:blipFill>
+          <p:spPr>
+            <a:xfrm>
+              <a:off x="881713" y="2435008"/>
+              <a:ext cx="571500" cy="571500"/>
+            </a:xfrm>
+            <a:prstGeom prst="rect">
+              <a:avLst/>
+            </a:prstGeom>
+          </p:spPr>
+        </p:pic>
+        <p:pic>
+          <p:nvPicPr>
+            <p:cNvPr id="40" name="Graphic 39">
+              <a:extLst>
+                <a:ext uri="{FF2B5EF4-FFF2-40B4-BE49-F238E27FC236}">
+                  <a16:creationId xmlns:a16="http://schemas.microsoft.com/office/drawing/2014/main" id="{38AB42BB-9D5E-A44B-96FB-C8AB776A0154}"/>
+                </a:ext>
+              </a:extLst>
+            </p:cNvPr>
+            <p:cNvPicPr>
+              <a:picLocks noChangeAspect="1"/>
+            </p:cNvPicPr>
+            <p:nvPr/>
+          </p:nvPicPr>
+          <p:blipFill>
+            <a:blip r:embed="rId7">
+              <a:extLst>
+                <a:ext uri="{96DAC541-7B7A-43D3-8B79-37D633B846F1}">
+                  <asvg:svgBlip xmlns:asvg="http://schemas.microsoft.com/office/drawing/2016/SVG/main" r:embed="rId8"/>
+                </a:ext>
+              </a:extLst>
+            </a:blip>
+            <a:stretch>
+              <a:fillRect/>
+            </a:stretch>
+          </p:blipFill>
+          <p:spPr>
+            <a:xfrm>
+              <a:off x="2881716" y="2435008"/>
+              <a:ext cx="571500" cy="571500"/>
+            </a:xfrm>
+            <a:prstGeom prst="rect">
+              <a:avLst/>
+            </a:prstGeom>
+          </p:spPr>
+        </p:pic>
+        <p:sp>
+          <p:nvSpPr>
+            <p:cNvPr id="50" name="TextBox 49">
+              <a:extLst>
+                <a:ext uri="{FF2B5EF4-FFF2-40B4-BE49-F238E27FC236}">
+                  <a16:creationId xmlns:a16="http://schemas.microsoft.com/office/drawing/2014/main" id="{CD6AB1D4-9469-5E4C-8355-A9517756F8BB}"/>
+                </a:ext>
+              </a:extLst>
+            </p:cNvPr>
+            <p:cNvSpPr txBox="1"/>
+            <p:nvPr/>
+          </p:nvSpPr>
+          <p:spPr>
+            <a:xfrm>
+              <a:off x="2454920" y="3079115"/>
+              <a:ext cx="1425091" cy="430887"/>
+            </a:xfrm>
+            <a:prstGeom prst="rect">
+              <a:avLst/>
+            </a:prstGeom>
+            <a:noFill/>
+          </p:spPr>
+          <p:txBody>
+            <a:bodyPr wrap="square" rtlCol="0">
+              <a:spAutoFit/>
+            </a:bodyPr>
+            <a:lstStyle/>
+            <a:p>
+              <a:pPr algn="ctr"/>
+              <a:r>
+                <a:rPr lang="en-US" sz="1100" dirty="0">
+                  <a:solidFill>
+                    <a:schemeClr val="bg1"/>
+                  </a:solidFill>
+                  <a:latin typeface="Amazon Ember" panose="020B0603020204020204" pitchFamily="34" charset="0"/>
+                  <a:ea typeface="Amazon Ember" panose="020B0603020204020204" pitchFamily="34" charset="0"/>
+                  <a:cs typeface="Amazon Ember" panose="020B0603020204020204" pitchFamily="34" charset="0"/>
+                </a:rPr>
+                <a:t>Amazon SQS</a:t>
+              </a:r>
+            </a:p>
+            <a:p>
+              <a:pPr algn="ctr"/>
+              <a:r>
+                <a:rPr lang="en-US" sz="1100" dirty="0">
+                  <a:solidFill>
+                    <a:schemeClr val="bg1"/>
+                  </a:solidFill>
+                  <a:latin typeface="Amazon Ember" panose="020B0603020204020204" pitchFamily="34" charset="0"/>
+                  <a:ea typeface="Amazon Ember" panose="020B0603020204020204" pitchFamily="34" charset="0"/>
+                  <a:cs typeface="Amazon Ember" panose="020B0603020204020204" pitchFamily="34" charset="0"/>
+                </a:rPr>
+                <a:t>queue</a:t>
+              </a:r>
+            </a:p>
+          </p:txBody>
+        </p:sp>
+        <p:pic>
+          <p:nvPicPr>
+            <p:cNvPr id="51" name="Graphic 50">
+              <a:extLst>
+                <a:ext uri="{FF2B5EF4-FFF2-40B4-BE49-F238E27FC236}">
+                  <a16:creationId xmlns:a16="http://schemas.microsoft.com/office/drawing/2014/main" id="{17E5BA10-4CB5-6C48-B032-EF4841ECA5FA}"/>
+                </a:ext>
+              </a:extLst>
+            </p:cNvPr>
+            <p:cNvPicPr>
+              <a:picLocks noChangeAspect="1"/>
+            </p:cNvPicPr>
+            <p:nvPr/>
+          </p:nvPicPr>
+          <p:blipFill>
+            <a:blip r:embed="rId9">
+              <a:extLst>
+                <a:ext uri="{96DAC541-7B7A-43D3-8B79-37D633B846F1}">
+                  <asvg:svgBlip xmlns:asvg="http://schemas.microsoft.com/office/drawing/2016/SVG/main" r:embed="rId10"/>
+                </a:ext>
+              </a:extLst>
+            </a:blip>
+            <a:stretch>
+              <a:fillRect/>
+            </a:stretch>
+          </p:blipFill>
+          <p:spPr>
+            <a:xfrm>
+              <a:off x="6880768" y="2104808"/>
+              <a:ext cx="762000" cy="1231900"/>
+            </a:xfrm>
+            <a:prstGeom prst="rect">
+              <a:avLst/>
+            </a:prstGeom>
+          </p:spPr>
+        </p:pic>
+        <p:cxnSp>
+          <p:nvCxnSpPr>
+            <p:cNvPr id="52" name="Straight Arrow Connector 51">
+              <a:extLst>
+                <a:ext uri="{FF2B5EF4-FFF2-40B4-BE49-F238E27FC236}">
+                  <a16:creationId xmlns:a16="http://schemas.microsoft.com/office/drawing/2014/main" id="{8EDCA639-BECE-454A-9BD2-9EAC896F98CC}"/>
+                </a:ext>
+              </a:extLst>
+            </p:cNvPr>
+            <p:cNvCxnSpPr>
+              <a:cxnSpLocks/>
+            </p:cNvCxnSpPr>
+            <p:nvPr/>
+          </p:nvCxnSpPr>
+          <p:spPr>
+            <a:xfrm>
+              <a:off x="5453219" y="2720758"/>
+              <a:ext cx="1428503" cy="0"/>
+            </a:xfrm>
+            <a:prstGeom prst="straightConnector1">
+              <a:avLst/>
+            </a:prstGeom>
+            <a:ln w="12700">
+              <a:solidFill>
+                <a:srgbClr val="E6ECEF"/>
+              </a:solidFill>
+              <a:headEnd type="none" w="med" len="med"/>
+              <a:tailEnd type="arrow" w="med" len="med"/>
             </a:ln>
           </p:spPr>
           <p:style>
@@ -3937,36 +6230,32 @@
         </p:cxnSp>
         <p:cxnSp>
           <p:nvCxnSpPr>
-            <p:cNvPr id="31" name="Elbow Connector 30">
-              <a:extLst>
-                <a:ext uri="{FF2B5EF4-FFF2-40B4-BE49-F238E27FC236}">
-                  <a16:creationId xmlns:a16="http://schemas.microsoft.com/office/drawing/2014/main" id="{29699D6E-07BD-B44A-B997-E7261281640B}"/>
+            <p:cNvPr id="53" name="Straight Arrow Connector 52">
+              <a:extLst>
+                <a:ext uri="{FF2B5EF4-FFF2-40B4-BE49-F238E27FC236}">
+                  <a16:creationId xmlns:a16="http://schemas.microsoft.com/office/drawing/2014/main" id="{4D76BD50-B1E7-5E49-B04F-81E292EAF68A}"/>
                 </a:ext>
               </a:extLst>
             </p:cNvPr>
             <p:cNvCxnSpPr>
               <a:cxnSpLocks/>
-              <a:stCxn id="36" idx="3"/>
-              <a:endCxn id="29" idx="1"/>
             </p:cNvCxnSpPr>
             <p:nvPr/>
           </p:nvCxnSpPr>
           <p:spPr>
             <a:xfrm>
-              <a:off x="3744420" y="3263967"/>
-              <a:ext cx="1549533" cy="538038"/>
-            </a:xfrm>
-            <a:prstGeom prst="bentConnector3">
-              <a:avLst>
-                <a:gd name="adj1" fmla="val 50000"/>
-              </a:avLst>
+              <a:off x="7643722" y="2714269"/>
+              <a:ext cx="1181630" cy="12979"/>
+            </a:xfrm>
+            <a:prstGeom prst="straightConnector1">
+              <a:avLst/>
             </a:prstGeom>
             <a:ln w="12700">
               <a:solidFill>
                 <a:srgbClr val="E6ECEF"/>
               </a:solidFill>
-              <a:headEnd type="none" w="med" len="sm"/>
-              <a:tailEnd type="arrow" w="med" len="sm"/>
+              <a:headEnd type="none" w="med" len="med"/>
+              <a:tailEnd type="arrow" w="med" len="med"/>
             </a:ln>
           </p:spPr>
           <p:style>
@@ -3986,36 +6275,1498 @@
         </p:cxnSp>
         <p:cxnSp>
           <p:nvCxnSpPr>
-            <p:cNvPr id="34" name="Elbow Connector 33">
-              <a:extLst>
-                <a:ext uri="{FF2B5EF4-FFF2-40B4-BE49-F238E27FC236}">
-                  <a16:creationId xmlns:a16="http://schemas.microsoft.com/office/drawing/2014/main" id="{47D1E898-9A38-2644-B566-655855136B61}"/>
+            <p:cNvPr id="57" name="Straight Arrow Connector 56">
+              <a:extLst>
+                <a:ext uri="{FF2B5EF4-FFF2-40B4-BE49-F238E27FC236}">
+                  <a16:creationId xmlns:a16="http://schemas.microsoft.com/office/drawing/2014/main" id="{9EBEEBD9-B869-B940-BA52-6F02A2938FD2}"/>
                 </a:ext>
               </a:extLst>
             </p:cNvPr>
             <p:cNvCxnSpPr>
               <a:cxnSpLocks/>
-              <a:stCxn id="36" idx="3"/>
-              <a:endCxn id="33" idx="1"/>
+              <a:stCxn id="35" idx="1"/>
+              <a:endCxn id="27" idx="3"/>
             </p:cNvCxnSpPr>
             <p:nvPr/>
           </p:nvCxnSpPr>
           <p:spPr>
-            <a:xfrm>
-              <a:off x="3744420" y="3263967"/>
-              <a:ext cx="1549533" cy="1646396"/>
-            </a:xfrm>
-            <a:prstGeom prst="bentConnector3">
-              <a:avLst>
-                <a:gd name="adj1" fmla="val 50000"/>
-              </a:avLst>
+            <a:xfrm flipH="1">
+              <a:off x="9587352" y="2720758"/>
+              <a:ext cx="1352741" cy="0"/>
+            </a:xfrm>
+            <a:prstGeom prst="straightConnector1">
+              <a:avLst/>
             </a:prstGeom>
             <a:ln w="12700">
               <a:solidFill>
                 <a:srgbClr val="E6ECEF"/>
               </a:solidFill>
-              <a:headEnd type="none" w="med" len="sm"/>
-              <a:tailEnd type="arrow" w="med" len="sm"/>
+              <a:headEnd type="none" w="med" len="med"/>
+              <a:tailEnd type="arrow" w="med" len="med"/>
+            </a:ln>
+          </p:spPr>
+          <p:style>
+            <a:lnRef idx="1">
+              <a:schemeClr val="accent1"/>
+            </a:lnRef>
+            <a:fillRef idx="0">
+              <a:schemeClr val="accent1"/>
+            </a:fillRef>
+            <a:effectRef idx="0">
+              <a:schemeClr val="accent1"/>
+            </a:effectRef>
+            <a:fontRef idx="minor">
+              <a:schemeClr val="tx1"/>
+            </a:fontRef>
+          </p:style>
+        </p:cxnSp>
+        <p:pic>
+          <p:nvPicPr>
+            <p:cNvPr id="30" name="Graphic 29">
+              <a:extLst>
+                <a:ext uri="{FF2B5EF4-FFF2-40B4-BE49-F238E27FC236}">
+                  <a16:creationId xmlns:a16="http://schemas.microsoft.com/office/drawing/2014/main" id="{D5243916-29CF-6A4A-B2E2-86AB2F390EFB}"/>
+                </a:ext>
+              </a:extLst>
+            </p:cNvPr>
+            <p:cNvPicPr>
+              <a:picLocks noChangeAspect="1"/>
+            </p:cNvPicPr>
+            <p:nvPr/>
+          </p:nvPicPr>
+          <p:blipFill>
+            <a:blip r:embed="rId11">
+              <a:extLst>
+                <a:ext uri="{96DAC541-7B7A-43D3-8B79-37D633B846F1}">
+                  <asvg:svgBlip xmlns:asvg="http://schemas.microsoft.com/office/drawing/2016/SVG/main" r:embed="rId12"/>
+                </a:ext>
+              </a:extLst>
+            </a:blip>
+            <a:stretch>
+              <a:fillRect/>
+            </a:stretch>
+          </p:blipFill>
+          <p:spPr>
+            <a:xfrm>
+              <a:off x="4881719" y="2435008"/>
+              <a:ext cx="571500" cy="571500"/>
+            </a:xfrm>
+            <a:prstGeom prst="rect">
+              <a:avLst/>
+            </a:prstGeom>
+          </p:spPr>
+        </p:pic>
+        <p:sp>
+          <p:nvSpPr>
+            <p:cNvPr id="31" name="TextBox 30">
+              <a:extLst>
+                <a:ext uri="{FF2B5EF4-FFF2-40B4-BE49-F238E27FC236}">
+                  <a16:creationId xmlns:a16="http://schemas.microsoft.com/office/drawing/2014/main" id="{6E8F164A-76DF-F347-B7E0-8B2BD45D0005}"/>
+                </a:ext>
+              </a:extLst>
+            </p:cNvPr>
+            <p:cNvSpPr txBox="1"/>
+            <p:nvPr/>
+          </p:nvSpPr>
+          <p:spPr>
+            <a:xfrm>
+              <a:off x="4627946" y="3079115"/>
+              <a:ext cx="1072750" cy="430887"/>
+            </a:xfrm>
+            <a:prstGeom prst="rect">
+              <a:avLst/>
+            </a:prstGeom>
+            <a:noFill/>
+          </p:spPr>
+          <p:txBody>
+            <a:bodyPr wrap="square" rtlCol="0">
+              <a:spAutoFit/>
+            </a:bodyPr>
+            <a:lstStyle/>
+            <a:p>
+              <a:pPr algn="ctr"/>
+              <a:r>
+                <a:rPr lang="en-US" sz="1100" dirty="0">
+                  <a:solidFill>
+                    <a:schemeClr val="bg1"/>
+                  </a:solidFill>
+                  <a:latin typeface="Amazon Ember" panose="020B0603020204020204" pitchFamily="34" charset="0"/>
+                  <a:ea typeface="Amazon Ember" panose="020B0603020204020204" pitchFamily="34" charset="0"/>
+                  <a:cs typeface="Amazon Ember" panose="020B0603020204020204" pitchFamily="34" charset="0"/>
+                </a:rPr>
+                <a:t>AWS Lambda function</a:t>
+              </a:r>
+            </a:p>
+          </p:txBody>
+        </p:sp>
+        <p:pic>
+          <p:nvPicPr>
+            <p:cNvPr id="27" name="Graphic 26">
+              <a:extLst>
+                <a:ext uri="{FF2B5EF4-FFF2-40B4-BE49-F238E27FC236}">
+                  <a16:creationId xmlns:a16="http://schemas.microsoft.com/office/drawing/2014/main" id="{440302FF-1812-7340-8320-5694FC3A8B50}"/>
+                </a:ext>
+              </a:extLst>
+            </p:cNvPr>
+            <p:cNvPicPr>
+              <a:picLocks noChangeAspect="1"/>
+            </p:cNvPicPr>
+            <p:nvPr/>
+          </p:nvPicPr>
+          <p:blipFill>
+            <a:blip r:embed="rId13">
+              <a:extLst>
+                <a:ext uri="{96DAC541-7B7A-43D3-8B79-37D633B846F1}">
+                  <asvg:svgBlip xmlns:asvg="http://schemas.microsoft.com/office/drawing/2016/SVG/main" r:embed="rId14"/>
+                </a:ext>
+              </a:extLst>
+            </a:blip>
+            <a:stretch>
+              <a:fillRect/>
+            </a:stretch>
+          </p:blipFill>
+          <p:spPr>
+            <a:xfrm>
+              <a:off x="8825352" y="2104808"/>
+              <a:ext cx="762000" cy="1231900"/>
+            </a:xfrm>
+            <a:prstGeom prst="rect">
+              <a:avLst/>
+            </a:prstGeom>
+          </p:spPr>
+        </p:pic>
+        <p:cxnSp>
+          <p:nvCxnSpPr>
+            <p:cNvPr id="32" name="Straight Arrow Connector 31">
+              <a:extLst>
+                <a:ext uri="{FF2B5EF4-FFF2-40B4-BE49-F238E27FC236}">
+                  <a16:creationId xmlns:a16="http://schemas.microsoft.com/office/drawing/2014/main" id="{E0F7987B-1170-544D-B6E1-8683FEAD8774}"/>
+                </a:ext>
+              </a:extLst>
+            </p:cNvPr>
+            <p:cNvCxnSpPr>
+              <a:cxnSpLocks/>
+              <a:stCxn id="51" idx="2"/>
+              <a:endCxn id="14" idx="0"/>
+            </p:cNvCxnSpPr>
+            <p:nvPr/>
+          </p:nvCxnSpPr>
+          <p:spPr>
+            <a:xfrm>
+              <a:off x="7261768" y="3336708"/>
+              <a:ext cx="0" cy="700761"/>
+            </a:xfrm>
+            <a:prstGeom prst="straightConnector1">
+              <a:avLst/>
+            </a:prstGeom>
+            <a:ln w="12700">
+              <a:solidFill>
+                <a:srgbClr val="E6ECEF"/>
+              </a:solidFill>
+              <a:headEnd type="none" w="med" len="med"/>
+              <a:tailEnd type="arrow" w="med" len="med"/>
+            </a:ln>
+          </p:spPr>
+          <p:style>
+            <a:lnRef idx="1">
+              <a:schemeClr val="accent1"/>
+            </a:lnRef>
+            <a:fillRef idx="0">
+              <a:schemeClr val="accent1"/>
+            </a:fillRef>
+            <a:effectRef idx="0">
+              <a:schemeClr val="accent1"/>
+            </a:effectRef>
+            <a:fontRef idx="minor">
+              <a:schemeClr val="tx1"/>
+            </a:fontRef>
+          </p:style>
+        </p:cxnSp>
+        <p:pic>
+          <p:nvPicPr>
+            <p:cNvPr id="35" name="Picture 2" descr="Image result for kibana icon">
+              <a:extLst>
+                <a:ext uri="{FF2B5EF4-FFF2-40B4-BE49-F238E27FC236}">
+                  <a16:creationId xmlns:a16="http://schemas.microsoft.com/office/drawing/2014/main" id="{CEC285B2-41D9-C641-8F6F-9B75703243C1}"/>
+                </a:ext>
+              </a:extLst>
+            </p:cNvPr>
+            <p:cNvPicPr>
+              <a:picLocks noChangeAspect="1" noChangeArrowheads="1"/>
+            </p:cNvPicPr>
+            <p:nvPr/>
+          </p:nvPicPr>
+          <p:blipFill>
+            <a:blip r:embed="rId15">
+              <a:duotone>
+                <a:schemeClr val="accent3">
+                  <a:shade val="45000"/>
+                  <a:satMod val="135000"/>
+                </a:schemeClr>
+                <a:prstClr val="white"/>
+              </a:duotone>
+              <a:extLst>
+                <a:ext uri="{BEBA8EAE-BF5A-486C-A8C5-ECC9F3942E4B}">
+                  <a14:imgProps xmlns:a14="http://schemas.microsoft.com/office/drawing/2010/main">
+                    <a14:imgLayer>
+                      <a14:imgEffect>
+                        <a14:sharpenSoften amount="50000"/>
+                      </a14:imgEffect>
+                      <a14:imgEffect>
+                        <a14:saturation sat="0"/>
+                      </a14:imgEffect>
+                    </a14:imgLayer>
+                  </a14:imgProps>
+                </a:ext>
+                <a:ext uri="{28A0092B-C50C-407E-A947-70E740481C1C}">
+                  <a14:useLocalDpi xmlns:a14="http://schemas.microsoft.com/office/drawing/2010/main" val="0"/>
+                </a:ext>
+              </a:extLst>
+            </a:blip>
+            <a:srcRect/>
+            <a:stretch>
+              <a:fillRect/>
+            </a:stretch>
+          </p:blipFill>
+          <p:spPr bwMode="auto">
+            <a:xfrm>
+              <a:off x="10940093" y="2432722"/>
+              <a:ext cx="576072" cy="576072"/>
+            </a:xfrm>
+            <a:prstGeom prst="rect">
+              <a:avLst/>
+            </a:prstGeom>
+            <a:noFill/>
+            <a:extLst>
+              <a:ext uri="{909E8E84-426E-40DD-AFC4-6F175D3DCCD1}">
+                <a14:hiddenFill xmlns:a14="http://schemas.microsoft.com/office/drawing/2010/main">
+                  <a:solidFill>
+                    <a:srgbClr val="FFFFFF"/>
+                  </a:solidFill>
+                </a14:hiddenFill>
+              </a:ext>
+            </a:extLst>
+          </p:spPr>
+        </p:pic>
+        <p:sp>
+          <p:nvSpPr>
+            <p:cNvPr id="37" name="TextBox 36">
+              <a:extLst>
+                <a:ext uri="{FF2B5EF4-FFF2-40B4-BE49-F238E27FC236}">
+                  <a16:creationId xmlns:a16="http://schemas.microsoft.com/office/drawing/2014/main" id="{1DDA645C-DF28-8E4A-A310-6561032690E1}"/>
+                </a:ext>
+              </a:extLst>
+            </p:cNvPr>
+            <p:cNvSpPr txBox="1"/>
+            <p:nvPr/>
+          </p:nvSpPr>
+          <p:spPr>
+            <a:xfrm>
+              <a:off x="10664333" y="3079115"/>
+              <a:ext cx="1072750" cy="430887"/>
+            </a:xfrm>
+            <a:prstGeom prst="rect">
+              <a:avLst/>
+            </a:prstGeom>
+            <a:noFill/>
+          </p:spPr>
+          <p:txBody>
+            <a:bodyPr wrap="square" rtlCol="0">
+              <a:spAutoFit/>
+            </a:bodyPr>
+            <a:lstStyle/>
+            <a:p>
+              <a:pPr algn="ctr"/>
+              <a:r>
+                <a:rPr lang="en-US" sz="1100" dirty="0">
+                  <a:solidFill>
+                    <a:schemeClr val="bg1"/>
+                  </a:solidFill>
+                  <a:latin typeface="Amazon Ember" panose="020B0603020204020204" pitchFamily="34" charset="0"/>
+                  <a:ea typeface="Amazon Ember" panose="020B0603020204020204" pitchFamily="34" charset="0"/>
+                  <a:cs typeface="Amazon Ember" panose="020B0603020204020204" pitchFamily="34" charset="0"/>
+                </a:rPr>
+                <a:t>Kibana dashboard</a:t>
+              </a:r>
+            </a:p>
+          </p:txBody>
+        </p:sp>
+        <p:sp>
+          <p:nvSpPr>
+            <p:cNvPr id="42" name="TextBox 41">
+              <a:extLst>
+                <a:ext uri="{FF2B5EF4-FFF2-40B4-BE49-F238E27FC236}">
+                  <a16:creationId xmlns:a16="http://schemas.microsoft.com/office/drawing/2014/main" id="{04215CB4-5601-7340-AB12-4939BE543360}"/>
+                </a:ext>
+              </a:extLst>
+            </p:cNvPr>
+            <p:cNvSpPr txBox="1"/>
+            <p:nvPr/>
+          </p:nvSpPr>
+          <p:spPr>
+            <a:xfrm>
+              <a:off x="7463099" y="3387006"/>
+              <a:ext cx="903551" cy="600164"/>
+            </a:xfrm>
+            <a:prstGeom prst="rect">
+              <a:avLst/>
+            </a:prstGeom>
+            <a:noFill/>
+          </p:spPr>
+          <p:txBody>
+            <a:bodyPr wrap="square" rtlCol="0">
+              <a:spAutoFit/>
+            </a:bodyPr>
+            <a:lstStyle/>
+            <a:p>
+              <a:pPr algn="ctr"/>
+              <a:r>
+                <a:rPr lang="en-US" sz="1100" i="1" dirty="0">
+                  <a:solidFill>
+                    <a:schemeClr val="bg1"/>
+                  </a:solidFill>
+                  <a:latin typeface="Amazon Ember" panose="020B0603020204020204" pitchFamily="34" charset="0"/>
+                  <a:ea typeface="Amazon Ember" panose="020B0603020204020204" pitchFamily="34" charset="0"/>
+                  <a:cs typeface="Amazon Ember" panose="020B0603020204020204" pitchFamily="34" charset="0"/>
+                </a:rPr>
+                <a:t>store  dead-letter events</a:t>
+              </a:r>
+            </a:p>
+          </p:txBody>
+        </p:sp>
+      </p:grpSp>
+      <p:sp>
+        <p:nvSpPr>
+          <p:cNvPr id="24" name="TextBox 23">
+            <a:extLst>
+              <a:ext uri="{FF2B5EF4-FFF2-40B4-BE49-F238E27FC236}">
+                <a16:creationId xmlns:a16="http://schemas.microsoft.com/office/drawing/2014/main" id="{63B75E0C-659E-0147-A637-78181B0E8076}"/>
+              </a:ext>
+            </a:extLst>
+          </p:cNvPr>
+          <p:cNvSpPr txBox="1"/>
+          <p:nvPr/>
+        </p:nvSpPr>
+        <p:spPr>
+          <a:xfrm>
+            <a:off x="934881" y="329721"/>
+            <a:ext cx="7633821" cy="461665"/>
+          </a:xfrm>
+          <a:prstGeom prst="rect">
+            <a:avLst/>
+          </a:prstGeom>
+          <a:noFill/>
+        </p:spPr>
+        <p:txBody>
+          <a:bodyPr wrap="none" rtlCol="0">
+            <a:spAutoFit/>
+          </a:bodyPr>
+          <a:lstStyle/>
+          <a:p>
+            <a:r>
+              <a:rPr lang="en-US" sz="2400" dirty="0">
+                <a:solidFill>
+                  <a:schemeClr val="bg1"/>
+                </a:solidFill>
+                <a:latin typeface="Amazon Ember" panose="020B0603020204020204" pitchFamily="34" charset="0"/>
+                <a:ea typeface="Amazon Ember" panose="020B0603020204020204" pitchFamily="34" charset="0"/>
+                <a:cs typeface="Amazon Ember" panose="020B0603020204020204" pitchFamily="34" charset="0"/>
+              </a:rPr>
+              <a:t>Amazon SNS Fork / Event Search &amp; Analytics Pipeline</a:t>
+            </a:r>
+          </a:p>
+        </p:txBody>
+      </p:sp>
+    </p:spTree>
+    <p:extLst>
+      <p:ext uri="{BB962C8B-B14F-4D97-AF65-F5344CB8AC3E}">
+        <p14:creationId xmlns:p14="http://schemas.microsoft.com/office/powerpoint/2010/main" val="2530566553"/>
+      </p:ext>
+    </p:extLst>
+  </p:cSld>
+  <p:clrMapOvr>
+    <a:masterClrMapping/>
+  </p:clrMapOvr>
+</p:sld>
+</file>
+
+<file path=ppt/slides/slide4.xml><?xml version="1.0" encoding="utf-8"?>
+<p:sld xmlns:a="http://schemas.openxmlformats.org/drawingml/2006/main" xmlns:r="http://schemas.openxmlformats.org/officeDocument/2006/relationships" xmlns:p="http://schemas.openxmlformats.org/presentationml/2006/main">
+  <p:cSld>
+    <p:spTree>
+      <p:nvGrpSpPr>
+        <p:cNvPr id="1" name=""/>
+        <p:cNvGrpSpPr/>
+        <p:nvPr/>
+      </p:nvGrpSpPr>
+      <p:grpSpPr>
+        <a:xfrm>
+          <a:off x="0" y="0"/>
+          <a:ext cx="0" cy="0"/>
+          <a:chOff x="0" y="0"/>
+          <a:chExt cx="0" cy="0"/>
+        </a:xfrm>
+      </p:grpSpPr>
+      <p:sp>
+        <p:nvSpPr>
+          <p:cNvPr id="25" name="TextBox 24">
+            <a:extLst>
+              <a:ext uri="{FF2B5EF4-FFF2-40B4-BE49-F238E27FC236}">
+                <a16:creationId xmlns:a16="http://schemas.microsoft.com/office/drawing/2014/main" id="{BEBB2CA1-104F-0E44-864B-6C43394A4F22}"/>
+              </a:ext>
+            </a:extLst>
+          </p:cNvPr>
+          <p:cNvSpPr txBox="1"/>
+          <p:nvPr/>
+        </p:nvSpPr>
+        <p:spPr>
+          <a:xfrm>
+            <a:off x="934881" y="329721"/>
+            <a:ext cx="5992346" cy="461665"/>
+          </a:xfrm>
+          <a:prstGeom prst="rect">
+            <a:avLst/>
+          </a:prstGeom>
+          <a:noFill/>
+        </p:spPr>
+        <p:txBody>
+          <a:bodyPr wrap="none" rtlCol="0">
+            <a:spAutoFit/>
+          </a:bodyPr>
+          <a:lstStyle/>
+          <a:p>
+            <a:r>
+              <a:rPr lang="en-US" sz="2400" dirty="0">
+                <a:solidFill>
+                  <a:schemeClr val="bg1"/>
+                </a:solidFill>
+                <a:latin typeface="Amazon Ember" panose="020B0603020204020204" pitchFamily="34" charset="0"/>
+                <a:ea typeface="Amazon Ember" panose="020B0603020204020204" pitchFamily="34" charset="0"/>
+                <a:cs typeface="Amazon Ember" panose="020B0603020204020204" pitchFamily="34" charset="0"/>
+              </a:rPr>
+              <a:t>Amazon SNS Fork / Event Replay Pipeline</a:t>
+            </a:r>
+          </a:p>
+        </p:txBody>
+      </p:sp>
+      <p:grpSp>
+        <p:nvGrpSpPr>
+          <p:cNvPr id="23" name="Group 22">
+            <a:extLst>
+              <a:ext uri="{FF2B5EF4-FFF2-40B4-BE49-F238E27FC236}">
+                <a16:creationId xmlns:a16="http://schemas.microsoft.com/office/drawing/2014/main" id="{BCE751BC-BAAA-4149-AB0C-F9B30416E476}"/>
+              </a:ext>
+            </a:extLst>
+          </p:cNvPr>
+          <p:cNvGrpSpPr/>
+          <p:nvPr/>
+        </p:nvGrpSpPr>
+        <p:grpSpPr>
+          <a:xfrm>
+            <a:off x="1368608" y="1023190"/>
+            <a:ext cx="9454784" cy="5156044"/>
+            <a:chOff x="489693" y="1077136"/>
+            <a:chExt cx="9454784" cy="5156044"/>
+          </a:xfrm>
+        </p:grpSpPr>
+        <p:sp>
+          <p:nvSpPr>
+            <p:cNvPr id="28" name="Rectangle 27">
+              <a:extLst>
+                <a:ext uri="{FF2B5EF4-FFF2-40B4-BE49-F238E27FC236}">
+                  <a16:creationId xmlns:a16="http://schemas.microsoft.com/office/drawing/2014/main" id="{A2B22C32-F3AC-F34B-AE08-7D1F3721BE40}"/>
+                </a:ext>
+              </a:extLst>
+            </p:cNvPr>
+            <p:cNvSpPr/>
+            <p:nvPr/>
+          </p:nvSpPr>
+          <p:spPr>
+            <a:xfrm>
+              <a:off x="3119163" y="3324642"/>
+              <a:ext cx="3808064" cy="2468880"/>
+            </a:xfrm>
+            <a:prstGeom prst="rect">
+              <a:avLst/>
+            </a:prstGeom>
+            <a:noFill/>
+            <a:ln w="12700">
+              <a:solidFill>
+                <a:srgbClr val="B6BABF"/>
+              </a:solidFill>
+              <a:prstDash val="dash"/>
+            </a:ln>
+          </p:spPr>
+          <p:style>
+            <a:lnRef idx="2">
+              <a:schemeClr val="accent1">
+                <a:shade val="50000"/>
+              </a:schemeClr>
+            </a:lnRef>
+            <a:fillRef idx="1">
+              <a:schemeClr val="accent1"/>
+            </a:fillRef>
+            <a:effectRef idx="0">
+              <a:schemeClr val="accent1"/>
+            </a:effectRef>
+            <a:fontRef idx="minor">
+              <a:schemeClr val="lt1"/>
+            </a:fontRef>
+          </p:style>
+          <p:txBody>
+            <a:bodyPr rot="0" spcFirstLastPara="0" vertOverflow="overflow" horzOverflow="overflow" vert="horz" wrap="square" lIns="91440" tIns="91440" rIns="91440" bIns="45720" numCol="1" spcCol="0" rtlCol="0" fromWordArt="0" anchor="t" anchorCtr="0" forceAA="0" compatLnSpc="1">
+              <a:prstTxWarp prst="textNoShape">
+                <a:avLst/>
+              </a:prstTxWarp>
+              <a:noAutofit/>
+            </a:bodyPr>
+            <a:lstStyle/>
+            <a:p>
+              <a:pPr algn="ctr"/>
+              <a:r>
+                <a:rPr lang="en-US" sz="1200" dirty="0">
+                  <a:solidFill>
+                    <a:srgbClr val="B6BABF"/>
+                  </a:solidFill>
+                  <a:latin typeface="Amazon Ember" panose="020B0603020204020204" pitchFamily="34" charset="0"/>
+                  <a:ea typeface="Amazon Ember" panose="020B0603020204020204" pitchFamily="34" charset="0"/>
+                  <a:cs typeface="Amazon Ember" panose="020B0603020204020204" pitchFamily="34" charset="0"/>
+                </a:rPr>
+                <a:t>sns-fork-message-replay app</a:t>
+              </a:r>
+            </a:p>
+          </p:txBody>
+        </p:sp>
+        <p:sp>
+          <p:nvSpPr>
+            <p:cNvPr id="32" name="TextBox 31">
+              <a:extLst>
+                <a:ext uri="{FF2B5EF4-FFF2-40B4-BE49-F238E27FC236}">
+                  <a16:creationId xmlns:a16="http://schemas.microsoft.com/office/drawing/2014/main" id="{863604C3-7415-0246-8DB6-938338C30450}"/>
+                </a:ext>
+              </a:extLst>
+            </p:cNvPr>
+            <p:cNvSpPr txBox="1"/>
+            <p:nvPr/>
+          </p:nvSpPr>
+          <p:spPr>
+            <a:xfrm>
+              <a:off x="1495375" y="2607975"/>
+              <a:ext cx="794831" cy="600164"/>
+            </a:xfrm>
+            <a:prstGeom prst="rect">
+              <a:avLst/>
+            </a:prstGeom>
+            <a:noFill/>
+          </p:spPr>
+          <p:txBody>
+            <a:bodyPr wrap="square" rtlCol="0">
+              <a:spAutoFit/>
+            </a:bodyPr>
+            <a:lstStyle/>
+            <a:p>
+              <a:pPr algn="ctr"/>
+              <a:r>
+                <a:rPr lang="en-US" sz="1100" i="1" dirty="0">
+                  <a:solidFill>
+                    <a:schemeClr val="bg1"/>
+                  </a:solidFill>
+                  <a:latin typeface="Amazon Ember" panose="020B0603020204020204" pitchFamily="34" charset="0"/>
+                  <a:ea typeface="Amazon Ember" panose="020B0603020204020204" pitchFamily="34" charset="0"/>
+                  <a:cs typeface="Amazon Ember" panose="020B0603020204020204" pitchFamily="34" charset="0"/>
+                </a:rPr>
+                <a:t>fan out filtered events</a:t>
+              </a:r>
+            </a:p>
+          </p:txBody>
+        </p:sp>
+        <p:cxnSp>
+          <p:nvCxnSpPr>
+            <p:cNvPr id="33" name="Straight Arrow Connector 32">
+              <a:extLst>
+                <a:ext uri="{FF2B5EF4-FFF2-40B4-BE49-F238E27FC236}">
+                  <a16:creationId xmlns:a16="http://schemas.microsoft.com/office/drawing/2014/main" id="{6F2610DE-DDA7-4840-95CF-CB2E6F237844}"/>
+                </a:ext>
+              </a:extLst>
+            </p:cNvPr>
+            <p:cNvCxnSpPr>
+              <a:cxnSpLocks/>
+              <a:stCxn id="37" idx="3"/>
+              <a:endCxn id="44" idx="1"/>
+            </p:cNvCxnSpPr>
+            <p:nvPr/>
+          </p:nvCxnSpPr>
+          <p:spPr>
+            <a:xfrm>
+              <a:off x="4152577" y="4433631"/>
+              <a:ext cx="1428503" cy="0"/>
+            </a:xfrm>
+            <a:prstGeom prst="straightConnector1">
+              <a:avLst/>
+            </a:prstGeom>
+            <a:ln w="12700">
+              <a:solidFill>
+                <a:srgbClr val="E6ECEF"/>
+              </a:solidFill>
+              <a:headEnd type="arrow" w="med" len="med"/>
+              <a:tailEnd type="arrow" w="med" len="med"/>
+            </a:ln>
+          </p:spPr>
+          <p:style>
+            <a:lnRef idx="1">
+              <a:schemeClr val="accent1"/>
+            </a:lnRef>
+            <a:fillRef idx="0">
+              <a:schemeClr val="accent1"/>
+            </a:fillRef>
+            <a:effectRef idx="0">
+              <a:schemeClr val="accent1"/>
+            </a:effectRef>
+            <a:fontRef idx="minor">
+              <a:schemeClr val="tx1"/>
+            </a:fontRef>
+          </p:style>
+        </p:cxnSp>
+        <p:sp>
+          <p:nvSpPr>
+            <p:cNvPr id="34" name="TextBox 33">
+              <a:extLst>
+                <a:ext uri="{FF2B5EF4-FFF2-40B4-BE49-F238E27FC236}">
+                  <a16:creationId xmlns:a16="http://schemas.microsoft.com/office/drawing/2014/main" id="{91BD79DA-B438-144F-AB29-F86447886E4B}"/>
+                </a:ext>
+              </a:extLst>
+            </p:cNvPr>
+            <p:cNvSpPr txBox="1"/>
+            <p:nvPr/>
+          </p:nvSpPr>
+          <p:spPr>
+            <a:xfrm>
+              <a:off x="489693" y="3741580"/>
+              <a:ext cx="1091696" cy="430887"/>
+            </a:xfrm>
+            <a:prstGeom prst="rect">
+              <a:avLst/>
+            </a:prstGeom>
+            <a:noFill/>
+          </p:spPr>
+          <p:txBody>
+            <a:bodyPr wrap="square" rtlCol="0">
+              <a:spAutoFit/>
+            </a:bodyPr>
+            <a:lstStyle/>
+            <a:p>
+              <a:pPr algn="ctr"/>
+              <a:r>
+                <a:rPr lang="en-US" sz="1100" dirty="0">
+                  <a:solidFill>
+                    <a:schemeClr val="bg1"/>
+                  </a:solidFill>
+                  <a:latin typeface="Amazon Ember" panose="020B0603020204020204" pitchFamily="34" charset="0"/>
+                  <a:ea typeface="Amazon Ember" panose="020B0603020204020204" pitchFamily="34" charset="0"/>
+                  <a:cs typeface="Amazon Ember" panose="020B0603020204020204" pitchFamily="34" charset="0"/>
+                </a:rPr>
+                <a:t>Amazon SNS</a:t>
+              </a:r>
+            </a:p>
+            <a:p>
+              <a:pPr algn="ctr"/>
+              <a:r>
+                <a:rPr lang="en-US" sz="1100" dirty="0">
+                  <a:solidFill>
+                    <a:schemeClr val="bg1"/>
+                  </a:solidFill>
+                  <a:latin typeface="Amazon Ember" panose="020B0603020204020204" pitchFamily="34" charset="0"/>
+                  <a:ea typeface="Amazon Ember" panose="020B0603020204020204" pitchFamily="34" charset="0"/>
+                  <a:cs typeface="Amazon Ember" panose="020B0603020204020204" pitchFamily="34" charset="0"/>
+                </a:rPr>
+                <a:t>topic</a:t>
+              </a:r>
+            </a:p>
+          </p:txBody>
+        </p:sp>
+        <p:pic>
+          <p:nvPicPr>
+            <p:cNvPr id="35" name="Graphic 34">
+              <a:extLst>
+                <a:ext uri="{FF2B5EF4-FFF2-40B4-BE49-F238E27FC236}">
+                  <a16:creationId xmlns:a16="http://schemas.microsoft.com/office/drawing/2014/main" id="{5F20BA71-3434-BC42-9ED5-FBA4B8840C8A}"/>
+                </a:ext>
+              </a:extLst>
+            </p:cNvPr>
+            <p:cNvPicPr>
+              <a:picLocks noChangeAspect="1"/>
+            </p:cNvPicPr>
+            <p:nvPr/>
+          </p:nvPicPr>
+          <p:blipFill>
+            <a:blip r:embed="rId2">
+              <a:extLst>
+                <a:ext uri="{96DAC541-7B7A-43D3-8B79-37D633B846F1}">
+                  <asvg:svgBlip xmlns:asvg="http://schemas.microsoft.com/office/drawing/2016/SVG/main" r:embed="rId3"/>
+                </a:ext>
+              </a:extLst>
+            </a:blip>
+            <a:stretch>
+              <a:fillRect/>
+            </a:stretch>
+          </p:blipFill>
+          <p:spPr>
+            <a:xfrm>
+              <a:off x="749791" y="2987227"/>
+              <a:ext cx="571500" cy="571500"/>
+            </a:xfrm>
+            <a:prstGeom prst="rect">
+              <a:avLst/>
+            </a:prstGeom>
+          </p:spPr>
+        </p:pic>
+        <p:pic>
+          <p:nvPicPr>
+            <p:cNvPr id="37" name="Graphic 36">
+              <a:extLst>
+                <a:ext uri="{FF2B5EF4-FFF2-40B4-BE49-F238E27FC236}">
+                  <a16:creationId xmlns:a16="http://schemas.microsoft.com/office/drawing/2014/main" id="{6001A106-0FA0-294A-92D2-6858D1E6EAA3}"/>
+                </a:ext>
+              </a:extLst>
+            </p:cNvPr>
+            <p:cNvPicPr>
+              <a:picLocks noChangeAspect="1"/>
+            </p:cNvPicPr>
+            <p:nvPr/>
+          </p:nvPicPr>
+          <p:blipFill>
+            <a:blip r:embed="rId4">
+              <a:extLst>
+                <a:ext uri="{96DAC541-7B7A-43D3-8B79-37D633B846F1}">
+                  <asvg:svgBlip xmlns:asvg="http://schemas.microsoft.com/office/drawing/2016/SVG/main" r:embed="rId5"/>
+                </a:ext>
+              </a:extLst>
+            </a:blip>
+            <a:stretch>
+              <a:fillRect/>
+            </a:stretch>
+          </p:blipFill>
+          <p:spPr>
+            <a:xfrm>
+              <a:off x="3581077" y="4147881"/>
+              <a:ext cx="571500" cy="571500"/>
+            </a:xfrm>
+            <a:prstGeom prst="rect">
+              <a:avLst/>
+            </a:prstGeom>
+          </p:spPr>
+        </p:pic>
+        <p:sp>
+          <p:nvSpPr>
+            <p:cNvPr id="38" name="TextBox 37">
+              <a:extLst>
+                <a:ext uri="{FF2B5EF4-FFF2-40B4-BE49-F238E27FC236}">
+                  <a16:creationId xmlns:a16="http://schemas.microsoft.com/office/drawing/2014/main" id="{45D4D6B4-846B-374D-BC08-08A4FE34E2EB}"/>
+                </a:ext>
+              </a:extLst>
+            </p:cNvPr>
+            <p:cNvSpPr txBox="1"/>
+            <p:nvPr/>
+          </p:nvSpPr>
+          <p:spPr>
+            <a:xfrm>
+              <a:off x="3154281" y="4798477"/>
+              <a:ext cx="1425091" cy="430887"/>
+            </a:xfrm>
+            <a:prstGeom prst="rect">
+              <a:avLst/>
+            </a:prstGeom>
+            <a:noFill/>
+          </p:spPr>
+          <p:txBody>
+            <a:bodyPr wrap="square" rtlCol="0">
+              <a:spAutoFit/>
+            </a:bodyPr>
+            <a:lstStyle/>
+            <a:p>
+              <a:pPr algn="ctr"/>
+              <a:r>
+                <a:rPr lang="en-US" sz="1100" dirty="0">
+                  <a:solidFill>
+                    <a:schemeClr val="bg1"/>
+                  </a:solidFill>
+                  <a:latin typeface="Amazon Ember" panose="020B0603020204020204" pitchFamily="34" charset="0"/>
+                  <a:ea typeface="Amazon Ember" panose="020B0603020204020204" pitchFamily="34" charset="0"/>
+                  <a:cs typeface="Amazon Ember" panose="020B0603020204020204" pitchFamily="34" charset="0"/>
+                </a:rPr>
+                <a:t>Amazon SQS</a:t>
+              </a:r>
+            </a:p>
+            <a:p>
+              <a:pPr algn="ctr"/>
+              <a:r>
+                <a:rPr lang="en-US" sz="1100" dirty="0">
+                  <a:solidFill>
+                    <a:schemeClr val="bg1"/>
+                  </a:solidFill>
+                  <a:latin typeface="Amazon Ember" panose="020B0603020204020204" pitchFamily="34" charset="0"/>
+                  <a:ea typeface="Amazon Ember" panose="020B0603020204020204" pitchFamily="34" charset="0"/>
+                  <a:cs typeface="Amazon Ember" panose="020B0603020204020204" pitchFamily="34" charset="0"/>
+                </a:rPr>
+                <a:t>replay queue</a:t>
+              </a:r>
+            </a:p>
+          </p:txBody>
+        </p:sp>
+        <p:pic>
+          <p:nvPicPr>
+            <p:cNvPr id="44" name="Graphic 43">
+              <a:extLst>
+                <a:ext uri="{FF2B5EF4-FFF2-40B4-BE49-F238E27FC236}">
+                  <a16:creationId xmlns:a16="http://schemas.microsoft.com/office/drawing/2014/main" id="{EB504C54-0497-C544-9FAC-F93C35A27FB5}"/>
+                </a:ext>
+              </a:extLst>
+            </p:cNvPr>
+            <p:cNvPicPr>
+              <a:picLocks noChangeAspect="1"/>
+            </p:cNvPicPr>
+            <p:nvPr/>
+          </p:nvPicPr>
+          <p:blipFill>
+            <a:blip r:embed="rId6">
+              <a:extLst>
+                <a:ext uri="{96DAC541-7B7A-43D3-8B79-37D633B846F1}">
+                  <asvg:svgBlip xmlns:asvg="http://schemas.microsoft.com/office/drawing/2016/SVG/main" r:embed="rId7"/>
+                </a:ext>
+              </a:extLst>
+            </a:blip>
+            <a:stretch>
+              <a:fillRect/>
+            </a:stretch>
+          </p:blipFill>
+          <p:spPr>
+            <a:xfrm>
+              <a:off x="5581080" y="4147881"/>
+              <a:ext cx="571500" cy="571500"/>
+            </a:xfrm>
+            <a:prstGeom prst="rect">
+              <a:avLst/>
+            </a:prstGeom>
+          </p:spPr>
+        </p:pic>
+        <p:sp>
+          <p:nvSpPr>
+            <p:cNvPr id="47" name="TextBox 46">
+              <a:extLst>
+                <a:ext uri="{FF2B5EF4-FFF2-40B4-BE49-F238E27FC236}">
+                  <a16:creationId xmlns:a16="http://schemas.microsoft.com/office/drawing/2014/main" id="{0E8D3851-C191-174D-B34F-6A9933C81206}"/>
+                </a:ext>
+              </a:extLst>
+            </p:cNvPr>
+            <p:cNvSpPr txBox="1"/>
+            <p:nvPr/>
+          </p:nvSpPr>
+          <p:spPr>
+            <a:xfrm>
+              <a:off x="5278712" y="4798477"/>
+              <a:ext cx="1176235" cy="430887"/>
+            </a:xfrm>
+            <a:prstGeom prst="rect">
+              <a:avLst/>
+            </a:prstGeom>
+            <a:noFill/>
+          </p:spPr>
+          <p:txBody>
+            <a:bodyPr wrap="square" rtlCol="0">
+              <a:spAutoFit/>
+            </a:bodyPr>
+            <a:lstStyle/>
+            <a:p>
+              <a:pPr algn="ctr"/>
+              <a:r>
+                <a:rPr lang="en-US" sz="1100" dirty="0">
+                  <a:solidFill>
+                    <a:schemeClr val="bg1"/>
+                  </a:solidFill>
+                  <a:latin typeface="Amazon Ember" panose="020B0603020204020204" pitchFamily="34" charset="0"/>
+                  <a:ea typeface="Amazon Ember" panose="020B0603020204020204" pitchFamily="34" charset="0"/>
+                  <a:cs typeface="Amazon Ember" panose="020B0603020204020204" pitchFamily="34" charset="0"/>
+                </a:rPr>
+                <a:t>AWS Lambda replay function</a:t>
+              </a:r>
+            </a:p>
+          </p:txBody>
+        </p:sp>
+        <p:sp>
+          <p:nvSpPr>
+            <p:cNvPr id="51" name="Rectangle 50">
+              <a:extLst>
+                <a:ext uri="{FF2B5EF4-FFF2-40B4-BE49-F238E27FC236}">
+                  <a16:creationId xmlns:a16="http://schemas.microsoft.com/office/drawing/2014/main" id="{4F5FC685-827E-284B-A7F5-D439834EC2DB}"/>
+                </a:ext>
+              </a:extLst>
+            </p:cNvPr>
+            <p:cNvSpPr/>
+            <p:nvPr/>
+          </p:nvSpPr>
+          <p:spPr>
+            <a:xfrm>
+              <a:off x="3119163" y="1077136"/>
+              <a:ext cx="3808064" cy="2011680"/>
+            </a:xfrm>
+            <a:prstGeom prst="rect">
+              <a:avLst/>
+            </a:prstGeom>
+            <a:solidFill>
+              <a:srgbClr val="AAB7B8">
+                <a:alpha val="22000"/>
+              </a:srgbClr>
+            </a:solidFill>
+            <a:ln w="12700">
+              <a:noFill/>
+            </a:ln>
+          </p:spPr>
+          <p:style>
+            <a:lnRef idx="2">
+              <a:schemeClr val="accent1">
+                <a:shade val="50000"/>
+              </a:schemeClr>
+            </a:lnRef>
+            <a:fillRef idx="1">
+              <a:schemeClr val="accent1"/>
+            </a:fillRef>
+            <a:effectRef idx="0">
+              <a:schemeClr val="accent1"/>
+            </a:effectRef>
+            <a:fontRef idx="minor">
+              <a:schemeClr val="lt1"/>
+            </a:fontRef>
+          </p:style>
+          <p:txBody>
+            <a:bodyPr rot="0" spcFirstLastPara="0" vertOverflow="overflow" horzOverflow="overflow" vert="horz" wrap="square" lIns="91440" tIns="91440" rIns="91440" bIns="45720" numCol="1" spcCol="0" rtlCol="0" fromWordArt="0" anchor="t" anchorCtr="0" forceAA="0" compatLnSpc="1">
+              <a:prstTxWarp prst="textNoShape">
+                <a:avLst/>
+              </a:prstTxWarp>
+              <a:noAutofit/>
+            </a:bodyPr>
+            <a:lstStyle/>
+            <a:p>
+              <a:pPr algn="ctr"/>
+              <a:r>
+                <a:rPr lang="en-US" sz="1200" dirty="0">
+                  <a:solidFill>
+                    <a:srgbClr val="AAB7B8"/>
+                  </a:solidFill>
+                  <a:latin typeface="Amazon Ember" panose="020B0603020204020204" pitchFamily="34" charset="0"/>
+                  <a:ea typeface="Amazon Ember" panose="020B0603020204020204" pitchFamily="34" charset="0"/>
+                  <a:cs typeface="Amazon Ember" panose="020B0603020204020204" pitchFamily="34" charset="0"/>
+                </a:rPr>
+                <a:t>Your regular event processing pipeline</a:t>
+              </a:r>
+            </a:p>
+          </p:txBody>
+        </p:sp>
+        <p:pic>
+          <p:nvPicPr>
+            <p:cNvPr id="52" name="Graphic 51">
+              <a:extLst>
+                <a:ext uri="{FF2B5EF4-FFF2-40B4-BE49-F238E27FC236}">
+                  <a16:creationId xmlns:a16="http://schemas.microsoft.com/office/drawing/2014/main" id="{A7A77224-6425-A745-B726-BBA888640615}"/>
+                </a:ext>
+              </a:extLst>
+            </p:cNvPr>
+            <p:cNvPicPr>
+              <a:picLocks noChangeAspect="1"/>
+            </p:cNvPicPr>
+            <p:nvPr/>
+          </p:nvPicPr>
+          <p:blipFill>
+            <a:blip r:embed="rId4">
+              <a:extLst>
+                <a:ext uri="{96DAC541-7B7A-43D3-8B79-37D633B846F1}">
+                  <asvg:svgBlip xmlns:asvg="http://schemas.microsoft.com/office/drawing/2016/SVG/main" r:embed="rId5"/>
+                </a:ext>
+              </a:extLst>
+            </a:blip>
+            <a:stretch>
+              <a:fillRect/>
+            </a:stretch>
+          </p:blipFill>
+          <p:spPr>
+            <a:xfrm>
+              <a:off x="3581077" y="1826574"/>
+              <a:ext cx="571500" cy="571500"/>
+            </a:xfrm>
+            <a:prstGeom prst="rect">
+              <a:avLst/>
+            </a:prstGeom>
+          </p:spPr>
+        </p:pic>
+        <p:sp>
+          <p:nvSpPr>
+            <p:cNvPr id="53" name="TextBox 52">
+              <a:extLst>
+                <a:ext uri="{FF2B5EF4-FFF2-40B4-BE49-F238E27FC236}">
+                  <a16:creationId xmlns:a16="http://schemas.microsoft.com/office/drawing/2014/main" id="{ACFAB45F-C8B3-854D-B7C3-712206D44247}"/>
+                </a:ext>
+              </a:extLst>
+            </p:cNvPr>
+            <p:cNvSpPr txBox="1"/>
+            <p:nvPr/>
+          </p:nvSpPr>
+          <p:spPr>
+            <a:xfrm>
+              <a:off x="3154281" y="2477170"/>
+              <a:ext cx="1425091" cy="430887"/>
+            </a:xfrm>
+            <a:prstGeom prst="rect">
+              <a:avLst/>
+            </a:prstGeom>
+            <a:noFill/>
+          </p:spPr>
+          <p:txBody>
+            <a:bodyPr wrap="square" rtlCol="0">
+              <a:spAutoFit/>
+            </a:bodyPr>
+            <a:lstStyle/>
+            <a:p>
+              <a:pPr algn="ctr"/>
+              <a:r>
+                <a:rPr lang="en-US" sz="1100" dirty="0">
+                  <a:solidFill>
+                    <a:schemeClr val="bg1"/>
+                  </a:solidFill>
+                  <a:latin typeface="Amazon Ember" panose="020B0603020204020204" pitchFamily="34" charset="0"/>
+                  <a:ea typeface="Amazon Ember" panose="020B0603020204020204" pitchFamily="34" charset="0"/>
+                  <a:cs typeface="Amazon Ember" panose="020B0603020204020204" pitchFamily="34" charset="0"/>
+                </a:rPr>
+                <a:t>Amazon SQS processing queue</a:t>
+              </a:r>
+            </a:p>
+          </p:txBody>
+        </p:sp>
+        <p:cxnSp>
+          <p:nvCxnSpPr>
+            <p:cNvPr id="59" name="Elbow Connector 58">
+              <a:extLst>
+                <a:ext uri="{FF2B5EF4-FFF2-40B4-BE49-F238E27FC236}">
+                  <a16:creationId xmlns:a16="http://schemas.microsoft.com/office/drawing/2014/main" id="{52235E2E-B39B-224F-9087-B8D2D08003A7}"/>
+                </a:ext>
+              </a:extLst>
+            </p:cNvPr>
+            <p:cNvCxnSpPr>
+              <a:cxnSpLocks/>
+              <a:stCxn id="35" idx="3"/>
+              <a:endCxn id="52" idx="1"/>
+            </p:cNvCxnSpPr>
+            <p:nvPr/>
+          </p:nvCxnSpPr>
+          <p:spPr>
+            <a:xfrm flipV="1">
+              <a:off x="1321291" y="2112324"/>
+              <a:ext cx="2259786" cy="1160653"/>
+            </a:xfrm>
+            <a:prstGeom prst="bentConnector3">
+              <a:avLst/>
+            </a:prstGeom>
+            <a:ln>
+              <a:solidFill>
+                <a:schemeClr val="bg1"/>
+              </a:solidFill>
+              <a:headEnd type="none" w="med" len="med"/>
+              <a:tailEnd type="arrow" w="med" len="med"/>
+            </a:ln>
+          </p:spPr>
+          <p:style>
+            <a:lnRef idx="1">
+              <a:schemeClr val="accent1"/>
+            </a:lnRef>
+            <a:fillRef idx="0">
+              <a:schemeClr val="accent1"/>
+            </a:fillRef>
+            <a:effectRef idx="0">
+              <a:schemeClr val="accent1"/>
+            </a:effectRef>
+            <a:fontRef idx="minor">
+              <a:schemeClr val="tx1"/>
+            </a:fontRef>
+          </p:style>
+        </p:cxnSp>
+        <p:cxnSp>
+          <p:nvCxnSpPr>
+            <p:cNvPr id="65" name="Elbow Connector 64">
+              <a:extLst>
+                <a:ext uri="{FF2B5EF4-FFF2-40B4-BE49-F238E27FC236}">
+                  <a16:creationId xmlns:a16="http://schemas.microsoft.com/office/drawing/2014/main" id="{7FF9759F-8486-0F47-9950-0E7887962C29}"/>
+                </a:ext>
+              </a:extLst>
+            </p:cNvPr>
+            <p:cNvCxnSpPr>
+              <a:cxnSpLocks/>
+              <a:stCxn id="44" idx="3"/>
+              <a:endCxn id="52" idx="0"/>
+            </p:cNvCxnSpPr>
+            <p:nvPr/>
+          </p:nvCxnSpPr>
+          <p:spPr>
+            <a:xfrm flipH="1" flipV="1">
+              <a:off x="3866827" y="1826574"/>
+              <a:ext cx="2285753" cy="2607057"/>
+            </a:xfrm>
+            <a:prstGeom prst="bentConnector4">
+              <a:avLst>
+                <a:gd name="adj1" fmla="val -85065"/>
+                <a:gd name="adj2" fmla="val 108769"/>
+              </a:avLst>
+            </a:prstGeom>
+            <a:ln>
+              <a:solidFill>
+                <a:schemeClr val="bg1"/>
+              </a:solidFill>
+              <a:headEnd type="none" w="med" len="med"/>
+              <a:tailEnd type="arrow" w="med" len="med"/>
+            </a:ln>
+          </p:spPr>
+          <p:style>
+            <a:lnRef idx="1">
+              <a:schemeClr val="accent1"/>
+            </a:lnRef>
+            <a:fillRef idx="0">
+              <a:schemeClr val="accent1"/>
+            </a:fillRef>
+            <a:effectRef idx="0">
+              <a:schemeClr val="accent1"/>
+            </a:effectRef>
+            <a:fontRef idx="minor">
+              <a:schemeClr val="tx1"/>
+            </a:fontRef>
+          </p:style>
+        </p:cxnSp>
+        <p:sp>
+          <p:nvSpPr>
+            <p:cNvPr id="66" name="TextBox 65">
+              <a:extLst>
+                <a:ext uri="{FF2B5EF4-FFF2-40B4-BE49-F238E27FC236}">
+                  <a16:creationId xmlns:a16="http://schemas.microsoft.com/office/drawing/2014/main" id="{A4C002BD-9E46-DF44-88DE-503F24064BC8}"/>
+                </a:ext>
+              </a:extLst>
+            </p:cNvPr>
+            <p:cNvSpPr txBox="1"/>
+            <p:nvPr/>
+          </p:nvSpPr>
+          <p:spPr>
+            <a:xfrm>
+              <a:off x="7101310" y="3656941"/>
+              <a:ext cx="794831" cy="600164"/>
+            </a:xfrm>
+            <a:prstGeom prst="rect">
+              <a:avLst/>
+            </a:prstGeom>
+            <a:noFill/>
+          </p:spPr>
+          <p:txBody>
+            <a:bodyPr wrap="square" rtlCol="0">
+              <a:spAutoFit/>
+            </a:bodyPr>
+            <a:lstStyle/>
+            <a:p>
+              <a:pPr algn="ctr"/>
+              <a:r>
+                <a:rPr lang="en-US" sz="1100" i="1" dirty="0">
+                  <a:solidFill>
+                    <a:schemeClr val="bg1"/>
+                  </a:solidFill>
+                  <a:latin typeface="Amazon Ember" panose="020B0603020204020204" pitchFamily="34" charset="0"/>
+                  <a:ea typeface="Amazon Ember" panose="020B0603020204020204" pitchFamily="34" charset="0"/>
+                  <a:cs typeface="Amazon Ember" panose="020B0603020204020204" pitchFamily="34" charset="0"/>
+                </a:rPr>
+                <a:t>enqueue events to replay</a:t>
+              </a:r>
+            </a:p>
+          </p:txBody>
+        </p:sp>
+        <p:pic>
+          <p:nvPicPr>
+            <p:cNvPr id="67" name="Graphic 66">
+              <a:extLst>
+                <a:ext uri="{FF2B5EF4-FFF2-40B4-BE49-F238E27FC236}">
+                  <a16:creationId xmlns:a16="http://schemas.microsoft.com/office/drawing/2014/main" id="{8D8D4EAC-6906-224F-B099-272BCB878CA1}"/>
+                </a:ext>
+              </a:extLst>
+            </p:cNvPr>
+            <p:cNvPicPr>
+              <a:picLocks noChangeAspect="1"/>
+            </p:cNvPicPr>
+            <p:nvPr/>
+          </p:nvPicPr>
+          <p:blipFill>
+            <a:blip r:embed="rId8">
+              <a:extLst>
+                <a:ext uri="{96DAC541-7B7A-43D3-8B79-37D633B846F1}">
+                  <asvg:svgBlip xmlns:asvg="http://schemas.microsoft.com/office/drawing/2016/SVG/main" r:embed="rId9"/>
+                </a:ext>
+              </a:extLst>
+            </a:blip>
+            <a:stretch>
+              <a:fillRect/>
+            </a:stretch>
+          </p:blipFill>
+          <p:spPr>
+            <a:xfrm>
+              <a:off x="8780568" y="5107388"/>
+              <a:ext cx="864182" cy="864182"/>
+            </a:xfrm>
+            <a:prstGeom prst="rect">
+              <a:avLst/>
+            </a:prstGeom>
+          </p:spPr>
+        </p:pic>
+        <p:sp>
+          <p:nvSpPr>
+            <p:cNvPr id="69" name="TextBox 68">
+              <a:extLst>
+                <a:ext uri="{FF2B5EF4-FFF2-40B4-BE49-F238E27FC236}">
+                  <a16:creationId xmlns:a16="http://schemas.microsoft.com/office/drawing/2014/main" id="{2E8F5833-35DF-1C46-A20C-808E955E90B1}"/>
+                </a:ext>
+              </a:extLst>
+            </p:cNvPr>
+            <p:cNvSpPr txBox="1"/>
+            <p:nvPr/>
+          </p:nvSpPr>
+          <p:spPr>
+            <a:xfrm>
+              <a:off x="8480842" y="5971570"/>
+              <a:ext cx="1463635" cy="261610"/>
+            </a:xfrm>
+            <a:prstGeom prst="rect">
+              <a:avLst/>
+            </a:prstGeom>
+            <a:noFill/>
+          </p:spPr>
+          <p:txBody>
+            <a:bodyPr wrap="square" rtlCol="0">
+              <a:spAutoFit/>
+            </a:bodyPr>
+            <a:lstStyle/>
+            <a:p>
+              <a:pPr algn="ctr"/>
+              <a:r>
+                <a:rPr lang="en-US" sz="1100" dirty="0">
+                  <a:solidFill>
+                    <a:schemeClr val="bg1"/>
+                  </a:solidFill>
+                  <a:latin typeface="Amazon Ember" panose="020B0603020204020204" pitchFamily="34" charset="0"/>
+                  <a:ea typeface="Amazon Ember" panose="020B0603020204020204" pitchFamily="34" charset="0"/>
+                  <a:cs typeface="Amazon Ember" panose="020B0603020204020204" pitchFamily="34" charset="0"/>
+                </a:rPr>
+                <a:t>Your operators</a:t>
+              </a:r>
+            </a:p>
+          </p:txBody>
+        </p:sp>
+        <p:cxnSp>
+          <p:nvCxnSpPr>
+            <p:cNvPr id="70" name="Elbow Connector 69">
+              <a:extLst>
+                <a:ext uri="{FF2B5EF4-FFF2-40B4-BE49-F238E27FC236}">
+                  <a16:creationId xmlns:a16="http://schemas.microsoft.com/office/drawing/2014/main" id="{7E766C7E-6B29-084B-8A06-1A1EA9979F54}"/>
+                </a:ext>
+              </a:extLst>
+            </p:cNvPr>
+            <p:cNvCxnSpPr>
+              <a:cxnSpLocks/>
+              <a:stCxn id="67" idx="1"/>
+              <a:endCxn id="47" idx="2"/>
+            </p:cNvCxnSpPr>
+            <p:nvPr/>
+          </p:nvCxnSpPr>
+          <p:spPr>
+            <a:xfrm rot="10800000">
+              <a:off x="5866830" y="5229365"/>
+              <a:ext cx="2913738" cy="310115"/>
+            </a:xfrm>
+            <a:prstGeom prst="bentConnector2">
+              <a:avLst/>
+            </a:prstGeom>
+            <a:ln>
+              <a:solidFill>
+                <a:schemeClr val="bg1"/>
+              </a:solidFill>
+              <a:headEnd type="none" w="med" len="med"/>
+              <a:tailEnd type="arrow" w="med" len="med"/>
+            </a:ln>
+          </p:spPr>
+          <p:style>
+            <a:lnRef idx="1">
+              <a:schemeClr val="accent1"/>
+            </a:lnRef>
+            <a:fillRef idx="0">
+              <a:schemeClr val="accent1"/>
+            </a:fillRef>
+            <a:effectRef idx="0">
+              <a:schemeClr val="accent1"/>
+            </a:effectRef>
+            <a:fontRef idx="minor">
+              <a:schemeClr val="tx1"/>
+            </a:fontRef>
+          </p:style>
+        </p:cxnSp>
+        <p:sp>
+          <p:nvSpPr>
+            <p:cNvPr id="72" name="TextBox 71">
+              <a:extLst>
+                <a:ext uri="{FF2B5EF4-FFF2-40B4-BE49-F238E27FC236}">
+                  <a16:creationId xmlns:a16="http://schemas.microsoft.com/office/drawing/2014/main" id="{180FDAEF-A2D2-8845-B2F1-2C0B116F2EB2}"/>
+                </a:ext>
+              </a:extLst>
+            </p:cNvPr>
+            <p:cNvSpPr txBox="1"/>
+            <p:nvPr/>
+          </p:nvSpPr>
+          <p:spPr>
+            <a:xfrm>
+              <a:off x="7070241" y="5175663"/>
+              <a:ext cx="1651800" cy="261610"/>
+            </a:xfrm>
+            <a:prstGeom prst="rect">
+              <a:avLst/>
+            </a:prstGeom>
+            <a:noFill/>
+          </p:spPr>
+          <p:txBody>
+            <a:bodyPr wrap="square" rtlCol="0">
+              <a:spAutoFit/>
+            </a:bodyPr>
+            <a:lstStyle/>
+            <a:p>
+              <a:pPr algn="ctr"/>
+              <a:r>
+                <a:rPr lang="en-US" sz="1100" i="1" dirty="0">
+                  <a:solidFill>
+                    <a:schemeClr val="bg1"/>
+                  </a:solidFill>
+                  <a:latin typeface="Amazon Ember" panose="020B0603020204020204" pitchFamily="34" charset="0"/>
+                  <a:ea typeface="Amazon Ember" panose="020B0603020204020204" pitchFamily="34" charset="0"/>
+                  <a:cs typeface="Amazon Ember" panose="020B0603020204020204" pitchFamily="34" charset="0"/>
+                </a:rPr>
+                <a:t>enable/disable replay</a:t>
+              </a:r>
+            </a:p>
+          </p:txBody>
+        </p:sp>
+        <p:cxnSp>
+          <p:nvCxnSpPr>
+            <p:cNvPr id="73" name="Straight Arrow Connector 72">
+              <a:extLst>
+                <a:ext uri="{FF2B5EF4-FFF2-40B4-BE49-F238E27FC236}">
+                  <a16:creationId xmlns:a16="http://schemas.microsoft.com/office/drawing/2014/main" id="{6CAFAF3E-8655-3A43-B554-C8970C1C9520}"/>
+                </a:ext>
+              </a:extLst>
+            </p:cNvPr>
+            <p:cNvCxnSpPr>
+              <a:cxnSpLocks/>
+            </p:cNvCxnSpPr>
+            <p:nvPr/>
+          </p:nvCxnSpPr>
+          <p:spPr>
+            <a:xfrm>
+              <a:off x="4152577" y="2112324"/>
+              <a:ext cx="963953" cy="0"/>
+            </a:xfrm>
+            <a:prstGeom prst="straightConnector1">
+              <a:avLst/>
+            </a:prstGeom>
+            <a:ln w="12700">
+              <a:solidFill>
+                <a:srgbClr val="E6ECEF"/>
+              </a:solidFill>
+              <a:headEnd type="arrow" w="med" len="med"/>
+              <a:tailEnd type="arrow" w="med" len="med"/>
+            </a:ln>
+          </p:spPr>
+          <p:style>
+            <a:lnRef idx="1">
+              <a:schemeClr val="accent1"/>
+            </a:lnRef>
+            <a:fillRef idx="0">
+              <a:schemeClr val="accent1"/>
+            </a:fillRef>
+            <a:effectRef idx="0">
+              <a:schemeClr val="accent1"/>
+            </a:effectRef>
+            <a:fontRef idx="minor">
+              <a:schemeClr val="tx1"/>
+            </a:fontRef>
+          </p:style>
+        </p:cxnSp>
+        <p:sp>
+          <p:nvSpPr>
+            <p:cNvPr id="74" name="TextBox 73">
+              <a:extLst>
+                <a:ext uri="{FF2B5EF4-FFF2-40B4-BE49-F238E27FC236}">
+                  <a16:creationId xmlns:a16="http://schemas.microsoft.com/office/drawing/2014/main" id="{97AD461F-CBF4-E64E-A48A-6E2EF675C1FA}"/>
+                </a:ext>
+              </a:extLst>
+            </p:cNvPr>
+            <p:cNvSpPr txBox="1"/>
+            <p:nvPr/>
+          </p:nvSpPr>
+          <p:spPr>
+            <a:xfrm>
+              <a:off x="5116530" y="1981519"/>
+              <a:ext cx="1651800" cy="261610"/>
+            </a:xfrm>
+            <a:prstGeom prst="rect">
+              <a:avLst/>
+            </a:prstGeom>
+            <a:noFill/>
+          </p:spPr>
+          <p:txBody>
+            <a:bodyPr wrap="square" rtlCol="0">
+              <a:spAutoFit/>
+            </a:bodyPr>
+            <a:lstStyle/>
+            <a:p>
+              <a:pPr algn="ctr"/>
+              <a:r>
+                <a:rPr lang="en-US" sz="1100" i="1" dirty="0">
+                  <a:solidFill>
+                    <a:schemeClr val="bg1"/>
+                  </a:solidFill>
+                  <a:latin typeface="Amazon Ember" panose="020B0603020204020204" pitchFamily="34" charset="0"/>
+                  <a:ea typeface="Amazon Ember" panose="020B0603020204020204" pitchFamily="34" charset="0"/>
+                  <a:cs typeface="Amazon Ember" panose="020B0603020204020204" pitchFamily="34" charset="0"/>
+                </a:rPr>
+                <a:t>reprocess events…</a:t>
+              </a:r>
+            </a:p>
+          </p:txBody>
+        </p:sp>
+        <p:cxnSp>
+          <p:nvCxnSpPr>
+            <p:cNvPr id="75" name="Elbow Connector 74">
+              <a:extLst>
+                <a:ext uri="{FF2B5EF4-FFF2-40B4-BE49-F238E27FC236}">
+                  <a16:creationId xmlns:a16="http://schemas.microsoft.com/office/drawing/2014/main" id="{966755B3-C7BA-7F49-8709-4785523FBAF7}"/>
+                </a:ext>
+              </a:extLst>
+            </p:cNvPr>
+            <p:cNvCxnSpPr>
+              <a:cxnSpLocks/>
+              <a:stCxn id="35" idx="3"/>
+              <a:endCxn id="37" idx="1"/>
+            </p:cNvCxnSpPr>
+            <p:nvPr/>
+          </p:nvCxnSpPr>
+          <p:spPr>
+            <a:xfrm>
+              <a:off x="1321291" y="3272977"/>
+              <a:ext cx="2259786" cy="1160654"/>
+            </a:xfrm>
+            <a:prstGeom prst="bentConnector3">
+              <a:avLst/>
+            </a:prstGeom>
+            <a:ln>
+              <a:solidFill>
+                <a:schemeClr val="bg1"/>
+              </a:solidFill>
+              <a:headEnd type="none" w="med" len="med"/>
+              <a:tailEnd type="arrow" w="med" len="med"/>
             </a:ln>
           </p:spPr>
           <p:style>
@@ -4037,7 +7788,1991 @@
     </p:spTree>
     <p:extLst>
       <p:ext uri="{BB962C8B-B14F-4D97-AF65-F5344CB8AC3E}">
-        <p14:creationId xmlns:p14="http://schemas.microsoft.com/office/powerpoint/2010/main" val="2337987844"/>
+        <p14:creationId xmlns:p14="http://schemas.microsoft.com/office/powerpoint/2010/main" val="117866939"/>
+      </p:ext>
+    </p:extLst>
+  </p:cSld>
+  <p:clrMapOvr>
+    <a:masterClrMapping/>
+  </p:clrMapOvr>
+</p:sld>
+</file>
+
+<file path=ppt/slides/slide5.xml><?xml version="1.0" encoding="utf-8"?>
+<p:sld xmlns:a="http://schemas.openxmlformats.org/drawingml/2006/main" xmlns:r="http://schemas.openxmlformats.org/officeDocument/2006/relationships" xmlns:p="http://schemas.openxmlformats.org/presentationml/2006/main">
+  <p:cSld>
+    <p:spTree>
+      <p:nvGrpSpPr>
+        <p:cNvPr id="1" name=""/>
+        <p:cNvGrpSpPr/>
+        <p:nvPr/>
+      </p:nvGrpSpPr>
+      <p:grpSpPr>
+        <a:xfrm>
+          <a:off x="0" y="0"/>
+          <a:ext cx="0" cy="0"/>
+          <a:chOff x="0" y="0"/>
+          <a:chExt cx="0" cy="0"/>
+        </a:xfrm>
+      </p:grpSpPr>
+      <p:grpSp>
+        <p:nvGrpSpPr>
+          <p:cNvPr id="114" name="Group 113">
+            <a:extLst>
+              <a:ext uri="{FF2B5EF4-FFF2-40B4-BE49-F238E27FC236}">
+                <a16:creationId xmlns:a16="http://schemas.microsoft.com/office/drawing/2014/main" id="{22BCDF7B-7FAF-B444-8896-844FD0692F20}"/>
+              </a:ext>
+            </a:extLst>
+          </p:cNvPr>
+          <p:cNvGrpSpPr/>
+          <p:nvPr/>
+        </p:nvGrpSpPr>
+        <p:grpSpPr>
+          <a:xfrm>
+            <a:off x="253439" y="294588"/>
+            <a:ext cx="11685122" cy="6268824"/>
+            <a:chOff x="296346" y="207390"/>
+            <a:chExt cx="11685122" cy="6268824"/>
+          </a:xfrm>
+        </p:grpSpPr>
+        <p:sp>
+          <p:nvSpPr>
+            <p:cNvPr id="26" name="TextBox 25">
+              <a:extLst>
+                <a:ext uri="{FF2B5EF4-FFF2-40B4-BE49-F238E27FC236}">
+                  <a16:creationId xmlns:a16="http://schemas.microsoft.com/office/drawing/2014/main" id="{5CA6F280-75A2-1347-AD40-3937D48571F0}"/>
+                </a:ext>
+              </a:extLst>
+            </p:cNvPr>
+            <p:cNvSpPr txBox="1"/>
+            <p:nvPr/>
+          </p:nvSpPr>
+          <p:spPr>
+            <a:xfrm>
+              <a:off x="5035215" y="5035721"/>
+              <a:ext cx="1235095" cy="430887"/>
+            </a:xfrm>
+            <a:prstGeom prst="rect">
+              <a:avLst/>
+            </a:prstGeom>
+            <a:noFill/>
+          </p:spPr>
+          <p:txBody>
+            <a:bodyPr wrap="square" rtlCol="0">
+              <a:spAutoFit/>
+            </a:bodyPr>
+            <a:lstStyle/>
+            <a:p>
+              <a:pPr algn="ctr"/>
+              <a:r>
+                <a:rPr lang="en-US" sz="1100" dirty="0">
+                  <a:solidFill>
+                    <a:schemeClr val="bg1"/>
+                  </a:solidFill>
+                  <a:latin typeface="Amazon Ember" panose="020B0603020204020204" pitchFamily="34" charset="0"/>
+                  <a:ea typeface="Amazon Ember" panose="020B0603020204020204" pitchFamily="34" charset="0"/>
+                  <a:cs typeface="Amazon Ember" panose="020B0603020204020204" pitchFamily="34" charset="0"/>
+                </a:rPr>
+                <a:t>Amazon SNS</a:t>
+              </a:r>
+            </a:p>
+            <a:p>
+              <a:pPr algn="ctr"/>
+              <a:r>
+                <a:rPr lang="en-US" sz="1100" dirty="0">
+                  <a:solidFill>
+                    <a:schemeClr val="bg1"/>
+                  </a:solidFill>
+                  <a:latin typeface="Amazon Ember" panose="020B0603020204020204" pitchFamily="34" charset="0"/>
+                  <a:ea typeface="Amazon Ember" panose="020B0603020204020204" pitchFamily="34" charset="0"/>
+                  <a:cs typeface="Amazon Ember" panose="020B0603020204020204" pitchFamily="34" charset="0"/>
+                </a:rPr>
+                <a:t>topic “Orders”</a:t>
+              </a:r>
+            </a:p>
+          </p:txBody>
+        </p:sp>
+        <p:pic>
+          <p:nvPicPr>
+            <p:cNvPr id="36" name="Graphic 35">
+              <a:extLst>
+                <a:ext uri="{FF2B5EF4-FFF2-40B4-BE49-F238E27FC236}">
+                  <a16:creationId xmlns:a16="http://schemas.microsoft.com/office/drawing/2014/main" id="{E8E921CE-9378-3848-A833-87D7453C4E5F}"/>
+                </a:ext>
+              </a:extLst>
+            </p:cNvPr>
+            <p:cNvPicPr>
+              <a:picLocks noChangeAspect="1"/>
+            </p:cNvPicPr>
+            <p:nvPr/>
+          </p:nvPicPr>
+          <p:blipFill>
+            <a:blip r:embed="rId2">
+              <a:extLst>
+                <a:ext uri="{96DAC541-7B7A-43D3-8B79-37D633B846F1}">
+                  <asvg:svgBlip xmlns:asvg="http://schemas.microsoft.com/office/drawing/2016/SVG/main" r:embed="rId3"/>
+                </a:ext>
+              </a:extLst>
+            </a:blip>
+            <a:stretch>
+              <a:fillRect/>
+            </a:stretch>
+          </p:blipFill>
+          <p:spPr>
+            <a:xfrm>
+              <a:off x="5367013" y="4338799"/>
+              <a:ext cx="571500" cy="571500"/>
+            </a:xfrm>
+            <a:prstGeom prst="rect">
+              <a:avLst/>
+            </a:prstGeom>
+          </p:spPr>
+        </p:pic>
+        <p:sp>
+          <p:nvSpPr>
+            <p:cNvPr id="54" name="Rectangle 53">
+              <a:extLst>
+                <a:ext uri="{FF2B5EF4-FFF2-40B4-BE49-F238E27FC236}">
+                  <a16:creationId xmlns:a16="http://schemas.microsoft.com/office/drawing/2014/main" id="{A6C24674-C5DB-E145-95E3-0B647A7C7030}"/>
+                </a:ext>
+              </a:extLst>
+            </p:cNvPr>
+            <p:cNvSpPr/>
+            <p:nvPr/>
+          </p:nvSpPr>
+          <p:spPr>
+            <a:xfrm>
+              <a:off x="6947555" y="3085568"/>
+              <a:ext cx="2555988" cy="859872"/>
+            </a:xfrm>
+            <a:prstGeom prst="rect">
+              <a:avLst/>
+            </a:prstGeom>
+            <a:noFill/>
+            <a:ln w="12700">
+              <a:solidFill>
+                <a:srgbClr val="B6BABF"/>
+              </a:solidFill>
+              <a:prstDash val="dash"/>
+            </a:ln>
+          </p:spPr>
+          <p:style>
+            <a:lnRef idx="2">
+              <a:schemeClr val="accent1">
+                <a:shade val="50000"/>
+              </a:schemeClr>
+            </a:lnRef>
+            <a:fillRef idx="1">
+              <a:schemeClr val="accent1"/>
+            </a:fillRef>
+            <a:effectRef idx="0">
+              <a:schemeClr val="accent1"/>
+            </a:effectRef>
+            <a:fontRef idx="minor">
+              <a:schemeClr val="lt1"/>
+            </a:fontRef>
+          </p:style>
+          <p:txBody>
+            <a:bodyPr rot="0" spcFirstLastPara="0" vertOverflow="overflow" horzOverflow="overflow" vert="horz" wrap="square" lIns="91440" tIns="91440" rIns="91440" bIns="45720" numCol="1" spcCol="0" rtlCol="0" fromWordArt="0" anchor="t" anchorCtr="0" forceAA="0" compatLnSpc="1">
+              <a:prstTxWarp prst="textNoShape">
+                <a:avLst/>
+              </a:prstTxWarp>
+              <a:noAutofit/>
+            </a:bodyPr>
+            <a:lstStyle/>
+            <a:p>
+              <a:r>
+                <a:rPr lang="en-US" sz="1200" dirty="0">
+                  <a:solidFill>
+                    <a:srgbClr val="B6BABF"/>
+                  </a:solidFill>
+                  <a:latin typeface="Amazon Ember" panose="020B0603020204020204" pitchFamily="34" charset="0"/>
+                  <a:ea typeface="Amazon Ember" panose="020B0603020204020204" pitchFamily="34" charset="0"/>
+                  <a:cs typeface="Amazon Ember" panose="020B0603020204020204" pitchFamily="34" charset="0"/>
+                </a:rPr>
+                <a:t>Event storage &amp; backup pipeline</a:t>
+              </a:r>
+            </a:p>
+            <a:p>
+              <a:endParaRPr lang="en-US" sz="1200" dirty="0">
+                <a:solidFill>
+                  <a:srgbClr val="B6BABF"/>
+                </a:solidFill>
+                <a:latin typeface="Amazon Ember" panose="020B0603020204020204" pitchFamily="34" charset="0"/>
+                <a:ea typeface="Amazon Ember" panose="020B0603020204020204" pitchFamily="34" charset="0"/>
+                <a:cs typeface="Amazon Ember" panose="020B0603020204020204" pitchFamily="34" charset="0"/>
+              </a:endParaRPr>
+            </a:p>
+          </p:txBody>
+        </p:sp>
+        <p:sp>
+          <p:nvSpPr>
+            <p:cNvPr id="27" name="Rectangle 26">
+              <a:extLst>
+                <a:ext uri="{FF2B5EF4-FFF2-40B4-BE49-F238E27FC236}">
+                  <a16:creationId xmlns:a16="http://schemas.microsoft.com/office/drawing/2014/main" id="{FE58B4E7-FA51-E241-8B9A-01973D019413}"/>
+                </a:ext>
+              </a:extLst>
+            </p:cNvPr>
+            <p:cNvSpPr/>
+            <p:nvPr/>
+          </p:nvSpPr>
+          <p:spPr>
+            <a:xfrm>
+              <a:off x="6947555" y="4194613"/>
+              <a:ext cx="2555988" cy="859872"/>
+            </a:xfrm>
+            <a:prstGeom prst="rect">
+              <a:avLst/>
+            </a:prstGeom>
+            <a:noFill/>
+            <a:ln w="12700">
+              <a:solidFill>
+                <a:srgbClr val="B6BABF"/>
+              </a:solidFill>
+              <a:prstDash val="dash"/>
+            </a:ln>
+          </p:spPr>
+          <p:style>
+            <a:lnRef idx="2">
+              <a:schemeClr val="accent1">
+                <a:shade val="50000"/>
+              </a:schemeClr>
+            </a:lnRef>
+            <a:fillRef idx="1">
+              <a:schemeClr val="accent1"/>
+            </a:fillRef>
+            <a:effectRef idx="0">
+              <a:schemeClr val="accent1"/>
+            </a:effectRef>
+            <a:fontRef idx="minor">
+              <a:schemeClr val="lt1"/>
+            </a:fontRef>
+          </p:style>
+          <p:txBody>
+            <a:bodyPr rot="0" spcFirstLastPara="0" vertOverflow="overflow" horzOverflow="overflow" vert="horz" wrap="square" lIns="91440" tIns="91440" rIns="91440" bIns="45720" numCol="1" spcCol="0" rtlCol="0" fromWordArt="0" anchor="t" anchorCtr="0" forceAA="0" compatLnSpc="1">
+              <a:prstTxWarp prst="textNoShape">
+                <a:avLst/>
+              </a:prstTxWarp>
+              <a:noAutofit/>
+            </a:bodyPr>
+            <a:lstStyle/>
+            <a:p>
+              <a:r>
+                <a:rPr lang="en-US" sz="1200" dirty="0">
+                  <a:solidFill>
+                    <a:srgbClr val="B6BABF"/>
+                  </a:solidFill>
+                  <a:latin typeface="Amazon Ember" panose="020B0603020204020204" pitchFamily="34" charset="0"/>
+                  <a:ea typeface="Amazon Ember" panose="020B0603020204020204" pitchFamily="34" charset="0"/>
+                  <a:cs typeface="Amazon Ember" panose="020B0603020204020204" pitchFamily="34" charset="0"/>
+                </a:rPr>
+                <a:t>Event search &amp; analytics pipeline</a:t>
+              </a:r>
+            </a:p>
+            <a:p>
+              <a:endParaRPr lang="en-US" sz="1200" dirty="0">
+                <a:solidFill>
+                  <a:srgbClr val="B6BABF"/>
+                </a:solidFill>
+                <a:latin typeface="Amazon Ember" panose="020B0603020204020204" pitchFamily="34" charset="0"/>
+                <a:ea typeface="Amazon Ember" panose="020B0603020204020204" pitchFamily="34" charset="0"/>
+                <a:cs typeface="Amazon Ember" panose="020B0603020204020204" pitchFamily="34" charset="0"/>
+              </a:endParaRPr>
+            </a:p>
+          </p:txBody>
+        </p:sp>
+        <p:sp>
+          <p:nvSpPr>
+            <p:cNvPr id="33" name="Rectangle 32">
+              <a:extLst>
+                <a:ext uri="{FF2B5EF4-FFF2-40B4-BE49-F238E27FC236}">
+                  <a16:creationId xmlns:a16="http://schemas.microsoft.com/office/drawing/2014/main" id="{B65D2DC4-6EEF-1441-86CF-FE85F31E117C}"/>
+                </a:ext>
+              </a:extLst>
+            </p:cNvPr>
+            <p:cNvSpPr/>
+            <p:nvPr/>
+          </p:nvSpPr>
+          <p:spPr>
+            <a:xfrm>
+              <a:off x="6947555" y="5303658"/>
+              <a:ext cx="2555988" cy="859872"/>
+            </a:xfrm>
+            <a:prstGeom prst="rect">
+              <a:avLst/>
+            </a:prstGeom>
+            <a:noFill/>
+            <a:ln w="12700">
+              <a:solidFill>
+                <a:srgbClr val="B6BABF"/>
+              </a:solidFill>
+              <a:prstDash val="dash"/>
+            </a:ln>
+          </p:spPr>
+          <p:style>
+            <a:lnRef idx="2">
+              <a:schemeClr val="accent1">
+                <a:shade val="50000"/>
+              </a:schemeClr>
+            </a:lnRef>
+            <a:fillRef idx="1">
+              <a:schemeClr val="accent1"/>
+            </a:fillRef>
+            <a:effectRef idx="0">
+              <a:schemeClr val="accent1"/>
+            </a:effectRef>
+            <a:fontRef idx="minor">
+              <a:schemeClr val="lt1"/>
+            </a:fontRef>
+          </p:style>
+          <p:txBody>
+            <a:bodyPr rot="0" spcFirstLastPara="0" vertOverflow="overflow" horzOverflow="overflow" vert="horz" wrap="square" lIns="91440" tIns="91440" rIns="91440" bIns="45720" numCol="1" spcCol="0" rtlCol="0" fromWordArt="0" anchor="t" anchorCtr="0" forceAA="0" compatLnSpc="1">
+              <a:prstTxWarp prst="textNoShape">
+                <a:avLst/>
+              </a:prstTxWarp>
+              <a:noAutofit/>
+            </a:bodyPr>
+            <a:lstStyle/>
+            <a:p>
+              <a:r>
+                <a:rPr lang="en-US" sz="1200" dirty="0">
+                  <a:solidFill>
+                    <a:srgbClr val="B6BABF"/>
+                  </a:solidFill>
+                  <a:latin typeface="Amazon Ember" panose="020B0603020204020204" pitchFamily="34" charset="0"/>
+                  <a:ea typeface="Amazon Ember" panose="020B0603020204020204" pitchFamily="34" charset="0"/>
+                  <a:cs typeface="Amazon Ember" panose="020B0603020204020204" pitchFamily="34" charset="0"/>
+                </a:rPr>
+                <a:t>Event replay pipeline</a:t>
+              </a:r>
+            </a:p>
+          </p:txBody>
+        </p:sp>
+        <p:sp>
+          <p:nvSpPr>
+            <p:cNvPr id="19" name="Rectangle 18">
+              <a:extLst>
+                <a:ext uri="{FF2B5EF4-FFF2-40B4-BE49-F238E27FC236}">
+                  <a16:creationId xmlns:a16="http://schemas.microsoft.com/office/drawing/2014/main" id="{69F9D28E-09E4-CA40-9586-3CE9836ECF80}"/>
+                </a:ext>
+              </a:extLst>
+            </p:cNvPr>
+            <p:cNvSpPr/>
+            <p:nvPr/>
+          </p:nvSpPr>
+          <p:spPr>
+            <a:xfrm>
+              <a:off x="6947555" y="473407"/>
+              <a:ext cx="4484518" cy="2362988"/>
+            </a:xfrm>
+            <a:prstGeom prst="rect">
+              <a:avLst/>
+            </a:prstGeom>
+            <a:solidFill>
+              <a:srgbClr val="AAB7B8">
+                <a:alpha val="22000"/>
+              </a:srgbClr>
+            </a:solidFill>
+            <a:ln w="12700">
+              <a:noFill/>
+            </a:ln>
+          </p:spPr>
+          <p:style>
+            <a:lnRef idx="2">
+              <a:schemeClr val="accent1">
+                <a:shade val="50000"/>
+              </a:schemeClr>
+            </a:lnRef>
+            <a:fillRef idx="1">
+              <a:schemeClr val="accent1"/>
+            </a:fillRef>
+            <a:effectRef idx="0">
+              <a:schemeClr val="accent1"/>
+            </a:effectRef>
+            <a:fontRef idx="minor">
+              <a:schemeClr val="lt1"/>
+            </a:fontRef>
+          </p:style>
+          <p:txBody>
+            <a:bodyPr rot="0" spcFirstLastPara="0" vertOverflow="overflow" horzOverflow="overflow" vert="horz" wrap="square" lIns="91440" tIns="91440" rIns="91440" bIns="45720" numCol="1" spcCol="0" rtlCol="0" fromWordArt="0" anchor="t" anchorCtr="0" forceAA="0" compatLnSpc="1">
+              <a:prstTxWarp prst="textNoShape">
+                <a:avLst/>
+              </a:prstTxWarp>
+              <a:noAutofit/>
+            </a:bodyPr>
+            <a:lstStyle/>
+            <a:p>
+              <a:r>
+                <a:rPr lang="en-US" sz="1200" dirty="0">
+                  <a:solidFill>
+                    <a:srgbClr val="AAB7B8"/>
+                  </a:solidFill>
+                  <a:latin typeface="Amazon Ember" panose="020B0603020204020204" pitchFamily="34" charset="0"/>
+                  <a:ea typeface="Amazon Ember" panose="020B0603020204020204" pitchFamily="34" charset="0"/>
+                  <a:cs typeface="Amazon Ember" panose="020B0603020204020204" pitchFamily="34" charset="0"/>
+                </a:rPr>
+                <a:t>Checkout event processing pipeline</a:t>
+              </a:r>
+            </a:p>
+          </p:txBody>
+        </p:sp>
+        <p:sp>
+          <p:nvSpPr>
+            <p:cNvPr id="51" name="TextBox 50">
+              <a:extLst>
+                <a:ext uri="{FF2B5EF4-FFF2-40B4-BE49-F238E27FC236}">
+                  <a16:creationId xmlns:a16="http://schemas.microsoft.com/office/drawing/2014/main" id="{E04D4CB1-3677-E94A-9531-AD7CEA7A9C30}"/>
+                </a:ext>
+              </a:extLst>
+            </p:cNvPr>
+            <p:cNvSpPr txBox="1"/>
+            <p:nvPr/>
+          </p:nvSpPr>
+          <p:spPr>
+            <a:xfrm>
+              <a:off x="7055274" y="4511716"/>
+              <a:ext cx="1329514" cy="430887"/>
+            </a:xfrm>
+            <a:prstGeom prst="rect">
+              <a:avLst/>
+            </a:prstGeom>
+            <a:noFill/>
+          </p:spPr>
+          <p:txBody>
+            <a:bodyPr wrap="square" rtlCol="0">
+              <a:spAutoFit/>
+            </a:bodyPr>
+            <a:lstStyle/>
+            <a:p>
+              <a:pPr algn="ctr"/>
+              <a:r>
+                <a:rPr lang="en-US" sz="1100" i="1" dirty="0">
+                  <a:solidFill>
+                    <a:schemeClr val="bg1"/>
+                  </a:solidFill>
+                  <a:latin typeface="Amazon Ember" panose="020B0603020204020204" pitchFamily="34" charset="0"/>
+                  <a:ea typeface="Amazon Ember" panose="020B0603020204020204" pitchFamily="34" charset="0"/>
+                  <a:cs typeface="Amazon Ember" panose="020B0603020204020204" pitchFamily="34" charset="0"/>
+                </a:rPr>
+                <a:t>filtered orders (amount &gt;= $100)</a:t>
+              </a:r>
+            </a:p>
+          </p:txBody>
+        </p:sp>
+        <p:cxnSp>
+          <p:nvCxnSpPr>
+            <p:cNvPr id="58" name="Elbow Connector 57">
+              <a:extLst>
+                <a:ext uri="{FF2B5EF4-FFF2-40B4-BE49-F238E27FC236}">
+                  <a16:creationId xmlns:a16="http://schemas.microsoft.com/office/drawing/2014/main" id="{9BB000A5-E418-6C4F-A9A8-61CD57989414}"/>
+                </a:ext>
+              </a:extLst>
+            </p:cNvPr>
+            <p:cNvCxnSpPr>
+              <a:cxnSpLocks/>
+              <a:stCxn id="36" idx="3"/>
+              <a:endCxn id="65" idx="1"/>
+            </p:cNvCxnSpPr>
+            <p:nvPr/>
+          </p:nvCxnSpPr>
+          <p:spPr>
+            <a:xfrm flipV="1">
+              <a:off x="5938513" y="1686498"/>
+              <a:ext cx="1495768" cy="2938051"/>
+            </a:xfrm>
+            <a:prstGeom prst="bentConnector3">
+              <a:avLst>
+                <a:gd name="adj1" fmla="val 33614"/>
+              </a:avLst>
+            </a:prstGeom>
+            <a:ln>
+              <a:solidFill>
+                <a:schemeClr val="bg1"/>
+              </a:solidFill>
+              <a:headEnd type="none" w="med" len="med"/>
+              <a:tailEnd type="arrow" w="med" len="med"/>
+            </a:ln>
+          </p:spPr>
+          <p:style>
+            <a:lnRef idx="1">
+              <a:schemeClr val="accent1"/>
+            </a:lnRef>
+            <a:fillRef idx="0">
+              <a:schemeClr val="accent1"/>
+            </a:fillRef>
+            <a:effectRef idx="0">
+              <a:schemeClr val="accent1"/>
+            </a:effectRef>
+            <a:fontRef idx="minor">
+              <a:schemeClr val="tx1"/>
+            </a:fontRef>
+          </p:style>
+        </p:cxnSp>
+        <p:cxnSp>
+          <p:nvCxnSpPr>
+            <p:cNvPr id="59" name="Elbow Connector 58">
+              <a:extLst>
+                <a:ext uri="{FF2B5EF4-FFF2-40B4-BE49-F238E27FC236}">
+                  <a16:creationId xmlns:a16="http://schemas.microsoft.com/office/drawing/2014/main" id="{2765BE08-32AC-F144-A52F-EB6D12767267}"/>
+                </a:ext>
+              </a:extLst>
+            </p:cNvPr>
+            <p:cNvCxnSpPr>
+              <a:cxnSpLocks/>
+              <a:stCxn id="36" idx="3"/>
+              <a:endCxn id="54" idx="1"/>
+            </p:cNvCxnSpPr>
+            <p:nvPr/>
+          </p:nvCxnSpPr>
+          <p:spPr>
+            <a:xfrm flipV="1">
+              <a:off x="5938513" y="3515504"/>
+              <a:ext cx="1009042" cy="1109045"/>
+            </a:xfrm>
+            <a:prstGeom prst="bentConnector3">
+              <a:avLst>
+                <a:gd name="adj1" fmla="val 50000"/>
+              </a:avLst>
+            </a:prstGeom>
+            <a:ln>
+              <a:solidFill>
+                <a:schemeClr val="bg1"/>
+              </a:solidFill>
+              <a:headEnd type="none" w="med" len="med"/>
+              <a:tailEnd type="arrow" w="med" len="med"/>
+            </a:ln>
+          </p:spPr>
+          <p:style>
+            <a:lnRef idx="1">
+              <a:schemeClr val="accent1"/>
+            </a:lnRef>
+            <a:fillRef idx="0">
+              <a:schemeClr val="accent1"/>
+            </a:fillRef>
+            <a:effectRef idx="0">
+              <a:schemeClr val="accent1"/>
+            </a:effectRef>
+            <a:fontRef idx="minor">
+              <a:schemeClr val="tx1"/>
+            </a:fontRef>
+          </p:style>
+        </p:cxnSp>
+        <p:cxnSp>
+          <p:nvCxnSpPr>
+            <p:cNvPr id="68" name="Elbow Connector 67">
+              <a:extLst>
+                <a:ext uri="{FF2B5EF4-FFF2-40B4-BE49-F238E27FC236}">
+                  <a16:creationId xmlns:a16="http://schemas.microsoft.com/office/drawing/2014/main" id="{E6469192-7DCC-E444-A82D-337986E99433}"/>
+                </a:ext>
+              </a:extLst>
+            </p:cNvPr>
+            <p:cNvCxnSpPr>
+              <a:cxnSpLocks/>
+              <a:stCxn id="36" idx="3"/>
+              <a:endCxn id="33" idx="1"/>
+            </p:cNvCxnSpPr>
+            <p:nvPr/>
+          </p:nvCxnSpPr>
+          <p:spPr>
+            <a:xfrm>
+              <a:off x="5938513" y="4624549"/>
+              <a:ext cx="1009042" cy="1109045"/>
+            </a:xfrm>
+            <a:prstGeom prst="bentConnector3">
+              <a:avLst>
+                <a:gd name="adj1" fmla="val 50000"/>
+              </a:avLst>
+            </a:prstGeom>
+            <a:ln>
+              <a:solidFill>
+                <a:schemeClr val="bg1"/>
+              </a:solidFill>
+              <a:headEnd type="none" w="med" len="med"/>
+              <a:tailEnd type="arrow" w="med" len="med"/>
+            </a:ln>
+          </p:spPr>
+          <p:style>
+            <a:lnRef idx="1">
+              <a:schemeClr val="accent1"/>
+            </a:lnRef>
+            <a:fillRef idx="0">
+              <a:schemeClr val="accent1"/>
+            </a:fillRef>
+            <a:effectRef idx="0">
+              <a:schemeClr val="accent1"/>
+            </a:effectRef>
+            <a:fontRef idx="minor">
+              <a:schemeClr val="tx1"/>
+            </a:fontRef>
+          </p:style>
+        </p:cxnSp>
+        <p:cxnSp>
+          <p:nvCxnSpPr>
+            <p:cNvPr id="72" name="Straight Arrow Connector 71">
+              <a:extLst>
+                <a:ext uri="{FF2B5EF4-FFF2-40B4-BE49-F238E27FC236}">
+                  <a16:creationId xmlns:a16="http://schemas.microsoft.com/office/drawing/2014/main" id="{A1CDDDD8-248F-C942-8E86-AD5EACABF8DD}"/>
+                </a:ext>
+              </a:extLst>
+            </p:cNvPr>
+            <p:cNvCxnSpPr>
+              <a:cxnSpLocks/>
+              <a:stCxn id="36" idx="3"/>
+              <a:endCxn id="27" idx="1"/>
+            </p:cNvCxnSpPr>
+            <p:nvPr/>
+          </p:nvCxnSpPr>
+          <p:spPr>
+            <a:xfrm>
+              <a:off x="5938513" y="4624549"/>
+              <a:ext cx="1009042" cy="0"/>
+            </a:xfrm>
+            <a:prstGeom prst="straightConnector1">
+              <a:avLst/>
+            </a:prstGeom>
+            <a:ln>
+              <a:solidFill>
+                <a:schemeClr val="bg1"/>
+              </a:solidFill>
+              <a:headEnd type="none" w="med" len="med"/>
+              <a:tailEnd type="arrow" w="med" len="med"/>
+            </a:ln>
+          </p:spPr>
+          <p:style>
+            <a:lnRef idx="1">
+              <a:schemeClr val="accent1"/>
+            </a:lnRef>
+            <a:fillRef idx="0">
+              <a:schemeClr val="accent1"/>
+            </a:fillRef>
+            <a:effectRef idx="0">
+              <a:schemeClr val="accent1"/>
+            </a:effectRef>
+            <a:fontRef idx="minor">
+              <a:schemeClr val="tx1"/>
+            </a:fontRef>
+          </p:style>
+        </p:cxnSp>
+        <p:cxnSp>
+          <p:nvCxnSpPr>
+            <p:cNvPr id="75" name="Elbow Connector 74">
+              <a:extLst>
+                <a:ext uri="{FF2B5EF4-FFF2-40B4-BE49-F238E27FC236}">
+                  <a16:creationId xmlns:a16="http://schemas.microsoft.com/office/drawing/2014/main" id="{F5789701-D27F-A84C-9D6A-0CF14F98BC51}"/>
+                </a:ext>
+              </a:extLst>
+            </p:cNvPr>
+            <p:cNvCxnSpPr>
+              <a:cxnSpLocks/>
+              <a:stCxn id="33" idx="3"/>
+              <a:endCxn id="65" idx="0"/>
+            </p:cNvCxnSpPr>
+            <p:nvPr/>
+          </p:nvCxnSpPr>
+          <p:spPr>
+            <a:xfrm flipH="1" flipV="1">
+              <a:off x="7720031" y="1400748"/>
+              <a:ext cx="1783512" cy="4332846"/>
+            </a:xfrm>
+            <a:prstGeom prst="bentConnector4">
+              <a:avLst>
+                <a:gd name="adj1" fmla="val -123813"/>
+                <a:gd name="adj2" fmla="val 108539"/>
+              </a:avLst>
+            </a:prstGeom>
+            <a:ln>
+              <a:solidFill>
+                <a:schemeClr val="bg1"/>
+              </a:solidFill>
+              <a:headEnd type="none" w="med" len="med"/>
+              <a:tailEnd type="arrow" w="med" len="med"/>
+            </a:ln>
+          </p:spPr>
+          <p:style>
+            <a:lnRef idx="1">
+              <a:schemeClr val="accent1"/>
+            </a:lnRef>
+            <a:fillRef idx="0">
+              <a:schemeClr val="accent1"/>
+            </a:fillRef>
+            <a:effectRef idx="0">
+              <a:schemeClr val="accent1"/>
+            </a:effectRef>
+            <a:fontRef idx="minor">
+              <a:schemeClr val="tx1"/>
+            </a:fontRef>
+          </p:style>
+        </p:cxnSp>
+        <p:sp>
+          <p:nvSpPr>
+            <p:cNvPr id="79" name="TextBox 78">
+              <a:extLst>
+                <a:ext uri="{FF2B5EF4-FFF2-40B4-BE49-F238E27FC236}">
+                  <a16:creationId xmlns:a16="http://schemas.microsoft.com/office/drawing/2014/main" id="{DDB2766C-2E3C-8144-BEB8-2FFBBE30F3B9}"/>
+                </a:ext>
+              </a:extLst>
+            </p:cNvPr>
+            <p:cNvSpPr txBox="1"/>
+            <p:nvPr/>
+          </p:nvSpPr>
+          <p:spPr>
+            <a:xfrm>
+              <a:off x="9662651" y="5798019"/>
+              <a:ext cx="1979791" cy="261610"/>
+            </a:xfrm>
+            <a:prstGeom prst="rect">
+              <a:avLst/>
+            </a:prstGeom>
+            <a:noFill/>
+          </p:spPr>
+          <p:txBody>
+            <a:bodyPr wrap="square" rtlCol="0">
+              <a:spAutoFit/>
+            </a:bodyPr>
+            <a:lstStyle/>
+            <a:p>
+              <a:pPr algn="ctr"/>
+              <a:r>
+                <a:rPr lang="en-US" sz="1100" i="1" dirty="0">
+                  <a:solidFill>
+                    <a:schemeClr val="bg1"/>
+                  </a:solidFill>
+                  <a:latin typeface="Amazon Ember" panose="020B0603020204020204" pitchFamily="34" charset="0"/>
+                  <a:ea typeface="Amazon Ember" panose="020B0603020204020204" pitchFamily="34" charset="0"/>
+                  <a:cs typeface="Amazon Ember" panose="020B0603020204020204" pitchFamily="34" charset="0"/>
+                </a:rPr>
+                <a:t>orders to replay</a:t>
+              </a:r>
+            </a:p>
+          </p:txBody>
+        </p:sp>
+        <p:cxnSp>
+          <p:nvCxnSpPr>
+            <p:cNvPr id="84" name="Straight Arrow Connector 83">
+              <a:extLst>
+                <a:ext uri="{FF2B5EF4-FFF2-40B4-BE49-F238E27FC236}">
+                  <a16:creationId xmlns:a16="http://schemas.microsoft.com/office/drawing/2014/main" id="{D028930E-B0D6-094C-B731-45EF64795DF1}"/>
+                </a:ext>
+              </a:extLst>
+            </p:cNvPr>
+            <p:cNvCxnSpPr>
+              <a:cxnSpLocks/>
+              <a:stCxn id="38" idx="3"/>
+              <a:endCxn id="21" idx="1"/>
+            </p:cNvCxnSpPr>
+            <p:nvPr/>
+          </p:nvCxnSpPr>
+          <p:spPr>
+            <a:xfrm>
+              <a:off x="1153596" y="4624549"/>
+              <a:ext cx="961732" cy="0"/>
+            </a:xfrm>
+            <a:prstGeom prst="straightConnector1">
+              <a:avLst/>
+            </a:prstGeom>
+            <a:ln>
+              <a:solidFill>
+                <a:schemeClr val="bg1"/>
+              </a:solidFill>
+              <a:headEnd type="none" w="med" len="med"/>
+              <a:tailEnd type="arrow" w="med" len="med"/>
+            </a:ln>
+          </p:spPr>
+          <p:style>
+            <a:lnRef idx="1">
+              <a:schemeClr val="accent1"/>
+            </a:lnRef>
+            <a:fillRef idx="0">
+              <a:schemeClr val="accent1"/>
+            </a:fillRef>
+            <a:effectRef idx="0">
+              <a:schemeClr val="accent1"/>
+            </a:effectRef>
+            <a:fontRef idx="minor">
+              <a:schemeClr val="tx1"/>
+            </a:fontRef>
+          </p:style>
+        </p:cxnSp>
+        <p:sp>
+          <p:nvSpPr>
+            <p:cNvPr id="87" name="TextBox 86">
+              <a:extLst>
+                <a:ext uri="{FF2B5EF4-FFF2-40B4-BE49-F238E27FC236}">
+                  <a16:creationId xmlns:a16="http://schemas.microsoft.com/office/drawing/2014/main" id="{F22F656C-29D2-984E-8590-177914124106}"/>
+                </a:ext>
+              </a:extLst>
+            </p:cNvPr>
+            <p:cNvSpPr txBox="1"/>
+            <p:nvPr/>
+          </p:nvSpPr>
+          <p:spPr>
+            <a:xfrm>
+              <a:off x="4407919" y="4123353"/>
+              <a:ext cx="949658" cy="430887"/>
+            </a:xfrm>
+            <a:prstGeom prst="rect">
+              <a:avLst/>
+            </a:prstGeom>
+            <a:noFill/>
+          </p:spPr>
+          <p:txBody>
+            <a:bodyPr wrap="square" rtlCol="0">
+              <a:spAutoFit/>
+            </a:bodyPr>
+            <a:lstStyle/>
+            <a:p>
+              <a:pPr algn="ctr"/>
+              <a:r>
+                <a:rPr lang="en-US" sz="1100" i="1" dirty="0">
+                  <a:solidFill>
+                    <a:schemeClr val="bg1"/>
+                  </a:solidFill>
+                  <a:latin typeface="Amazon Ember" panose="020B0603020204020204" pitchFamily="34" charset="0"/>
+                  <a:ea typeface="Amazon Ember" panose="020B0603020204020204" pitchFamily="34" charset="0"/>
+                  <a:cs typeface="Amazon Ember" panose="020B0603020204020204" pitchFamily="34" charset="0"/>
+                </a:rPr>
+                <a:t>all</a:t>
+              </a:r>
+            </a:p>
+            <a:p>
+              <a:pPr algn="ctr"/>
+              <a:r>
+                <a:rPr lang="en-US" sz="1100" i="1" dirty="0">
+                  <a:solidFill>
+                    <a:schemeClr val="bg1"/>
+                  </a:solidFill>
+                  <a:latin typeface="Amazon Ember" panose="020B0603020204020204" pitchFamily="34" charset="0"/>
+                  <a:ea typeface="Amazon Ember" panose="020B0603020204020204" pitchFamily="34" charset="0"/>
+                  <a:cs typeface="Amazon Ember" panose="020B0603020204020204" pitchFamily="34" charset="0"/>
+                </a:rPr>
+                <a:t>orders</a:t>
+              </a:r>
+            </a:p>
+          </p:txBody>
+        </p:sp>
+        <p:pic>
+          <p:nvPicPr>
+            <p:cNvPr id="20" name="Graphic 19">
+              <a:extLst>
+                <a:ext uri="{FF2B5EF4-FFF2-40B4-BE49-F238E27FC236}">
+                  <a16:creationId xmlns:a16="http://schemas.microsoft.com/office/drawing/2014/main" id="{71BDD0AA-70AA-F24B-B581-39BEE76DEB2C}"/>
+                </a:ext>
+              </a:extLst>
+            </p:cNvPr>
+            <p:cNvPicPr>
+              <a:picLocks noChangeAspect="1"/>
+            </p:cNvPicPr>
+            <p:nvPr/>
+          </p:nvPicPr>
+          <p:blipFill>
+            <a:blip r:embed="rId4">
+              <a:extLst>
+                <a:ext uri="{96DAC541-7B7A-43D3-8B79-37D633B846F1}">
+                  <asvg:svgBlip xmlns:asvg="http://schemas.microsoft.com/office/drawing/2016/SVG/main" r:embed="rId5"/>
+                </a:ext>
+              </a:extLst>
+            </a:blip>
+            <a:stretch>
+              <a:fillRect/>
+            </a:stretch>
+          </p:blipFill>
+          <p:spPr>
+            <a:xfrm>
+              <a:off x="296346" y="1083401"/>
+              <a:ext cx="1143000" cy="1143000"/>
+            </a:xfrm>
+            <a:prstGeom prst="rect">
+              <a:avLst/>
+            </a:prstGeom>
+          </p:spPr>
+        </p:pic>
+        <p:pic>
+          <p:nvPicPr>
+            <p:cNvPr id="21" name="Graphic 20">
+              <a:extLst>
+                <a:ext uri="{FF2B5EF4-FFF2-40B4-BE49-F238E27FC236}">
+                  <a16:creationId xmlns:a16="http://schemas.microsoft.com/office/drawing/2014/main" id="{730592ED-DFA4-2643-9245-9814826D6BB8}"/>
+                </a:ext>
+              </a:extLst>
+            </p:cNvPr>
+            <p:cNvPicPr>
+              <a:picLocks noChangeAspect="1"/>
+            </p:cNvPicPr>
+            <p:nvPr/>
+          </p:nvPicPr>
+          <p:blipFill>
+            <a:blip r:embed="rId6">
+              <a:extLst>
+                <a:ext uri="{96DAC541-7B7A-43D3-8B79-37D633B846F1}">
+                  <asvg:svgBlip xmlns:asvg="http://schemas.microsoft.com/office/drawing/2016/SVG/main" r:embed="rId7"/>
+                </a:ext>
+              </a:extLst>
+            </a:blip>
+            <a:stretch>
+              <a:fillRect/>
+            </a:stretch>
+          </p:blipFill>
+          <p:spPr>
+            <a:xfrm>
+              <a:off x="2115328" y="4078449"/>
+              <a:ext cx="762000" cy="1092200"/>
+            </a:xfrm>
+            <a:prstGeom prst="rect">
+              <a:avLst/>
+            </a:prstGeom>
+          </p:spPr>
+        </p:pic>
+        <p:pic>
+          <p:nvPicPr>
+            <p:cNvPr id="23" name="Graphic 22">
+              <a:extLst>
+                <a:ext uri="{FF2B5EF4-FFF2-40B4-BE49-F238E27FC236}">
+                  <a16:creationId xmlns:a16="http://schemas.microsoft.com/office/drawing/2014/main" id="{8FFB6A90-205D-A346-ACEF-960A3F16D4B1}"/>
+                </a:ext>
+              </a:extLst>
+            </p:cNvPr>
+            <p:cNvPicPr>
+              <a:picLocks noChangeAspect="1"/>
+            </p:cNvPicPr>
+            <p:nvPr/>
+          </p:nvPicPr>
+          <p:blipFill>
+            <a:blip r:embed="rId8">
+              <a:extLst>
+                <a:ext uri="{96DAC541-7B7A-43D3-8B79-37D633B846F1}">
+                  <asvg:svgBlip xmlns:asvg="http://schemas.microsoft.com/office/drawing/2016/SVG/main" r:embed="rId9"/>
+                </a:ext>
+              </a:extLst>
+            </a:blip>
+            <a:stretch>
+              <a:fillRect/>
+            </a:stretch>
+          </p:blipFill>
+          <p:spPr>
+            <a:xfrm>
+              <a:off x="3836421" y="4338799"/>
+              <a:ext cx="571500" cy="571500"/>
+            </a:xfrm>
+            <a:prstGeom prst="rect">
+              <a:avLst/>
+            </a:prstGeom>
+          </p:spPr>
+        </p:pic>
+        <p:grpSp>
+          <p:nvGrpSpPr>
+            <p:cNvPr id="2" name="Group 1">
+              <a:extLst>
+                <a:ext uri="{FF2B5EF4-FFF2-40B4-BE49-F238E27FC236}">
+                  <a16:creationId xmlns:a16="http://schemas.microsoft.com/office/drawing/2014/main" id="{1512E020-B09A-6143-9DB8-5CCF0A476D1A}"/>
+                </a:ext>
+              </a:extLst>
+            </p:cNvPr>
+            <p:cNvGrpSpPr/>
+            <p:nvPr/>
+          </p:nvGrpSpPr>
+          <p:grpSpPr>
+            <a:xfrm>
+              <a:off x="1734532" y="207390"/>
+              <a:ext cx="10246936" cy="6268824"/>
+              <a:chOff x="1734532" y="130507"/>
+              <a:chExt cx="9964132" cy="6579856"/>
+            </a:xfrm>
+          </p:grpSpPr>
+          <p:pic>
+            <p:nvPicPr>
+              <p:cNvPr id="29" name="Graphic 28">
+                <a:extLst>
+                  <a:ext uri="{FF2B5EF4-FFF2-40B4-BE49-F238E27FC236}">
+                    <a16:creationId xmlns:a16="http://schemas.microsoft.com/office/drawing/2014/main" id="{898BB8D9-8E1A-5F4F-ABF5-C9C8D88AEE38}"/>
+                  </a:ext>
+                </a:extLst>
+              </p:cNvPr>
+              <p:cNvPicPr>
+                <a:picLocks noChangeAspect="1"/>
+              </p:cNvPicPr>
+              <p:nvPr/>
+            </p:nvPicPr>
+            <p:blipFill>
+              <a:blip r:embed="rId10">
+                <a:extLst>
+                  <a:ext uri="{96DAC541-7B7A-43D3-8B79-37D633B846F1}">
+                    <asvg:svgBlip xmlns:asvg="http://schemas.microsoft.com/office/drawing/2016/SVG/main" r:embed="rId11"/>
+                  </a:ext>
+                </a:extLst>
+              </a:blip>
+              <a:stretch>
+                <a:fillRect/>
+              </a:stretch>
+            </p:blipFill>
+            <p:spPr>
+              <a:xfrm>
+                <a:off x="1734532" y="130507"/>
+                <a:ext cx="342900" cy="342900"/>
+              </a:xfrm>
+              <a:prstGeom prst="rect">
+                <a:avLst/>
+              </a:prstGeom>
+            </p:spPr>
+          </p:pic>
+          <p:sp>
+            <p:nvSpPr>
+              <p:cNvPr id="30" name="Rectangle 29">
+                <a:extLst>
+                  <a:ext uri="{FF2B5EF4-FFF2-40B4-BE49-F238E27FC236}">
+                    <a16:creationId xmlns:a16="http://schemas.microsoft.com/office/drawing/2014/main" id="{6E16C925-BD1D-4346-8263-C21B2A954AFB}"/>
+                  </a:ext>
+                </a:extLst>
+              </p:cNvPr>
+              <p:cNvSpPr/>
+              <p:nvPr/>
+            </p:nvSpPr>
+            <p:spPr>
+              <a:xfrm>
+                <a:off x="1734532" y="130507"/>
+                <a:ext cx="9964132" cy="6579856"/>
+              </a:xfrm>
+              <a:prstGeom prst="rect">
+                <a:avLst/>
+              </a:prstGeom>
+              <a:noFill/>
+              <a:ln w="12700">
+                <a:solidFill>
+                  <a:srgbClr val="AAB7B8"/>
+                </a:solidFill>
+              </a:ln>
+            </p:spPr>
+            <p:style>
+              <a:lnRef idx="2">
+                <a:schemeClr val="accent1">
+                  <a:shade val="50000"/>
+                </a:schemeClr>
+              </a:lnRef>
+              <a:fillRef idx="1">
+                <a:schemeClr val="accent1"/>
+              </a:fillRef>
+              <a:effectRef idx="0">
+                <a:schemeClr val="accent1"/>
+              </a:effectRef>
+              <a:fontRef idx="minor">
+                <a:schemeClr val="lt1"/>
+              </a:fontRef>
+            </p:style>
+            <p:txBody>
+              <a:bodyPr rot="0" spcFirstLastPara="0" vertOverflow="overflow" horzOverflow="overflow" vert="horz" wrap="square" lIns="457200" tIns="91440" rIns="91440" bIns="45720" numCol="1" spcCol="0" rtlCol="0" fromWordArt="0" anchor="t" anchorCtr="0" forceAA="0" compatLnSpc="1">
+                <a:prstTxWarp prst="textNoShape">
+                  <a:avLst/>
+                </a:prstTxWarp>
+                <a:noAutofit/>
+              </a:bodyPr>
+              <a:lstStyle/>
+              <a:p>
+                <a:pPr algn="l"/>
+                <a:r>
+                  <a:rPr lang="en-US" sz="1200" dirty="0">
+                    <a:solidFill>
+                      <a:srgbClr val="AAB7B8"/>
+                    </a:solidFill>
+                  </a:rPr>
+                  <a:t>AWS Cloud</a:t>
+                </a:r>
+              </a:p>
+            </p:txBody>
+          </p:sp>
+        </p:grpSp>
+        <p:sp>
+          <p:nvSpPr>
+            <p:cNvPr id="35" name="TextBox 34">
+              <a:extLst>
+                <a:ext uri="{FF2B5EF4-FFF2-40B4-BE49-F238E27FC236}">
+                  <a16:creationId xmlns:a16="http://schemas.microsoft.com/office/drawing/2014/main" id="{874F2F32-C0D6-6C49-9F75-6DE2AB3368C4}"/>
+                </a:ext>
+              </a:extLst>
+            </p:cNvPr>
+            <p:cNvSpPr txBox="1"/>
+            <p:nvPr/>
+          </p:nvSpPr>
+          <p:spPr>
+            <a:xfrm>
+              <a:off x="327016" y="2250788"/>
+              <a:ext cx="1081661" cy="430887"/>
+            </a:xfrm>
+            <a:prstGeom prst="rect">
+              <a:avLst/>
+            </a:prstGeom>
+            <a:noFill/>
+          </p:spPr>
+          <p:txBody>
+            <a:bodyPr wrap="square" rtlCol="0">
+              <a:spAutoFit/>
+            </a:bodyPr>
+            <a:lstStyle/>
+            <a:p>
+              <a:pPr algn="ctr"/>
+              <a:r>
+                <a:rPr lang="en-US" sz="1100" dirty="0">
+                  <a:solidFill>
+                    <a:schemeClr val="bg1"/>
+                  </a:solidFill>
+                  <a:latin typeface="Amazon Ember" panose="020B0603020204020204" pitchFamily="34" charset="0"/>
+                  <a:ea typeface="Amazon Ember" panose="020B0603020204020204" pitchFamily="34" charset="0"/>
+                  <a:cs typeface="Amazon Ember" panose="020B0603020204020204" pitchFamily="34" charset="0"/>
+                </a:rPr>
+                <a:t>E-Commerce Users</a:t>
+              </a:r>
+            </a:p>
+          </p:txBody>
+        </p:sp>
+        <p:pic>
+          <p:nvPicPr>
+            <p:cNvPr id="38" name="Graphic 37">
+              <a:extLst>
+                <a:ext uri="{FF2B5EF4-FFF2-40B4-BE49-F238E27FC236}">
+                  <a16:creationId xmlns:a16="http://schemas.microsoft.com/office/drawing/2014/main" id="{ED0C335E-2B14-A748-BBDD-619EBEC7ED39}"/>
+                </a:ext>
+              </a:extLst>
+            </p:cNvPr>
+            <p:cNvPicPr>
+              <a:picLocks noChangeAspect="1"/>
+            </p:cNvPicPr>
+            <p:nvPr/>
+          </p:nvPicPr>
+          <p:blipFill>
+            <a:blip r:embed="rId12">
+              <a:extLst>
+                <a:ext uri="{96DAC541-7B7A-43D3-8B79-37D633B846F1}">
+                  <asvg:svgBlip xmlns:asvg="http://schemas.microsoft.com/office/drawing/2016/SVG/main" r:embed="rId13"/>
+                </a:ext>
+              </a:extLst>
+            </a:blip>
+            <a:stretch>
+              <a:fillRect/>
+            </a:stretch>
+          </p:blipFill>
+          <p:spPr>
+            <a:xfrm>
+              <a:off x="582096" y="4338799"/>
+              <a:ext cx="571500" cy="571500"/>
+            </a:xfrm>
+            <a:prstGeom prst="rect">
+              <a:avLst/>
+            </a:prstGeom>
+          </p:spPr>
+        </p:pic>
+        <p:sp>
+          <p:nvSpPr>
+            <p:cNvPr id="40" name="TextBox 39">
+              <a:extLst>
+                <a:ext uri="{FF2B5EF4-FFF2-40B4-BE49-F238E27FC236}">
+                  <a16:creationId xmlns:a16="http://schemas.microsoft.com/office/drawing/2014/main" id="{90BAE9FB-9177-DB49-9AF0-DDF673A486B1}"/>
+                </a:ext>
+              </a:extLst>
+            </p:cNvPr>
+            <p:cNvSpPr txBox="1"/>
+            <p:nvPr/>
+          </p:nvSpPr>
+          <p:spPr>
+            <a:xfrm>
+              <a:off x="327016" y="5035721"/>
+              <a:ext cx="1081661" cy="261610"/>
+            </a:xfrm>
+            <a:prstGeom prst="rect">
+              <a:avLst/>
+            </a:prstGeom>
+            <a:noFill/>
+          </p:spPr>
+          <p:txBody>
+            <a:bodyPr wrap="square" rtlCol="0">
+              <a:spAutoFit/>
+            </a:bodyPr>
+            <a:lstStyle/>
+            <a:p>
+              <a:pPr algn="ctr"/>
+              <a:r>
+                <a:rPr lang="en-US" sz="1100" dirty="0">
+                  <a:solidFill>
+                    <a:schemeClr val="bg1"/>
+                  </a:solidFill>
+                  <a:latin typeface="Amazon Ember" panose="020B0603020204020204" pitchFamily="34" charset="0"/>
+                  <a:ea typeface="Amazon Ember" panose="020B0603020204020204" pitchFamily="34" charset="0"/>
+                  <a:cs typeface="Amazon Ember" panose="020B0603020204020204" pitchFamily="34" charset="0"/>
+                </a:rPr>
+                <a:t>Internet</a:t>
+              </a:r>
+            </a:p>
+          </p:txBody>
+        </p:sp>
+        <p:cxnSp>
+          <p:nvCxnSpPr>
+            <p:cNvPr id="41" name="Straight Arrow Connector 40">
+              <a:extLst>
+                <a:ext uri="{FF2B5EF4-FFF2-40B4-BE49-F238E27FC236}">
+                  <a16:creationId xmlns:a16="http://schemas.microsoft.com/office/drawing/2014/main" id="{9D53AD2A-47A8-004B-8DE6-3BE3C9DE088D}"/>
+                </a:ext>
+              </a:extLst>
+            </p:cNvPr>
+            <p:cNvCxnSpPr>
+              <a:cxnSpLocks/>
+              <a:stCxn id="35" idx="2"/>
+            </p:cNvCxnSpPr>
+            <p:nvPr/>
+          </p:nvCxnSpPr>
+          <p:spPr>
+            <a:xfrm>
+              <a:off x="867847" y="2681675"/>
+              <a:ext cx="2639" cy="1657122"/>
+            </a:xfrm>
+            <a:prstGeom prst="straightConnector1">
+              <a:avLst/>
+            </a:prstGeom>
+            <a:ln>
+              <a:solidFill>
+                <a:schemeClr val="bg1"/>
+              </a:solidFill>
+              <a:headEnd type="none" w="med" len="med"/>
+              <a:tailEnd type="arrow" w="med" len="med"/>
+            </a:ln>
+          </p:spPr>
+          <p:style>
+            <a:lnRef idx="1">
+              <a:schemeClr val="accent1"/>
+            </a:lnRef>
+            <a:fillRef idx="0">
+              <a:schemeClr val="accent1"/>
+            </a:fillRef>
+            <a:effectRef idx="0">
+              <a:schemeClr val="accent1"/>
+            </a:effectRef>
+            <a:fontRef idx="minor">
+              <a:schemeClr val="tx1"/>
+            </a:fontRef>
+          </p:style>
+        </p:cxnSp>
+        <p:cxnSp>
+          <p:nvCxnSpPr>
+            <p:cNvPr id="52" name="Straight Arrow Connector 51">
+              <a:extLst>
+                <a:ext uri="{FF2B5EF4-FFF2-40B4-BE49-F238E27FC236}">
+                  <a16:creationId xmlns:a16="http://schemas.microsoft.com/office/drawing/2014/main" id="{9E20DB65-B50B-0F4F-B232-7015DA39D432}"/>
+                </a:ext>
+              </a:extLst>
+            </p:cNvPr>
+            <p:cNvCxnSpPr>
+              <a:cxnSpLocks/>
+              <a:stCxn id="21" idx="3"/>
+              <a:endCxn id="23" idx="1"/>
+            </p:cNvCxnSpPr>
+            <p:nvPr/>
+          </p:nvCxnSpPr>
+          <p:spPr>
+            <a:xfrm>
+              <a:off x="2877328" y="4624549"/>
+              <a:ext cx="959093" cy="0"/>
+            </a:xfrm>
+            <a:prstGeom prst="straightConnector1">
+              <a:avLst/>
+            </a:prstGeom>
+            <a:ln>
+              <a:solidFill>
+                <a:schemeClr val="bg1"/>
+              </a:solidFill>
+              <a:headEnd type="none" w="med" len="med"/>
+              <a:tailEnd type="arrow" w="med" len="med"/>
+            </a:ln>
+          </p:spPr>
+          <p:style>
+            <a:lnRef idx="1">
+              <a:schemeClr val="accent1"/>
+            </a:lnRef>
+            <a:fillRef idx="0">
+              <a:schemeClr val="accent1"/>
+            </a:fillRef>
+            <a:effectRef idx="0">
+              <a:schemeClr val="accent1"/>
+            </a:effectRef>
+            <a:fontRef idx="minor">
+              <a:schemeClr val="tx1"/>
+            </a:fontRef>
+          </p:style>
+        </p:cxnSp>
+        <p:sp>
+          <p:nvSpPr>
+            <p:cNvPr id="56" name="TextBox 55">
+              <a:extLst>
+                <a:ext uri="{FF2B5EF4-FFF2-40B4-BE49-F238E27FC236}">
+                  <a16:creationId xmlns:a16="http://schemas.microsoft.com/office/drawing/2014/main" id="{0236DD91-3C2D-2B41-8471-68B08B3C484D}"/>
+                </a:ext>
+              </a:extLst>
+            </p:cNvPr>
+            <p:cNvSpPr txBox="1"/>
+            <p:nvPr/>
+          </p:nvSpPr>
+          <p:spPr>
+            <a:xfrm>
+              <a:off x="3254911" y="5035721"/>
+              <a:ext cx="1545981" cy="430887"/>
+            </a:xfrm>
+            <a:prstGeom prst="rect">
+              <a:avLst/>
+            </a:prstGeom>
+            <a:noFill/>
+          </p:spPr>
+          <p:txBody>
+            <a:bodyPr wrap="square" rtlCol="0">
+              <a:spAutoFit/>
+            </a:bodyPr>
+            <a:lstStyle/>
+            <a:p>
+              <a:pPr algn="ctr"/>
+              <a:r>
+                <a:rPr lang="en-US" sz="1100" dirty="0">
+                  <a:solidFill>
+                    <a:schemeClr val="bg1"/>
+                  </a:solidFill>
+                  <a:latin typeface="Amazon Ember" panose="020B0603020204020204" pitchFamily="34" charset="0"/>
+                  <a:ea typeface="Amazon Ember" panose="020B0603020204020204" pitchFamily="34" charset="0"/>
+                  <a:cs typeface="Amazon Ember" panose="020B0603020204020204" pitchFamily="34" charset="0"/>
+                </a:rPr>
+                <a:t>AWS Lambda</a:t>
+              </a:r>
+            </a:p>
+            <a:p>
+              <a:pPr algn="ctr"/>
+              <a:r>
+                <a:rPr lang="en-US" sz="1100" dirty="0">
+                  <a:solidFill>
+                    <a:schemeClr val="bg1"/>
+                  </a:solidFill>
+                  <a:latin typeface="Amazon Ember" panose="020B0603020204020204" pitchFamily="34" charset="0"/>
+                  <a:ea typeface="Amazon Ember" panose="020B0603020204020204" pitchFamily="34" charset="0"/>
+                  <a:cs typeface="Amazon Ember" panose="020B0603020204020204" pitchFamily="34" charset="0"/>
+                </a:rPr>
+                <a:t>function “Checkout”</a:t>
+              </a:r>
+            </a:p>
+          </p:txBody>
+        </p:sp>
+        <p:cxnSp>
+          <p:nvCxnSpPr>
+            <p:cNvPr id="57" name="Straight Arrow Connector 56">
+              <a:extLst>
+                <a:ext uri="{FF2B5EF4-FFF2-40B4-BE49-F238E27FC236}">
+                  <a16:creationId xmlns:a16="http://schemas.microsoft.com/office/drawing/2014/main" id="{F0CD0685-115D-3F40-8E46-06338F1DF191}"/>
+                </a:ext>
+              </a:extLst>
+            </p:cNvPr>
+            <p:cNvCxnSpPr>
+              <a:cxnSpLocks/>
+              <a:stCxn id="23" idx="3"/>
+              <a:endCxn id="36" idx="1"/>
+            </p:cNvCxnSpPr>
+            <p:nvPr/>
+          </p:nvCxnSpPr>
+          <p:spPr>
+            <a:xfrm>
+              <a:off x="4407921" y="4624549"/>
+              <a:ext cx="959092" cy="0"/>
+            </a:xfrm>
+            <a:prstGeom prst="straightConnector1">
+              <a:avLst/>
+            </a:prstGeom>
+            <a:ln>
+              <a:solidFill>
+                <a:schemeClr val="bg1"/>
+              </a:solidFill>
+              <a:headEnd type="none" w="med" len="med"/>
+              <a:tailEnd type="arrow" w="med" len="med"/>
+            </a:ln>
+          </p:spPr>
+          <p:style>
+            <a:lnRef idx="1">
+              <a:schemeClr val="accent1"/>
+            </a:lnRef>
+            <a:fillRef idx="0">
+              <a:schemeClr val="accent1"/>
+            </a:fillRef>
+            <a:effectRef idx="0">
+              <a:schemeClr val="accent1"/>
+            </a:effectRef>
+            <a:fontRef idx="minor">
+              <a:schemeClr val="tx1"/>
+            </a:fontRef>
+          </p:style>
+        </p:cxnSp>
+        <p:pic>
+          <p:nvPicPr>
+            <p:cNvPr id="65" name="Graphic 64">
+              <a:extLst>
+                <a:ext uri="{FF2B5EF4-FFF2-40B4-BE49-F238E27FC236}">
+                  <a16:creationId xmlns:a16="http://schemas.microsoft.com/office/drawing/2014/main" id="{DE74C5AE-0F2C-1C4C-9F72-52B8237A2DB7}"/>
+                </a:ext>
+              </a:extLst>
+            </p:cNvPr>
+            <p:cNvPicPr>
+              <a:picLocks noChangeAspect="1"/>
+            </p:cNvPicPr>
+            <p:nvPr/>
+          </p:nvPicPr>
+          <p:blipFill>
+            <a:blip r:embed="rId14">
+              <a:extLst>
+                <a:ext uri="{96DAC541-7B7A-43D3-8B79-37D633B846F1}">
+                  <asvg:svgBlip xmlns:asvg="http://schemas.microsoft.com/office/drawing/2016/SVG/main" r:embed="rId15"/>
+                </a:ext>
+              </a:extLst>
+            </a:blip>
+            <a:stretch>
+              <a:fillRect/>
+            </a:stretch>
+          </p:blipFill>
+          <p:spPr>
+            <a:xfrm>
+              <a:off x="7434281" y="1400748"/>
+              <a:ext cx="571500" cy="571500"/>
+            </a:xfrm>
+            <a:prstGeom prst="rect">
+              <a:avLst/>
+            </a:prstGeom>
+          </p:spPr>
+        </p:pic>
+        <p:pic>
+          <p:nvPicPr>
+            <p:cNvPr id="67" name="Graphic 66">
+              <a:extLst>
+                <a:ext uri="{FF2B5EF4-FFF2-40B4-BE49-F238E27FC236}">
+                  <a16:creationId xmlns:a16="http://schemas.microsoft.com/office/drawing/2014/main" id="{80E217CE-C719-DF41-B88D-B63A05C0174F}"/>
+                </a:ext>
+              </a:extLst>
+            </p:cNvPr>
+            <p:cNvPicPr>
+              <a:picLocks noChangeAspect="1"/>
+            </p:cNvPicPr>
+            <p:nvPr/>
+          </p:nvPicPr>
+          <p:blipFill>
+            <a:blip r:embed="rId8">
+              <a:extLst>
+                <a:ext uri="{96DAC541-7B7A-43D3-8B79-37D633B846F1}">
+                  <asvg:svgBlip xmlns:asvg="http://schemas.microsoft.com/office/drawing/2016/SVG/main" r:embed="rId9"/>
+                </a:ext>
+              </a:extLst>
+            </a:blip>
+            <a:stretch>
+              <a:fillRect/>
+            </a:stretch>
+          </p:blipFill>
+          <p:spPr>
+            <a:xfrm>
+              <a:off x="8901682" y="1400748"/>
+              <a:ext cx="571500" cy="571500"/>
+            </a:xfrm>
+            <a:prstGeom prst="rect">
+              <a:avLst/>
+            </a:prstGeom>
+          </p:spPr>
+        </p:pic>
+        <p:pic>
+          <p:nvPicPr>
+            <p:cNvPr id="70" name="Graphic 69">
+              <a:extLst>
+                <a:ext uri="{FF2B5EF4-FFF2-40B4-BE49-F238E27FC236}">
+                  <a16:creationId xmlns:a16="http://schemas.microsoft.com/office/drawing/2014/main" id="{2F86774F-7DB1-FD4A-B495-79FD29A80110}"/>
+                </a:ext>
+              </a:extLst>
+            </p:cNvPr>
+            <p:cNvPicPr>
+              <a:picLocks noChangeAspect="1"/>
+            </p:cNvPicPr>
+            <p:nvPr/>
+          </p:nvPicPr>
+          <p:blipFill>
+            <a:blip r:embed="rId16">
+              <a:extLst>
+                <a:ext uri="{96DAC541-7B7A-43D3-8B79-37D633B846F1}">
+                  <asvg:svgBlip xmlns:asvg="http://schemas.microsoft.com/office/drawing/2016/SVG/main" r:embed="rId17"/>
+                </a:ext>
+              </a:extLst>
+            </a:blip>
+            <a:stretch>
+              <a:fillRect/>
+            </a:stretch>
+          </p:blipFill>
+          <p:spPr>
+            <a:xfrm>
+              <a:off x="10369083" y="1400748"/>
+              <a:ext cx="571500" cy="571500"/>
+            </a:xfrm>
+            <a:prstGeom prst="rect">
+              <a:avLst/>
+            </a:prstGeom>
+          </p:spPr>
+        </p:pic>
+        <p:cxnSp>
+          <p:nvCxnSpPr>
+            <p:cNvPr id="81" name="Straight Arrow Connector 80">
+              <a:extLst>
+                <a:ext uri="{FF2B5EF4-FFF2-40B4-BE49-F238E27FC236}">
+                  <a16:creationId xmlns:a16="http://schemas.microsoft.com/office/drawing/2014/main" id="{7748DEAB-2410-C044-A275-985A08CDFE98}"/>
+                </a:ext>
+              </a:extLst>
+            </p:cNvPr>
+            <p:cNvCxnSpPr>
+              <a:cxnSpLocks/>
+              <a:stCxn id="67" idx="1"/>
+              <a:endCxn id="65" idx="3"/>
+            </p:cNvCxnSpPr>
+            <p:nvPr/>
+          </p:nvCxnSpPr>
+          <p:spPr>
+            <a:xfrm flipH="1">
+              <a:off x="8005781" y="1686498"/>
+              <a:ext cx="895901" cy="0"/>
+            </a:xfrm>
+            <a:prstGeom prst="straightConnector1">
+              <a:avLst/>
+            </a:prstGeom>
+            <a:ln>
+              <a:solidFill>
+                <a:schemeClr val="bg1"/>
+              </a:solidFill>
+              <a:headEnd type="arrow" w="med" len="med"/>
+              <a:tailEnd type="arrow" w="med" len="med"/>
+            </a:ln>
+          </p:spPr>
+          <p:style>
+            <a:lnRef idx="1">
+              <a:schemeClr val="accent1"/>
+            </a:lnRef>
+            <a:fillRef idx="0">
+              <a:schemeClr val="accent1"/>
+            </a:fillRef>
+            <a:effectRef idx="0">
+              <a:schemeClr val="accent1"/>
+            </a:effectRef>
+            <a:fontRef idx="minor">
+              <a:schemeClr val="tx1"/>
+            </a:fontRef>
+          </p:style>
+        </p:cxnSp>
+        <p:cxnSp>
+          <p:nvCxnSpPr>
+            <p:cNvPr id="85" name="Straight Arrow Connector 84">
+              <a:extLst>
+                <a:ext uri="{FF2B5EF4-FFF2-40B4-BE49-F238E27FC236}">
+                  <a16:creationId xmlns:a16="http://schemas.microsoft.com/office/drawing/2014/main" id="{B71F938F-8FBE-0442-8049-1BC1A68985E3}"/>
+                </a:ext>
+              </a:extLst>
+            </p:cNvPr>
+            <p:cNvCxnSpPr>
+              <a:cxnSpLocks/>
+              <a:stCxn id="67" idx="3"/>
+              <a:endCxn id="70" idx="1"/>
+            </p:cNvCxnSpPr>
+            <p:nvPr/>
+          </p:nvCxnSpPr>
+          <p:spPr>
+            <a:xfrm>
+              <a:off x="9473182" y="1686498"/>
+              <a:ext cx="895901" cy="0"/>
+            </a:xfrm>
+            <a:prstGeom prst="straightConnector1">
+              <a:avLst/>
+            </a:prstGeom>
+            <a:ln>
+              <a:solidFill>
+                <a:schemeClr val="bg1"/>
+              </a:solidFill>
+              <a:headEnd type="none" w="med" len="med"/>
+              <a:tailEnd type="arrow" w="med" len="med"/>
+            </a:ln>
+          </p:spPr>
+          <p:style>
+            <a:lnRef idx="1">
+              <a:schemeClr val="accent1"/>
+            </a:lnRef>
+            <a:fillRef idx="0">
+              <a:schemeClr val="accent1"/>
+            </a:fillRef>
+            <a:effectRef idx="0">
+              <a:schemeClr val="accent1"/>
+            </a:effectRef>
+            <a:fontRef idx="minor">
+              <a:schemeClr val="tx1"/>
+            </a:fontRef>
+          </p:style>
+        </p:cxnSp>
+        <p:sp>
+          <p:nvSpPr>
+            <p:cNvPr id="88" name="TextBox 87">
+              <a:extLst>
+                <a:ext uri="{FF2B5EF4-FFF2-40B4-BE49-F238E27FC236}">
+                  <a16:creationId xmlns:a16="http://schemas.microsoft.com/office/drawing/2014/main" id="{4134C82D-0BB8-5F46-ABB9-05DE8FAAE5CE}"/>
+                </a:ext>
+              </a:extLst>
+            </p:cNvPr>
+            <p:cNvSpPr txBox="1"/>
+            <p:nvPr/>
+          </p:nvSpPr>
+          <p:spPr>
+            <a:xfrm>
+              <a:off x="6942791" y="2098615"/>
+              <a:ext cx="1554480" cy="430887"/>
+            </a:xfrm>
+            <a:prstGeom prst="rect">
+              <a:avLst/>
+            </a:prstGeom>
+            <a:noFill/>
+          </p:spPr>
+          <p:txBody>
+            <a:bodyPr wrap="square" rtlCol="0">
+              <a:spAutoFit/>
+            </a:bodyPr>
+            <a:lstStyle/>
+            <a:p>
+              <a:pPr algn="ctr"/>
+              <a:r>
+                <a:rPr lang="en-US" sz="1100" dirty="0">
+                  <a:solidFill>
+                    <a:schemeClr val="bg1"/>
+                  </a:solidFill>
+                  <a:latin typeface="Amazon Ember" panose="020B0603020204020204" pitchFamily="34" charset="0"/>
+                  <a:ea typeface="Amazon Ember" panose="020B0603020204020204" pitchFamily="34" charset="0"/>
+                  <a:cs typeface="Amazon Ember" panose="020B0603020204020204" pitchFamily="34" charset="0"/>
+                </a:rPr>
+                <a:t>Amazon SQS</a:t>
+              </a:r>
+            </a:p>
+            <a:p>
+              <a:pPr algn="ctr"/>
+              <a:r>
+                <a:rPr lang="en-US" sz="1100" dirty="0">
+                  <a:solidFill>
+                    <a:schemeClr val="bg1"/>
+                  </a:solidFill>
+                  <a:latin typeface="Amazon Ember" panose="020B0603020204020204" pitchFamily="34" charset="0"/>
+                  <a:ea typeface="Amazon Ember" panose="020B0603020204020204" pitchFamily="34" charset="0"/>
+                  <a:cs typeface="Amazon Ember" panose="020B0603020204020204" pitchFamily="34" charset="0"/>
+                </a:rPr>
+                <a:t>queue “Orders”</a:t>
+              </a:r>
+            </a:p>
+          </p:txBody>
+        </p:sp>
+        <p:sp>
+          <p:nvSpPr>
+            <p:cNvPr id="89" name="TextBox 88">
+              <a:extLst>
+                <a:ext uri="{FF2B5EF4-FFF2-40B4-BE49-F238E27FC236}">
+                  <a16:creationId xmlns:a16="http://schemas.microsoft.com/office/drawing/2014/main" id="{B5956E21-922B-B54D-BE05-C2C1D7A2B90A}"/>
+                </a:ext>
+              </a:extLst>
+            </p:cNvPr>
+            <p:cNvSpPr txBox="1"/>
+            <p:nvPr/>
+          </p:nvSpPr>
+          <p:spPr>
+            <a:xfrm>
+              <a:off x="8410192" y="2098615"/>
+              <a:ext cx="1554480" cy="430887"/>
+            </a:xfrm>
+            <a:prstGeom prst="rect">
+              <a:avLst/>
+            </a:prstGeom>
+            <a:noFill/>
+          </p:spPr>
+          <p:txBody>
+            <a:bodyPr wrap="square" rtlCol="0">
+              <a:spAutoFit/>
+            </a:bodyPr>
+            <a:lstStyle/>
+            <a:p>
+              <a:pPr algn="ctr"/>
+              <a:r>
+                <a:rPr lang="en-US" sz="1100" dirty="0">
+                  <a:solidFill>
+                    <a:schemeClr val="bg1"/>
+                  </a:solidFill>
+                  <a:latin typeface="Amazon Ember" panose="020B0603020204020204" pitchFamily="34" charset="0"/>
+                  <a:ea typeface="Amazon Ember" panose="020B0603020204020204" pitchFamily="34" charset="0"/>
+                  <a:cs typeface="Amazon Ember" panose="020B0603020204020204" pitchFamily="34" charset="0"/>
+                </a:rPr>
+                <a:t>AWS Lambda</a:t>
+              </a:r>
+            </a:p>
+            <a:p>
+              <a:pPr algn="ctr"/>
+              <a:r>
+                <a:rPr lang="en-US" sz="1100" dirty="0">
+                  <a:solidFill>
+                    <a:schemeClr val="bg1"/>
+                  </a:solidFill>
+                  <a:latin typeface="Amazon Ember" panose="020B0603020204020204" pitchFamily="34" charset="0"/>
+                  <a:ea typeface="Amazon Ember" panose="020B0603020204020204" pitchFamily="34" charset="0"/>
+                  <a:cs typeface="Amazon Ember" panose="020B0603020204020204" pitchFamily="34" charset="0"/>
+                </a:rPr>
+                <a:t>function “Process”</a:t>
+              </a:r>
+            </a:p>
+          </p:txBody>
+        </p:sp>
+        <p:sp>
+          <p:nvSpPr>
+            <p:cNvPr id="90" name="TextBox 89">
+              <a:extLst>
+                <a:ext uri="{FF2B5EF4-FFF2-40B4-BE49-F238E27FC236}">
+                  <a16:creationId xmlns:a16="http://schemas.microsoft.com/office/drawing/2014/main" id="{20EEA89E-FE71-654A-A901-5A5D5C17A74F}"/>
+                </a:ext>
+              </a:extLst>
+            </p:cNvPr>
+            <p:cNvSpPr txBox="1"/>
+            <p:nvPr/>
+          </p:nvSpPr>
+          <p:spPr>
+            <a:xfrm>
+              <a:off x="9877593" y="2098615"/>
+              <a:ext cx="1554480" cy="430887"/>
+            </a:xfrm>
+            <a:prstGeom prst="rect">
+              <a:avLst/>
+            </a:prstGeom>
+            <a:noFill/>
+          </p:spPr>
+          <p:txBody>
+            <a:bodyPr wrap="square" rtlCol="0">
+              <a:spAutoFit/>
+            </a:bodyPr>
+            <a:lstStyle/>
+            <a:p>
+              <a:pPr algn="ctr"/>
+              <a:r>
+                <a:rPr lang="en-US" sz="1100" dirty="0">
+                  <a:solidFill>
+                    <a:schemeClr val="bg1"/>
+                  </a:solidFill>
+                  <a:latin typeface="Amazon Ember" panose="020B0603020204020204" pitchFamily="34" charset="0"/>
+                  <a:ea typeface="Amazon Ember" panose="020B0603020204020204" pitchFamily="34" charset="0"/>
+                  <a:cs typeface="Amazon Ember" panose="020B0603020204020204" pitchFamily="34" charset="0"/>
+                </a:rPr>
+                <a:t>Amazon DynamoDB</a:t>
+              </a:r>
+            </a:p>
+            <a:p>
+              <a:pPr algn="ctr"/>
+              <a:r>
+                <a:rPr lang="en-US" sz="1100" dirty="0">
+                  <a:solidFill>
+                    <a:schemeClr val="bg1"/>
+                  </a:solidFill>
+                  <a:latin typeface="Amazon Ember" panose="020B0603020204020204" pitchFamily="34" charset="0"/>
+                  <a:ea typeface="Amazon Ember" panose="020B0603020204020204" pitchFamily="34" charset="0"/>
+                  <a:cs typeface="Amazon Ember" panose="020B0603020204020204" pitchFamily="34" charset="0"/>
+                </a:rPr>
+                <a:t>table “Orders”</a:t>
+              </a:r>
+            </a:p>
+          </p:txBody>
+        </p:sp>
+        <p:pic>
+          <p:nvPicPr>
+            <p:cNvPr id="103" name="Graphic 102">
+              <a:extLst>
+                <a:ext uri="{FF2B5EF4-FFF2-40B4-BE49-F238E27FC236}">
+                  <a16:creationId xmlns:a16="http://schemas.microsoft.com/office/drawing/2014/main" id="{2308A23E-E6F5-A442-9309-AE50099F8941}"/>
+                </a:ext>
+              </a:extLst>
+            </p:cNvPr>
+            <p:cNvPicPr>
+              <a:picLocks noChangeAspect="1"/>
+            </p:cNvPicPr>
+            <p:nvPr/>
+          </p:nvPicPr>
+          <p:blipFill>
+            <a:blip r:embed="rId18">
+              <a:extLst>
+                <a:ext uri="{96DAC541-7B7A-43D3-8B79-37D633B846F1}">
+                  <asvg:svgBlip xmlns:asvg="http://schemas.microsoft.com/office/drawing/2016/SVG/main" r:embed="rId19"/>
+                </a:ext>
+              </a:extLst>
+            </a:blip>
+            <a:stretch>
+              <a:fillRect/>
+            </a:stretch>
+          </p:blipFill>
+          <p:spPr>
+            <a:xfrm>
+              <a:off x="10273833" y="2970869"/>
+              <a:ext cx="762000" cy="1092200"/>
+            </a:xfrm>
+            <a:prstGeom prst="rect">
+              <a:avLst/>
+            </a:prstGeom>
+          </p:spPr>
+        </p:pic>
+        <p:cxnSp>
+          <p:nvCxnSpPr>
+            <p:cNvPr id="104" name="Straight Arrow Connector 103">
+              <a:extLst>
+                <a:ext uri="{FF2B5EF4-FFF2-40B4-BE49-F238E27FC236}">
+                  <a16:creationId xmlns:a16="http://schemas.microsoft.com/office/drawing/2014/main" id="{009D453A-21BB-C24B-A42D-18C2DE449A0E}"/>
+                </a:ext>
+              </a:extLst>
+            </p:cNvPr>
+            <p:cNvCxnSpPr>
+              <a:cxnSpLocks/>
+              <a:stCxn id="103" idx="1"/>
+              <a:endCxn id="54" idx="3"/>
+            </p:cNvCxnSpPr>
+            <p:nvPr/>
+          </p:nvCxnSpPr>
+          <p:spPr>
+            <a:xfrm flipH="1" flipV="1">
+              <a:off x="9503543" y="3515504"/>
+              <a:ext cx="770290" cy="1465"/>
+            </a:xfrm>
+            <a:prstGeom prst="straightConnector1">
+              <a:avLst/>
+            </a:prstGeom>
+            <a:ln>
+              <a:solidFill>
+                <a:schemeClr val="bg1"/>
+              </a:solidFill>
+              <a:headEnd type="none" w="med" len="med"/>
+              <a:tailEnd type="arrow" w="med" len="med"/>
+            </a:ln>
+          </p:spPr>
+          <p:style>
+            <a:lnRef idx="1">
+              <a:schemeClr val="accent1"/>
+            </a:lnRef>
+            <a:fillRef idx="0">
+              <a:schemeClr val="accent1"/>
+            </a:fillRef>
+            <a:effectRef idx="0">
+              <a:schemeClr val="accent1"/>
+            </a:effectRef>
+            <a:fontRef idx="minor">
+              <a:schemeClr val="tx1"/>
+            </a:fontRef>
+          </p:style>
+        </p:cxnSp>
+        <p:pic>
+          <p:nvPicPr>
+            <p:cNvPr id="107" name="Picture 2" descr="Image result for kibana icon">
+              <a:extLst>
+                <a:ext uri="{FF2B5EF4-FFF2-40B4-BE49-F238E27FC236}">
+                  <a16:creationId xmlns:a16="http://schemas.microsoft.com/office/drawing/2014/main" id="{9C7E2306-4460-6F43-8D30-9DD9C3828CF4}"/>
+                </a:ext>
+              </a:extLst>
+            </p:cNvPr>
+            <p:cNvPicPr>
+              <a:picLocks noChangeAspect="1" noChangeArrowheads="1"/>
+            </p:cNvPicPr>
+            <p:nvPr/>
+          </p:nvPicPr>
+          <p:blipFill>
+            <a:blip r:embed="rId20">
+              <a:duotone>
+                <a:schemeClr val="accent3">
+                  <a:shade val="45000"/>
+                  <a:satMod val="135000"/>
+                </a:schemeClr>
+                <a:prstClr val="white"/>
+              </a:duotone>
+              <a:extLst>
+                <a:ext uri="{BEBA8EAE-BF5A-486C-A8C5-ECC9F3942E4B}">
+                  <a14:imgProps xmlns:a14="http://schemas.microsoft.com/office/drawing/2010/main">
+                    <a14:imgLayer>
+                      <a14:imgEffect>
+                        <a14:sharpenSoften amount="50000"/>
+                      </a14:imgEffect>
+                      <a14:imgEffect>
+                        <a14:saturation sat="0"/>
+                      </a14:imgEffect>
+                    </a14:imgLayer>
+                  </a14:imgProps>
+                </a:ext>
+                <a:ext uri="{28A0092B-C50C-407E-A947-70E740481C1C}">
+                  <a14:useLocalDpi xmlns:a14="http://schemas.microsoft.com/office/drawing/2010/main" val="0"/>
+                </a:ext>
+              </a:extLst>
+            </a:blip>
+            <a:srcRect/>
+            <a:stretch>
+              <a:fillRect/>
+            </a:stretch>
+          </p:blipFill>
+          <p:spPr bwMode="auto">
+            <a:xfrm>
+              <a:off x="10364511" y="4338797"/>
+              <a:ext cx="576072" cy="576072"/>
+            </a:xfrm>
+            <a:prstGeom prst="rect">
+              <a:avLst/>
+            </a:prstGeom>
+            <a:noFill/>
+            <a:extLst>
+              <a:ext uri="{909E8E84-426E-40DD-AFC4-6F175D3DCCD1}">
+                <a14:hiddenFill xmlns:a14="http://schemas.microsoft.com/office/drawing/2010/main">
+                  <a:solidFill>
+                    <a:srgbClr val="FFFFFF"/>
+                  </a:solidFill>
+                </a14:hiddenFill>
+              </a:ext>
+            </a:extLst>
+          </p:spPr>
+        </p:pic>
+        <p:cxnSp>
+          <p:nvCxnSpPr>
+            <p:cNvPr id="108" name="Straight Arrow Connector 107">
+              <a:extLst>
+                <a:ext uri="{FF2B5EF4-FFF2-40B4-BE49-F238E27FC236}">
+                  <a16:creationId xmlns:a16="http://schemas.microsoft.com/office/drawing/2014/main" id="{B0CEAFBE-B142-3F42-9A38-6AB8DD92957C}"/>
+                </a:ext>
+              </a:extLst>
+            </p:cNvPr>
+            <p:cNvCxnSpPr>
+              <a:cxnSpLocks/>
+              <a:stCxn id="107" idx="1"/>
+              <a:endCxn id="27" idx="3"/>
+            </p:cNvCxnSpPr>
+            <p:nvPr/>
+          </p:nvCxnSpPr>
+          <p:spPr>
+            <a:xfrm flipH="1" flipV="1">
+              <a:off x="9503543" y="4624549"/>
+              <a:ext cx="860968" cy="2284"/>
+            </a:xfrm>
+            <a:prstGeom prst="straightConnector1">
+              <a:avLst/>
+            </a:prstGeom>
+            <a:ln>
+              <a:solidFill>
+                <a:schemeClr val="bg1"/>
+              </a:solidFill>
+              <a:headEnd type="none" w="med" len="med"/>
+              <a:tailEnd type="arrow" w="med" len="med"/>
+            </a:ln>
+          </p:spPr>
+          <p:style>
+            <a:lnRef idx="1">
+              <a:schemeClr val="accent1"/>
+            </a:lnRef>
+            <a:fillRef idx="0">
+              <a:schemeClr val="accent1"/>
+            </a:fillRef>
+            <a:effectRef idx="0">
+              <a:schemeClr val="accent1"/>
+            </a:effectRef>
+            <a:fontRef idx="minor">
+              <a:schemeClr val="tx1"/>
+            </a:fontRef>
+          </p:style>
+        </p:cxnSp>
+      </p:grpSp>
+    </p:spTree>
+    <p:extLst>
+      <p:ext uri="{BB962C8B-B14F-4D97-AF65-F5344CB8AC3E}">
+        <p14:creationId xmlns:p14="http://schemas.microsoft.com/office/powerpoint/2010/main" val="3594256646"/>
       </p:ext>
     </p:extLst>
   </p:cSld>
@@ -4340,4 +10075,299 @@
     </a:ext>
   </a:extLst>
 </a:theme>
+</file>
+
+<file path=ppt/theme/theme2.xml><?xml version="1.0" encoding="utf-8"?>
+<a:theme xmlns:a="http://schemas.openxmlformats.org/drawingml/2006/main" name="Office Theme">
+  <a:themeElements>
+    <a:clrScheme name="Office">
+      <a:dk1>
+        <a:sysClr val="windowText" lastClr="000000"/>
+      </a:dk1>
+      <a:lt1>
+        <a:sysClr val="window" lastClr="FFFFFF"/>
+      </a:lt1>
+      <a:dk2>
+        <a:srgbClr val="44546A"/>
+      </a:dk2>
+      <a:lt2>
+        <a:srgbClr val="E7E6E6"/>
+      </a:lt2>
+      <a:accent1>
+        <a:srgbClr val="4472C4"/>
+      </a:accent1>
+      <a:accent2>
+        <a:srgbClr val="ED7D31"/>
+      </a:accent2>
+      <a:accent3>
+        <a:srgbClr val="A5A5A5"/>
+      </a:accent3>
+      <a:accent4>
+        <a:srgbClr val="FFC000"/>
+      </a:accent4>
+      <a:accent5>
+        <a:srgbClr val="5B9BD5"/>
+      </a:accent5>
+      <a:accent6>
+        <a:srgbClr val="70AD47"/>
+      </a:accent6>
+      <a:hlink>
+        <a:srgbClr val="0563C1"/>
+      </a:hlink>
+      <a:folHlink>
+        <a:srgbClr val="954F72"/>
+      </a:folHlink>
+    </a:clrScheme>
+    <a:fontScheme name="Office">
+      <a:majorFont>
+        <a:latin typeface="Calibri Light" panose="020F0302020204030204"/>
+        <a:ea typeface=""/>
+        <a:cs typeface=""/>
+        <a:font script="Jpan" typeface="游ゴシック Light"/>
+        <a:font script="Hang" typeface="맑은 고딕"/>
+        <a:font script="Hans" typeface="等线 Light"/>
+        <a:font script="Hant" typeface="新細明體"/>
+        <a:font script="Arab" typeface="Times New Roman"/>
+        <a:font script="Hebr" typeface="Times New Roman"/>
+        <a:font script="Thai" typeface="Angsana New"/>
+        <a:font script="Ethi" typeface="Nyala"/>
+        <a:font script="Beng" typeface="Vrinda"/>
+        <a:font script="Gujr" typeface="Shruti"/>
+        <a:font script="Khmr" typeface="MoolBoran"/>
+        <a:font script="Knda" typeface="Tunga"/>
+        <a:font script="Guru" typeface="Raavi"/>
+        <a:font script="Cans" typeface="Euphemia"/>
+        <a:font script="Cher" typeface="Plantagenet Cherokee"/>
+        <a:font script="Yiii" typeface="Microsoft Yi Baiti"/>
+        <a:font script="Tibt" typeface="Microsoft Himalaya"/>
+        <a:font script="Thaa" typeface="MV Boli"/>
+        <a:font script="Deva" typeface="Mangal"/>
+        <a:font script="Telu" typeface="Gautami"/>
+        <a:font script="Taml" typeface="Latha"/>
+        <a:font script="Syrc" typeface="Estrangelo Edessa"/>
+        <a:font script="Orya" typeface="Kalinga"/>
+        <a:font script="Mlym" typeface="Kartika"/>
+        <a:font script="Laoo" typeface="DokChampa"/>
+        <a:font script="Sinh" typeface="Iskoola Pota"/>
+        <a:font script="Mong" typeface="Mongolian Baiti"/>
+        <a:font script="Viet" typeface="Times New Roman"/>
+        <a:font script="Uigh" typeface="Microsoft Uighur"/>
+        <a:font script="Geor" typeface="Sylfaen"/>
+        <a:font script="Armn" typeface="Arial"/>
+        <a:font script="Bugi" typeface="Leelawadee UI"/>
+        <a:font script="Bopo" typeface="Microsoft JhengHei"/>
+        <a:font script="Java" typeface="Javanese Text"/>
+        <a:font script="Lisu" typeface="Segoe UI"/>
+        <a:font script="Mymr" typeface="Myanmar Text"/>
+        <a:font script="Nkoo" typeface="Ebrima"/>
+        <a:font script="Olck" typeface="Nirmala UI"/>
+        <a:font script="Osma" typeface="Ebrima"/>
+        <a:font script="Phag" typeface="Phagspa"/>
+        <a:font script="Syrn" typeface="Estrangelo Edessa"/>
+        <a:font script="Syrj" typeface="Estrangelo Edessa"/>
+        <a:font script="Syre" typeface="Estrangelo Edessa"/>
+        <a:font script="Sora" typeface="Nirmala UI"/>
+        <a:font script="Tale" typeface="Microsoft Tai Le"/>
+        <a:font script="Talu" typeface="Microsoft New Tai Lue"/>
+        <a:font script="Tfng" typeface="Ebrima"/>
+      </a:majorFont>
+      <a:minorFont>
+        <a:latin typeface="Calibri" panose="020F0502020204030204"/>
+        <a:ea typeface=""/>
+        <a:cs typeface=""/>
+        <a:font script="Jpan" typeface="游ゴシック"/>
+        <a:font script="Hang" typeface="맑은 고딕"/>
+        <a:font script="Hans" typeface="等线"/>
+        <a:font script="Hant" typeface="新細明體"/>
+        <a:font script="Arab" typeface="Arial"/>
+        <a:font script="Hebr" typeface="Arial"/>
+        <a:font script="Thai" typeface="Cordia New"/>
+        <a:font script="Ethi" typeface="Nyala"/>
+        <a:font script="Beng" typeface="Vrinda"/>
+        <a:font script="Gujr" typeface="Shruti"/>
+        <a:font script="Khmr" typeface="DaunPenh"/>
+        <a:font script="Knda" typeface="Tunga"/>
+        <a:font script="Guru" typeface="Raavi"/>
+        <a:font script="Cans" typeface="Euphemia"/>
+        <a:font script="Cher" typeface="Plantagenet Cherokee"/>
+        <a:font script="Yiii" typeface="Microsoft Yi Baiti"/>
+        <a:font script="Tibt" typeface="Microsoft Himalaya"/>
+        <a:font script="Thaa" typeface="MV Boli"/>
+        <a:font script="Deva" typeface="Mangal"/>
+        <a:font script="Telu" typeface="Gautami"/>
+        <a:font script="Taml" typeface="Latha"/>
+        <a:font script="Syrc" typeface="Estrangelo Edessa"/>
+        <a:font script="Orya" typeface="Kalinga"/>
+        <a:font script="Mlym" typeface="Kartika"/>
+        <a:font script="Laoo" typeface="DokChampa"/>
+        <a:font script="Sinh" typeface="Iskoola Pota"/>
+        <a:font script="Mong" typeface="Mongolian Baiti"/>
+        <a:font script="Viet" typeface="Arial"/>
+        <a:font script="Uigh" typeface="Microsoft Uighur"/>
+        <a:font script="Geor" typeface="Sylfaen"/>
+        <a:font script="Armn" typeface="Arial"/>
+        <a:font script="Bugi" typeface="Leelawadee UI"/>
+        <a:font script="Bopo" typeface="Microsoft JhengHei"/>
+        <a:font script="Java" typeface="Javanese Text"/>
+        <a:font script="Lisu" typeface="Segoe UI"/>
+        <a:font script="Mymr" typeface="Myanmar Text"/>
+        <a:font script="Nkoo" typeface="Ebrima"/>
+        <a:font script="Olck" typeface="Nirmala UI"/>
+        <a:font script="Osma" typeface="Ebrima"/>
+        <a:font script="Phag" typeface="Phagspa"/>
+        <a:font script="Syrn" typeface="Estrangelo Edessa"/>
+        <a:font script="Syrj" typeface="Estrangelo Edessa"/>
+        <a:font script="Syre" typeface="Estrangelo Edessa"/>
+        <a:font script="Sora" typeface="Nirmala UI"/>
+        <a:font script="Tale" typeface="Microsoft Tai Le"/>
+        <a:font script="Talu" typeface="Microsoft New Tai Lue"/>
+        <a:font script="Tfng" typeface="Ebrima"/>
+      </a:minorFont>
+    </a:fontScheme>
+    <a:fmtScheme name="Office">
+      <a:fillStyleLst>
+        <a:solidFill>
+          <a:schemeClr val="phClr"/>
+        </a:solidFill>
+        <a:gradFill rotWithShape="1">
+          <a:gsLst>
+            <a:gs pos="0">
+              <a:schemeClr val="phClr">
+                <a:lumMod val="110000"/>
+                <a:satMod val="105000"/>
+                <a:tint val="67000"/>
+              </a:schemeClr>
+            </a:gs>
+            <a:gs pos="50000">
+              <a:schemeClr val="phClr">
+                <a:lumMod val="105000"/>
+                <a:satMod val="103000"/>
+                <a:tint val="73000"/>
+              </a:schemeClr>
+            </a:gs>
+            <a:gs pos="100000">
+              <a:schemeClr val="phClr">
+                <a:lumMod val="105000"/>
+                <a:satMod val="109000"/>
+                <a:tint val="81000"/>
+              </a:schemeClr>
+            </a:gs>
+          </a:gsLst>
+          <a:lin ang="5400000" scaled="0"/>
+        </a:gradFill>
+        <a:gradFill rotWithShape="1">
+          <a:gsLst>
+            <a:gs pos="0">
+              <a:schemeClr val="phClr">
+                <a:satMod val="103000"/>
+                <a:lumMod val="102000"/>
+                <a:tint val="94000"/>
+              </a:schemeClr>
+            </a:gs>
+            <a:gs pos="50000">
+              <a:schemeClr val="phClr">
+                <a:satMod val="110000"/>
+                <a:lumMod val="100000"/>
+                <a:shade val="100000"/>
+              </a:schemeClr>
+            </a:gs>
+            <a:gs pos="100000">
+              <a:schemeClr val="phClr">
+                <a:lumMod val="99000"/>
+                <a:satMod val="120000"/>
+                <a:shade val="78000"/>
+              </a:schemeClr>
+            </a:gs>
+          </a:gsLst>
+          <a:lin ang="5400000" scaled="0"/>
+        </a:gradFill>
+      </a:fillStyleLst>
+      <a:lnStyleLst>
+        <a:ln w="6350" cap="flat" cmpd="sng" algn="ctr">
+          <a:solidFill>
+            <a:schemeClr val="phClr"/>
+          </a:solidFill>
+          <a:prstDash val="solid"/>
+          <a:miter lim="800000"/>
+        </a:ln>
+        <a:ln w="12700" cap="flat" cmpd="sng" algn="ctr">
+          <a:solidFill>
+            <a:schemeClr val="phClr"/>
+          </a:solidFill>
+          <a:prstDash val="solid"/>
+          <a:miter lim="800000"/>
+        </a:ln>
+        <a:ln w="19050" cap="flat" cmpd="sng" algn="ctr">
+          <a:solidFill>
+            <a:schemeClr val="phClr"/>
+          </a:solidFill>
+          <a:prstDash val="solid"/>
+          <a:miter lim="800000"/>
+        </a:ln>
+      </a:lnStyleLst>
+      <a:effectStyleLst>
+        <a:effectStyle>
+          <a:effectLst/>
+        </a:effectStyle>
+        <a:effectStyle>
+          <a:effectLst/>
+        </a:effectStyle>
+        <a:effectStyle>
+          <a:effectLst>
+            <a:outerShdw blurRad="57150" dist="19050" dir="5400000" algn="ctr" rotWithShape="0">
+              <a:srgbClr val="000000">
+                <a:alpha val="63000"/>
+              </a:srgbClr>
+            </a:outerShdw>
+          </a:effectLst>
+        </a:effectStyle>
+      </a:effectStyleLst>
+      <a:bgFillStyleLst>
+        <a:solidFill>
+          <a:schemeClr val="phClr"/>
+        </a:solidFill>
+        <a:solidFill>
+          <a:schemeClr val="phClr">
+            <a:tint val="95000"/>
+            <a:satMod val="170000"/>
+          </a:schemeClr>
+        </a:solidFill>
+        <a:gradFill rotWithShape="1">
+          <a:gsLst>
+            <a:gs pos="0">
+              <a:schemeClr val="phClr">
+                <a:tint val="93000"/>
+                <a:satMod val="150000"/>
+                <a:shade val="98000"/>
+                <a:lumMod val="102000"/>
+              </a:schemeClr>
+            </a:gs>
+            <a:gs pos="50000">
+              <a:schemeClr val="phClr">
+                <a:tint val="98000"/>
+                <a:satMod val="130000"/>
+                <a:shade val="90000"/>
+                <a:lumMod val="103000"/>
+              </a:schemeClr>
+            </a:gs>
+            <a:gs pos="100000">
+              <a:schemeClr val="phClr">
+                <a:shade val="63000"/>
+                <a:satMod val="120000"/>
+              </a:schemeClr>
+            </a:gs>
+          </a:gsLst>
+          <a:lin ang="5400000" scaled="0"/>
+        </a:gradFill>
+      </a:bgFillStyleLst>
+    </a:fmtScheme>
+  </a:themeElements>
+  <a:objectDefaults/>
+  <a:extraClrSchemeLst/>
+  <a:extLst>
+    <a:ext uri="{05A4C25C-085E-4340-85A3-A5531E510DB2}">
+      <thm15:themeFamily xmlns:thm15="http://schemas.microsoft.com/office/thememl/2012/main" name="Office Theme" id="{62F939B6-93AF-4DB8-9C6B-D6C7DFDC589F}" vid="{4A3C46E8-61CC-4603-A589-7422A47A8E4A}"/>
+    </a:ext>
+  </a:extLst>
+</a:theme>
 </file>